--- a/intel_IP/IRIS/HW_IP/Interface/I2C/V1/I2C_ADXL357.pptx
+++ b/intel_IP/IRIS/HW_IP/Interface/I2C/V1/I2C_ADXL357.pptx
@@ -659,7 +659,7 @@
           <a:p>
             <a:fld id="{3DA1BA2C-5760-49A1-B02E-16886E01D598}" type="datetimeFigureOut">
               <a:rPr lang="zh-TW" altLang="en-US" smtClean="0"/>
-              <a:t>2025/5/20</a:t>
+              <a:t>2025/5/21</a:t>
             </a:fld>
             <a:endParaRPr lang="zh-TW" altLang="en-US"/>
           </a:p>
@@ -857,7 +857,7 @@
           <a:p>
             <a:fld id="{3DA1BA2C-5760-49A1-B02E-16886E01D598}" type="datetimeFigureOut">
               <a:rPr lang="zh-TW" altLang="en-US" smtClean="0"/>
-              <a:t>2025/5/20</a:t>
+              <a:t>2025/5/21</a:t>
             </a:fld>
             <a:endParaRPr lang="zh-TW" altLang="en-US"/>
           </a:p>
@@ -1065,7 +1065,7 @@
           <a:p>
             <a:fld id="{3DA1BA2C-5760-49A1-B02E-16886E01D598}" type="datetimeFigureOut">
               <a:rPr lang="zh-TW" altLang="en-US" smtClean="0"/>
-              <a:t>2025/5/20</a:t>
+              <a:t>2025/5/21</a:t>
             </a:fld>
             <a:endParaRPr lang="zh-TW" altLang="en-US"/>
           </a:p>
@@ -1263,7 +1263,7 @@
           <a:p>
             <a:fld id="{3DA1BA2C-5760-49A1-B02E-16886E01D598}" type="datetimeFigureOut">
               <a:rPr lang="zh-TW" altLang="en-US" smtClean="0"/>
-              <a:t>2025/5/20</a:t>
+              <a:t>2025/5/21</a:t>
             </a:fld>
             <a:endParaRPr lang="zh-TW" altLang="en-US"/>
           </a:p>
@@ -1538,7 +1538,7 @@
           <a:p>
             <a:fld id="{3DA1BA2C-5760-49A1-B02E-16886E01D598}" type="datetimeFigureOut">
               <a:rPr lang="zh-TW" altLang="en-US" smtClean="0"/>
-              <a:t>2025/5/20</a:t>
+              <a:t>2025/5/21</a:t>
             </a:fld>
             <a:endParaRPr lang="zh-TW" altLang="en-US"/>
           </a:p>
@@ -1803,7 +1803,7 @@
           <a:p>
             <a:fld id="{3DA1BA2C-5760-49A1-B02E-16886E01D598}" type="datetimeFigureOut">
               <a:rPr lang="zh-TW" altLang="en-US" smtClean="0"/>
-              <a:t>2025/5/20</a:t>
+              <a:t>2025/5/21</a:t>
             </a:fld>
             <a:endParaRPr lang="zh-TW" altLang="en-US"/>
           </a:p>
@@ -2215,7 +2215,7 @@
           <a:p>
             <a:fld id="{3DA1BA2C-5760-49A1-B02E-16886E01D598}" type="datetimeFigureOut">
               <a:rPr lang="zh-TW" altLang="en-US" smtClean="0"/>
-              <a:t>2025/5/20</a:t>
+              <a:t>2025/5/21</a:t>
             </a:fld>
             <a:endParaRPr lang="zh-TW" altLang="en-US"/>
           </a:p>
@@ -2356,7 +2356,7 @@
           <a:p>
             <a:fld id="{3DA1BA2C-5760-49A1-B02E-16886E01D598}" type="datetimeFigureOut">
               <a:rPr lang="zh-TW" altLang="en-US" smtClean="0"/>
-              <a:t>2025/5/20</a:t>
+              <a:t>2025/5/21</a:t>
             </a:fld>
             <a:endParaRPr lang="zh-TW" altLang="en-US"/>
           </a:p>
@@ -2469,7 +2469,7 @@
           <a:p>
             <a:fld id="{3DA1BA2C-5760-49A1-B02E-16886E01D598}" type="datetimeFigureOut">
               <a:rPr lang="zh-TW" altLang="en-US" smtClean="0"/>
-              <a:t>2025/5/20</a:t>
+              <a:t>2025/5/21</a:t>
             </a:fld>
             <a:endParaRPr lang="zh-TW" altLang="en-US"/>
           </a:p>
@@ -2780,7 +2780,7 @@
           <a:p>
             <a:fld id="{3DA1BA2C-5760-49A1-B02E-16886E01D598}" type="datetimeFigureOut">
               <a:rPr lang="zh-TW" altLang="en-US" smtClean="0"/>
-              <a:t>2025/5/20</a:t>
+              <a:t>2025/5/21</a:t>
             </a:fld>
             <a:endParaRPr lang="zh-TW" altLang="en-US"/>
           </a:p>
@@ -3068,7 +3068,7 @@
           <a:p>
             <a:fld id="{3DA1BA2C-5760-49A1-B02E-16886E01D598}" type="datetimeFigureOut">
               <a:rPr lang="zh-TW" altLang="en-US" smtClean="0"/>
-              <a:t>2025/5/20</a:t>
+              <a:t>2025/5/21</a:t>
             </a:fld>
             <a:endParaRPr lang="zh-TW" altLang="en-US"/>
           </a:p>
@@ -3309,7 +3309,7 @@
           <a:p>
             <a:fld id="{3DA1BA2C-5760-49A1-B02E-16886E01D598}" type="datetimeFigureOut">
               <a:rPr lang="zh-TW" altLang="en-US" smtClean="0"/>
-              <a:t>2025/5/20</a:t>
+              <a:t>2025/5/21</a:t>
             </a:fld>
             <a:endParaRPr lang="zh-TW" altLang="en-US"/>
           </a:p>
@@ -3819,10 +3819,10 @@
       </p:sp>
       <p:pic>
         <p:nvPicPr>
-          <p:cNvPr id="6" name="圖片 5">
-            <a:extLst>
-              <a:ext uri="{FF2B5EF4-FFF2-40B4-BE49-F238E27FC236}">
-                <a16:creationId xmlns:a16="http://schemas.microsoft.com/office/drawing/2014/main" id="{95EE068B-FC89-0C67-3E2C-72042D5A5F87}"/>
+          <p:cNvPr id="5" name="圖片 4">
+            <a:extLst>
+              <a:ext uri="{FF2B5EF4-FFF2-40B4-BE49-F238E27FC236}">
+                <a16:creationId xmlns:a16="http://schemas.microsoft.com/office/drawing/2014/main" id="{8562C5AE-917A-EB69-B75A-BC0B91659215}"/>
               </a:ext>
             </a:extLst>
           </p:cNvPr>
@@ -3840,7 +3840,7 @@
         <p:spPr>
           <a:xfrm>
             <a:off x="0" y="1374996"/>
-            <a:ext cx="12192000" cy="5451708"/>
+            <a:ext cx="12192000" cy="5127215"/>
           </a:xfrm>
           <a:prstGeom prst="rect">
             <a:avLst/>
@@ -5490,6 +5490,36 @@
           <a:chExt cx="0" cy="0"/>
         </a:xfrm>
       </p:grpSpPr>
+      <p:pic>
+        <p:nvPicPr>
+          <p:cNvPr id="3" name="圖片 2">
+            <a:extLst>
+              <a:ext uri="{FF2B5EF4-FFF2-40B4-BE49-F238E27FC236}">
+                <a16:creationId xmlns:a16="http://schemas.microsoft.com/office/drawing/2014/main" id="{41470D92-3CC7-310B-383A-5AA6843E174E}"/>
+              </a:ext>
+            </a:extLst>
+          </p:cNvPr>
+          <p:cNvPicPr>
+            <a:picLocks noChangeAspect="1"/>
+          </p:cNvPicPr>
+          <p:nvPr/>
+        </p:nvPicPr>
+        <p:blipFill>
+          <a:blip r:embed="rId2"/>
+          <a:stretch>
+            <a:fillRect/>
+          </a:stretch>
+        </p:blipFill>
+        <p:spPr>
+          <a:xfrm>
+            <a:off x="0" y="1374996"/>
+            <a:ext cx="12192000" cy="5127215"/>
+          </a:xfrm>
+          <a:prstGeom prst="rect">
+            <a:avLst/>
+          </a:prstGeom>
+        </p:spPr>
+      </p:pic>
       <p:sp>
         <p:nvSpPr>
           <p:cNvPr id="2" name="文字方塊 1">
@@ -5575,36 +5605,6 @@
           </a:p>
         </p:txBody>
       </p:sp>
-      <p:pic>
-        <p:nvPicPr>
-          <p:cNvPr id="6" name="圖片 5">
-            <a:extLst>
-              <a:ext uri="{FF2B5EF4-FFF2-40B4-BE49-F238E27FC236}">
-                <a16:creationId xmlns:a16="http://schemas.microsoft.com/office/drawing/2014/main" id="{635BBA75-AC12-1DFE-0579-7F8DA0E881A2}"/>
-              </a:ext>
-            </a:extLst>
-          </p:cNvPr>
-          <p:cNvPicPr>
-            <a:picLocks noChangeAspect="1"/>
-          </p:cNvPicPr>
-          <p:nvPr/>
-        </p:nvPicPr>
-        <p:blipFill>
-          <a:blip r:embed="rId2"/>
-          <a:stretch>
-            <a:fillRect/>
-          </a:stretch>
-        </p:blipFill>
-        <p:spPr>
-          <a:xfrm>
-            <a:off x="0" y="1374996"/>
-            <a:ext cx="12192000" cy="5451708"/>
-          </a:xfrm>
-          <a:prstGeom prst="rect">
-            <a:avLst/>
-          </a:prstGeom>
-        </p:spPr>
-      </p:pic>
       <p:grpSp>
         <p:nvGrpSpPr>
           <p:cNvPr id="21" name="群組 20">
@@ -5625,8 +5625,8 @@
             <a:chExt cx="3801240" cy="3635280"/>
           </a:xfrm>
         </p:grpSpPr>
-        <mc:AlternateContent xmlns:mc="http://schemas.openxmlformats.org/markup-compatibility/2006">
-          <mc:Choice xmlns:p14="http://schemas.microsoft.com/office/powerpoint/2010/main" Requires="p14">
+        <mc:AlternateContent xmlns:mc="http://schemas.openxmlformats.org/markup-compatibility/2006" xmlns:p14="http://schemas.microsoft.com/office/powerpoint/2010/main">
+          <mc:Choice Requires="p14">
             <p:contentPart p14:bwMode="auto" r:id="rId3">
               <p14:nvContentPartPr>
                 <p14:cNvPr id="19" name="筆跡 18">
@@ -5645,7 +5645,7 @@
               </p14:xfrm>
             </p:contentPart>
           </mc:Choice>
-          <mc:Fallback>
+          <mc:Fallback xmlns="">
             <p:pic>
               <p:nvPicPr>
                 <p:cNvPr id="19" name="筆跡 18">
@@ -5676,8 +5676,8 @@
             </p:pic>
           </mc:Fallback>
         </mc:AlternateContent>
-        <mc:AlternateContent xmlns:mc="http://schemas.openxmlformats.org/markup-compatibility/2006">
-          <mc:Choice xmlns:p14="http://schemas.microsoft.com/office/powerpoint/2010/main" Requires="p14">
+        <mc:AlternateContent xmlns:mc="http://schemas.openxmlformats.org/markup-compatibility/2006" xmlns:p14="http://schemas.microsoft.com/office/powerpoint/2010/main">
+          <mc:Choice Requires="p14">
             <p:contentPart p14:bwMode="auto" r:id="rId5">
               <p14:nvContentPartPr>
                 <p14:cNvPr id="20" name="筆跡 19">
@@ -5696,7 +5696,7 @@
               </p14:xfrm>
             </p:contentPart>
           </mc:Choice>
-          <mc:Fallback>
+          <mc:Fallback xmlns="">
             <p:pic>
               <p:nvPicPr>
                 <p:cNvPr id="20" name="筆跡 19">
@@ -5764,6 +5764,36 @@
           <a:chExt cx="0" cy="0"/>
         </a:xfrm>
       </p:grpSpPr>
+      <p:pic>
+        <p:nvPicPr>
+          <p:cNvPr id="13" name="圖片 12">
+            <a:extLst>
+              <a:ext uri="{FF2B5EF4-FFF2-40B4-BE49-F238E27FC236}">
+                <a16:creationId xmlns:a16="http://schemas.microsoft.com/office/drawing/2014/main" id="{DF537743-9F34-5881-ED08-C3F1ABD28655}"/>
+              </a:ext>
+            </a:extLst>
+          </p:cNvPr>
+          <p:cNvPicPr>
+            <a:picLocks noChangeAspect="1"/>
+          </p:cNvPicPr>
+          <p:nvPr/>
+        </p:nvPicPr>
+        <p:blipFill>
+          <a:blip r:embed="rId2"/>
+          <a:stretch>
+            <a:fillRect/>
+          </a:stretch>
+        </p:blipFill>
+        <p:spPr>
+          <a:xfrm>
+            <a:off x="0" y="1374996"/>
+            <a:ext cx="12192000" cy="5127215"/>
+          </a:xfrm>
+          <a:prstGeom prst="rect">
+            <a:avLst/>
+          </a:prstGeom>
+        </p:spPr>
+      </p:pic>
       <p:sp>
         <p:nvSpPr>
           <p:cNvPr id="2" name="文字方塊 1">
@@ -5849,36 +5879,6 @@
           </a:p>
         </p:txBody>
       </p:sp>
-      <p:pic>
-        <p:nvPicPr>
-          <p:cNvPr id="6" name="圖片 5">
-            <a:extLst>
-              <a:ext uri="{FF2B5EF4-FFF2-40B4-BE49-F238E27FC236}">
-                <a16:creationId xmlns:a16="http://schemas.microsoft.com/office/drawing/2014/main" id="{3496451A-68D6-A95B-18E3-A92A0E1C7007}"/>
-              </a:ext>
-            </a:extLst>
-          </p:cNvPr>
-          <p:cNvPicPr>
-            <a:picLocks noChangeAspect="1"/>
-          </p:cNvPicPr>
-          <p:nvPr/>
-        </p:nvPicPr>
-        <p:blipFill>
-          <a:blip r:embed="rId2"/>
-          <a:stretch>
-            <a:fillRect/>
-          </a:stretch>
-        </p:blipFill>
-        <p:spPr>
-          <a:xfrm>
-            <a:off x="0" y="1374996"/>
-            <a:ext cx="12192000" cy="5451708"/>
-          </a:xfrm>
-          <a:prstGeom prst="rect">
-            <a:avLst/>
-          </a:prstGeom>
-        </p:spPr>
-      </p:pic>
       <p:grpSp>
         <p:nvGrpSpPr>
           <p:cNvPr id="7" name="群組 6">
@@ -5899,8 +5899,8 @@
             <a:chExt cx="3822120" cy="3557520"/>
           </a:xfrm>
         </p:grpSpPr>
-        <mc:AlternateContent xmlns:mc="http://schemas.openxmlformats.org/markup-compatibility/2006">
-          <mc:Choice xmlns:p14="http://schemas.microsoft.com/office/powerpoint/2010/main" Requires="p14">
+        <mc:AlternateContent xmlns:mc="http://schemas.openxmlformats.org/markup-compatibility/2006" xmlns:p14="http://schemas.microsoft.com/office/powerpoint/2010/main">
+          <mc:Choice Requires="p14">
             <p:contentPart p14:bwMode="auto" r:id="rId3">
               <p14:nvContentPartPr>
                 <p14:cNvPr id="3" name="筆跡 2">
@@ -5919,7 +5919,7 @@
               </p14:xfrm>
             </p:contentPart>
           </mc:Choice>
-          <mc:Fallback>
+          <mc:Fallback xmlns="">
             <p:pic>
               <p:nvPicPr>
                 <p:cNvPr id="3" name="筆跡 2">
@@ -5950,8 +5950,8 @@
             </p:pic>
           </mc:Fallback>
         </mc:AlternateContent>
-        <mc:AlternateContent xmlns:mc="http://schemas.openxmlformats.org/markup-compatibility/2006">
-          <mc:Choice xmlns:p14="http://schemas.microsoft.com/office/powerpoint/2010/main" Requires="p14">
+        <mc:AlternateContent xmlns:mc="http://schemas.openxmlformats.org/markup-compatibility/2006" xmlns:p14="http://schemas.microsoft.com/office/powerpoint/2010/main">
+          <mc:Choice Requires="p14">
             <p:contentPart p14:bwMode="auto" r:id="rId5">
               <p14:nvContentPartPr>
                 <p14:cNvPr id="5" name="筆跡 4">
@@ -5970,7 +5970,7 @@
               </p14:xfrm>
             </p:contentPart>
           </mc:Choice>
-          <mc:Fallback>
+          <mc:Fallback xmlns="">
             <p:pic>
               <p:nvPicPr>
                 <p:cNvPr id="5" name="筆跡 4">
@@ -6022,8 +6022,8 @@
             <a:chExt cx="203760" cy="266040"/>
           </a:xfrm>
         </p:grpSpPr>
-        <mc:AlternateContent xmlns:mc="http://schemas.openxmlformats.org/markup-compatibility/2006">
-          <mc:Choice xmlns:p14="http://schemas.microsoft.com/office/powerpoint/2010/main" Requires="p14">
+        <mc:AlternateContent xmlns:mc="http://schemas.openxmlformats.org/markup-compatibility/2006" xmlns:p14="http://schemas.microsoft.com/office/powerpoint/2010/main">
+          <mc:Choice Requires="p14">
             <p:contentPart p14:bwMode="auto" r:id="rId7">
               <p14:nvContentPartPr>
                 <p14:cNvPr id="8" name="筆跡 7">
@@ -6042,7 +6042,7 @@
               </p14:xfrm>
             </p:contentPart>
           </mc:Choice>
-          <mc:Fallback>
+          <mc:Fallback xmlns="">
             <p:pic>
               <p:nvPicPr>
                 <p:cNvPr id="8" name="筆跡 7">
@@ -6073,8 +6073,8 @@
             </p:pic>
           </mc:Fallback>
         </mc:AlternateContent>
-        <mc:AlternateContent xmlns:mc="http://schemas.openxmlformats.org/markup-compatibility/2006">
-          <mc:Choice xmlns:p14="http://schemas.microsoft.com/office/powerpoint/2010/main" Requires="p14">
+        <mc:AlternateContent xmlns:mc="http://schemas.openxmlformats.org/markup-compatibility/2006" xmlns:p14="http://schemas.microsoft.com/office/powerpoint/2010/main">
+          <mc:Choice Requires="p14">
             <p:contentPart p14:bwMode="auto" r:id="rId9">
               <p14:nvContentPartPr>
                 <p14:cNvPr id="9" name="筆跡 8">
@@ -6093,7 +6093,7 @@
               </p14:xfrm>
             </p:contentPart>
           </mc:Choice>
-          <mc:Fallback>
+          <mc:Fallback xmlns="">
             <p:pic>
               <p:nvPicPr>
                 <p:cNvPr id="9" name="筆跡 8">
@@ -6145,8 +6145,8 @@
             <a:chExt cx="5946840" cy="4926960"/>
           </a:xfrm>
         </p:grpSpPr>
-        <mc:AlternateContent xmlns:mc="http://schemas.openxmlformats.org/markup-compatibility/2006">
-          <mc:Choice xmlns:p14="http://schemas.microsoft.com/office/powerpoint/2010/main" Requires="p14">
+        <mc:AlternateContent xmlns:mc="http://schemas.openxmlformats.org/markup-compatibility/2006" xmlns:p14="http://schemas.microsoft.com/office/powerpoint/2010/main">
+          <mc:Choice Requires="p14">
             <p:contentPart p14:bwMode="auto" r:id="rId11">
               <p14:nvContentPartPr>
                 <p14:cNvPr id="11" name="筆跡 10">
@@ -6165,7 +6165,7 @@
               </p14:xfrm>
             </p:contentPart>
           </mc:Choice>
-          <mc:Fallback>
+          <mc:Fallback xmlns="">
             <p:pic>
               <p:nvPicPr>
                 <p:cNvPr id="11" name="筆跡 10">
@@ -6196,8 +6196,8 @@
             </p:pic>
           </mc:Fallback>
         </mc:AlternateContent>
-        <mc:AlternateContent xmlns:mc="http://schemas.openxmlformats.org/markup-compatibility/2006">
-          <mc:Choice xmlns:p14="http://schemas.microsoft.com/office/powerpoint/2010/main" Requires="p14">
+        <mc:AlternateContent xmlns:mc="http://schemas.openxmlformats.org/markup-compatibility/2006" xmlns:p14="http://schemas.microsoft.com/office/powerpoint/2010/main">
+          <mc:Choice Requires="p14">
             <p:contentPart p14:bwMode="auto" r:id="rId13">
               <p14:nvContentPartPr>
                 <p14:cNvPr id="12" name="筆跡 11">
@@ -6216,7 +6216,7 @@
               </p14:xfrm>
             </p:contentPart>
           </mc:Choice>
-          <mc:Fallback>
+          <mc:Fallback xmlns="">
             <p:pic>
               <p:nvPicPr>
                 <p:cNvPr id="12" name="筆跡 11">
@@ -6247,8 +6247,8 @@
             </p:pic>
           </mc:Fallback>
         </mc:AlternateContent>
-        <mc:AlternateContent xmlns:mc="http://schemas.openxmlformats.org/markup-compatibility/2006">
-          <mc:Choice xmlns:p14="http://schemas.microsoft.com/office/powerpoint/2010/main" Requires="p14">
+        <mc:AlternateContent xmlns:mc="http://schemas.openxmlformats.org/markup-compatibility/2006" xmlns:p14="http://schemas.microsoft.com/office/powerpoint/2010/main">
+          <mc:Choice Requires="p14">
             <p:contentPart p14:bwMode="auto" r:id="rId15">
               <p14:nvContentPartPr>
                 <p14:cNvPr id="14" name="筆跡 13">
@@ -6267,7 +6267,7 @@
               </p14:xfrm>
             </p:contentPart>
           </mc:Choice>
-          <mc:Fallback>
+          <mc:Fallback xmlns="">
             <p:pic>
               <p:nvPicPr>
                 <p:cNvPr id="14" name="筆跡 13">
@@ -6298,8 +6298,8 @@
             </p:pic>
           </mc:Fallback>
         </mc:AlternateContent>
-        <mc:AlternateContent xmlns:mc="http://schemas.openxmlformats.org/markup-compatibility/2006">
-          <mc:Choice xmlns:p14="http://schemas.microsoft.com/office/powerpoint/2010/main" Requires="p14">
+        <mc:AlternateContent xmlns:mc="http://schemas.openxmlformats.org/markup-compatibility/2006" xmlns:p14="http://schemas.microsoft.com/office/powerpoint/2010/main">
+          <mc:Choice Requires="p14">
             <p:contentPart p14:bwMode="auto" r:id="rId17">
               <p14:nvContentPartPr>
                 <p14:cNvPr id="15" name="筆跡 14">
@@ -6318,7 +6318,7 @@
               </p14:xfrm>
             </p:contentPart>
           </mc:Choice>
-          <mc:Fallback>
+          <mc:Fallback xmlns="">
             <p:pic>
               <p:nvPicPr>
                 <p:cNvPr id="15" name="筆跡 14">
@@ -6386,6 +6386,36 @@
           <a:chExt cx="0" cy="0"/>
         </a:xfrm>
       </p:grpSpPr>
+      <p:pic>
+        <p:nvPicPr>
+          <p:cNvPr id="3" name="圖片 2">
+            <a:extLst>
+              <a:ext uri="{FF2B5EF4-FFF2-40B4-BE49-F238E27FC236}">
+                <a16:creationId xmlns:a16="http://schemas.microsoft.com/office/drawing/2014/main" id="{1E88421F-0599-5DA0-5120-CF9CAAFFCE77}"/>
+              </a:ext>
+            </a:extLst>
+          </p:cNvPr>
+          <p:cNvPicPr>
+            <a:picLocks noChangeAspect="1"/>
+          </p:cNvPicPr>
+          <p:nvPr/>
+        </p:nvPicPr>
+        <p:blipFill>
+          <a:blip r:embed="rId2"/>
+          <a:stretch>
+            <a:fillRect/>
+          </a:stretch>
+        </p:blipFill>
+        <p:spPr>
+          <a:xfrm>
+            <a:off x="0" y="1402704"/>
+            <a:ext cx="12192000" cy="5127215"/>
+          </a:xfrm>
+          <a:prstGeom prst="rect">
+            <a:avLst/>
+          </a:prstGeom>
+        </p:spPr>
+      </p:pic>
       <p:sp>
         <p:nvSpPr>
           <p:cNvPr id="2" name="文字方塊 1">
@@ -6471,36 +6501,6 @@
           </a:p>
         </p:txBody>
       </p:sp>
-      <p:pic>
-        <p:nvPicPr>
-          <p:cNvPr id="6" name="圖片 5">
-            <a:extLst>
-              <a:ext uri="{FF2B5EF4-FFF2-40B4-BE49-F238E27FC236}">
-                <a16:creationId xmlns:a16="http://schemas.microsoft.com/office/drawing/2014/main" id="{614AB3E8-3FBA-2687-B23C-87DA7890EC6A}"/>
-              </a:ext>
-            </a:extLst>
-          </p:cNvPr>
-          <p:cNvPicPr>
-            <a:picLocks noChangeAspect="1"/>
-          </p:cNvPicPr>
-          <p:nvPr/>
-        </p:nvPicPr>
-        <p:blipFill>
-          <a:blip r:embed="rId2"/>
-          <a:stretch>
-            <a:fillRect/>
-          </a:stretch>
-        </p:blipFill>
-        <p:spPr>
-          <a:xfrm>
-            <a:off x="0" y="1374996"/>
-            <a:ext cx="12192000" cy="5451708"/>
-          </a:xfrm>
-          <a:prstGeom prst="rect">
-            <a:avLst/>
-          </a:prstGeom>
-        </p:spPr>
-      </p:pic>
       <p:grpSp>
         <p:nvGrpSpPr>
           <p:cNvPr id="10" name="群組 9">
@@ -6521,8 +6521,8 @@
             <a:chExt cx="3904920" cy="3727080"/>
           </a:xfrm>
         </p:grpSpPr>
-        <mc:AlternateContent xmlns:mc="http://schemas.openxmlformats.org/markup-compatibility/2006">
-          <mc:Choice xmlns:p14="http://schemas.microsoft.com/office/powerpoint/2010/main" Requires="p14">
+        <mc:AlternateContent xmlns:mc="http://schemas.openxmlformats.org/markup-compatibility/2006" xmlns:p14="http://schemas.microsoft.com/office/powerpoint/2010/main">
+          <mc:Choice Requires="p14">
             <p:contentPart p14:bwMode="auto" r:id="rId3">
               <p14:nvContentPartPr>
                 <p14:cNvPr id="8" name="筆跡 7">
@@ -6541,7 +6541,7 @@
               </p14:xfrm>
             </p:contentPart>
           </mc:Choice>
-          <mc:Fallback>
+          <mc:Fallback xmlns="">
             <p:pic>
               <p:nvPicPr>
                 <p:cNvPr id="8" name="筆跡 7">
@@ -6572,8 +6572,8 @@
             </p:pic>
           </mc:Fallback>
         </mc:AlternateContent>
-        <mc:AlternateContent xmlns:mc="http://schemas.openxmlformats.org/markup-compatibility/2006">
-          <mc:Choice xmlns:p14="http://schemas.microsoft.com/office/powerpoint/2010/main" Requires="p14">
+        <mc:AlternateContent xmlns:mc="http://schemas.openxmlformats.org/markup-compatibility/2006" xmlns:p14="http://schemas.microsoft.com/office/powerpoint/2010/main">
+          <mc:Choice Requires="p14">
             <p:contentPart p14:bwMode="auto" r:id="rId5">
               <p14:nvContentPartPr>
                 <p14:cNvPr id="9" name="筆跡 8">
@@ -6592,7 +6592,7 @@
               </p14:xfrm>
             </p:contentPart>
           </mc:Choice>
-          <mc:Fallback>
+          <mc:Fallback xmlns="">
             <p:pic>
               <p:nvPicPr>
                 <p:cNvPr id="9" name="筆跡 8">
@@ -6747,10 +6747,10 @@
       </p:sp>
       <p:pic>
         <p:nvPicPr>
-          <p:cNvPr id="6" name="圖片 5">
-            <a:extLst>
-              <a:ext uri="{FF2B5EF4-FFF2-40B4-BE49-F238E27FC236}">
-                <a16:creationId xmlns:a16="http://schemas.microsoft.com/office/drawing/2014/main" id="{27B188DC-6B4C-14A7-E60C-384BF0F8F1EE}"/>
+          <p:cNvPr id="3" name="圖片 2">
+            <a:extLst>
+              <a:ext uri="{FF2B5EF4-FFF2-40B4-BE49-F238E27FC236}">
+                <a16:creationId xmlns:a16="http://schemas.microsoft.com/office/drawing/2014/main" id="{EEC42392-F3F1-2C15-448E-E17296A907AB}"/>
               </a:ext>
             </a:extLst>
           </p:cNvPr>
@@ -6768,7 +6768,7 @@
         <p:spPr>
           <a:xfrm>
             <a:off x="0" y="1374996"/>
-            <a:ext cx="12192000" cy="5451708"/>
+            <a:ext cx="12192000" cy="5127215"/>
           </a:xfrm>
           <a:prstGeom prst="rect">
             <a:avLst/>
@@ -6898,10 +6898,10 @@
       </p:sp>
       <p:pic>
         <p:nvPicPr>
-          <p:cNvPr id="6" name="圖片 5">
-            <a:extLst>
-              <a:ext uri="{FF2B5EF4-FFF2-40B4-BE49-F238E27FC236}">
-                <a16:creationId xmlns:a16="http://schemas.microsoft.com/office/drawing/2014/main" id="{F56048EB-3FC1-DC37-F95D-CCADB76FB263}"/>
+          <p:cNvPr id="3" name="圖片 2">
+            <a:extLst>
+              <a:ext uri="{FF2B5EF4-FFF2-40B4-BE49-F238E27FC236}">
+                <a16:creationId xmlns:a16="http://schemas.microsoft.com/office/drawing/2014/main" id="{60316089-23DA-51A2-8753-30AAC852F6F0}"/>
               </a:ext>
             </a:extLst>
           </p:cNvPr>
@@ -6919,7 +6919,7 @@
         <p:spPr>
           <a:xfrm>
             <a:off x="0" y="1374996"/>
-            <a:ext cx="12192000" cy="5451708"/>
+            <a:ext cx="12192000" cy="5127215"/>
           </a:xfrm>
           <a:prstGeom prst="rect">
             <a:avLst/>

--- a/intel_IP/IRIS/HW_IP/Interface/I2C/V1/I2C_ADXL357.pptx
+++ b/intel_IP/IRIS/HW_IP/Interface/I2C/V1/I2C_ADXL357.pptx
@@ -256,6 +256,206 @@
 </inkml:ink>
 </file>
 
+<file path=ppt/ink/ink13.xml><?xml version="1.0" encoding="utf-8"?>
+<inkml:ink xmlns:inkml="http://www.w3.org/2003/InkML">
+  <inkml:definitions>
+    <inkml:context xml:id="ctx0">
+      <inkml:inkSource xml:id="inkSrc0">
+        <inkml:traceFormat>
+          <inkml:channel name="X" type="integer" min="-2.14748E9" max="2.14748E9" units="cm"/>
+          <inkml:channel name="Y" type="integer" min="-2.14748E9" max="2.14748E9" units="cm"/>
+          <inkml:channel name="F" type="integer" max="32767" units="dev"/>
+        </inkml:traceFormat>
+        <inkml:channelProperties>
+          <inkml:channelProperty channel="X" name="resolution" value="1000" units="1/cm"/>
+          <inkml:channelProperty channel="Y" name="resolution" value="1000" units="1/cm"/>
+          <inkml:channelProperty channel="F" name="resolution" value="0" units="1/dev"/>
+        </inkml:channelProperties>
+      </inkml:inkSource>
+      <inkml:timestamp xml:id="ts0" timeString="2025-07-01T11:56:41.509"/>
+    </inkml:context>
+    <inkml:brush xml:id="br0">
+      <inkml:brushProperty name="width" value="0.1" units="cm"/>
+      <inkml:brushProperty name="height" value="0.1" units="cm"/>
+      <inkml:brushProperty name="color" value="#E71224"/>
+    </inkml:brush>
+  </inkml:definitions>
+  <inkml:trace contextRef="#ctx0" brushRef="#br0">637 6516 24575,'-8'10'0,"1"1"0,1 0 0,0 0 0,0 0 0,1 1 0,0-1 0,-3 16 0,0-4 0,-36 105 0,-25 66 0,50-144 0,-20 84 0,25-79 0,-24 63 0,19-66 0,-11 54 0,16-53 0,-22 55 0,11-37 0,-28 134 0,18-57 0,0 18 0,1-2 0,25-122 0,2 2 0,-3 70 0,2-9 0,-4 59 0,11 194 0,4-156 0,-2-57 0,-3 160 0,-12-182 0,-1 43 0,17 601 0,1-718 0,3-1 0,2 0 0,2-1 0,24 69 0,-28-96 0,17 57 0,-2-14 0,-3 1 0,15 108 0,-27-132 0,2 0 0,24 71 0,-4-17 0,7 76 0,8 33 0,16 25 0,16 51 0,-45-189 0,77 197 0,-31-97 0,19 36 0,-44-114 0,-27-57 0,36 59 0,-27-55 0,-19-34 0,1 1 0,33 41 0,-24-38 0,33 39 0,3-2 0,97 83 0,6-6 0,-138-119 0,43 33 0,83 54 0,-38-30 0,-35-28 0,102 51 0,-32-20 0,106 66 0,-192-116 0,2-2 0,69 23 0,-87-36 0,49 14 0,118 26 0,-62-20 0,143 35 0,-261-67 0,132 24 0,196 11 0,-290-36 0,19 7 0,-54-7 0,63 3 0,-54-7 0,1 3 0,55 13 0,51 6 0,278 9 0,-271-24 0,311 10 0,-308-21 0,173 4 0,-186 11 0,55 1 0,1519-15 0,-1675 4 0,53 8 0,43 3 0,-90-13 0,5-1 0,-1 2 0,61 12 0,4 4 0,178 5 0,127-23 0,-171-3 0,-234 3 0,-1 1 0,1 1 0,0 1 0,27 8 0,-20-5 0,0-2 0,1-1 0,61-2 0,-60-1 0,0 0 0,0 2 0,49 9 0,-37-3 0,1-3 0,-1-2 0,1-2 0,49-4 0,5 0 0,-58 3 0,1 2 0,72 13 0,-71-8 0,71 1 0,-67-6 0,52 9 0,-11 4 0,0-3 0,122 0 0,-30 2 0,-1 0 0,953-15 0,-1098-1 0,60-10 0,-56 6 0,45-2 0,-26 6 0,74-13 0,96-13 0,-188 23 0,52-1 0,-58 5 0,0-1 0,56-11 0,-12-2 0,145-10 0,-175 20 0,-1-2 0,0-2 0,0-3 0,-1-1 0,-1-2 0,0-2 0,57-30 0,-93 41 0,0 0 0,-1 0 0,1-1 0,-1 0 0,-1 0 0,1-1 0,-1 0 0,0 0 0,-1 0 0,6-11 0,20-29 0,-10 19 0,-3-2 0,0 0 0,24-62 0,-19 31 0,18-78 0,-16 49 0,41-172 0,33-102 0,-7 64 0,-34 99 0,-47 166 0,-2-1 0,-2-1 0,-1 0 0,-1 0 0,-2-62 0,-1 29 0,24-136 0,-3 44 0,3-23 0,-13 110 0,-3-1 0,-1-83 0,-8 131 0,2 0 0,9-42 0,-2 13 0,0-7 0,-2 20 0,2-71 0,-8 57 0,3 0 0,18-92 0,-16 120 0,1 0 0,1 1 0,2 0 0,1 0 0,2 2 0,24-41 0,-29 58 0,-1 0 0,2 1 0,-1 0 0,1 0 0,1 1 0,0 1 0,12-8 0,89-46 0,-57 33 0,-30 17 0,1 1 0,-1 1 0,2 1 0,-1 2 0,1 0 0,1 2 0,31-3 0,200 3 0,-174 6 0,-9-1 0,-23-2 0,-1 3 0,1 2 0,-1 2 0,65 15 0,54 10 0,-116-23 0,84 23 0,-105-20 0,-9-4 0,-1 2 0,24 11 0,-39-14 0,0 0 0,0 0 0,0 1 0,-1 1 0,1-1 0,-2 1 0,1 1 0,7 9 0,42 67 0,-5-5 0,-42-64 0,0 1 0,-2 1 0,1-1 0,-2 1 0,7 24 0,17 35 0,20 49 0,2 5 0,46 117 0,-75-177 0,-10-24 0,12 74 0,-12-51 0,42 183 0,-48-212 0,-2 0 0,-1 1 0,-1 67 0,5 52 0,27 115 0,1 337 0,-38 793 0,0-1400 0,1 0 0,0 0 0,0 0 0,1 0 0,0 0 0,-1 0 0,2 0 0,-1 0 0,0-1 0,1 1 0,0 0 0,0-1 0,1 1 0,-1-1 0,1 0 0,0 0 0,0 0 0,0 0 0,0 0 0,1-1 0,0 1 0,0-1 0,0 0 0,0 0 0,0-1 0,0 1 0,1-1 0,-1 0 0,1 0 0,0 0 0,-1-1 0,9 2 0,26 5 0,1-1 0,0-2 0,1-2 0,71-3 0,63 5 0,87 33 0,-179-30 0,-46-5 0,44 9 0,-31-5 0,-1-2 0,1-2 0,81-5 0,-30-1 0,365-14 0,-345 9 0,99-12 0,-25 1 0,-86 11 0,168-3 0,4 1 0,513-9 0,-528 21 0,-142-3 0,460 19 0,-481-8 0,291 19 0,-25-4 0,-355-24 0,79 13 0,-52-8 0,55 3 0,-2-6 0,186 29 0,-26-4 0,-103-14 0,-55-2 0,-15-1 0,97 0 0,1002-12 0,-1073-4 0,108-19 0,97-4 0,373 30 0,-517-17 0,-10 1 0,724 13 0,-423 2 0,-427 1 0,64 11 0,-63-7 0,59 3 0,-68-10 0,0-1 0,0-1 0,-1 0 0,0-2 0,28-10 0,112-48 0,-77 27 0,-69 28 0,0 0 0,0-2 0,-1 1 0,0-2 0,-1 0 0,0-1 0,-1-1 0,0 0 0,-1-1 0,17-23 0,-6 4 0,-3-1 0,0-1 0,28-71 0,31-52 0,-14 32 0,-18 23 0,-4-2 0,46-166 0,-83 248 0,0 0 0,15-27 0,-12 29 0,-2 1 0,11-38 0,8-48 0,-11 44 0,11-71 0,-18 66 0,-1 10 0,2-76 0,-8 87 0,10-52 0,-6 51 0,1-49 0,-8-1183 0,-13 1022 0,0-3 0,11 214 0,-1 1 0,-18-76 0,-3-25 0,-22-190 0,11 92 0,-51-316 0,51 338 0,-7-63 0,-41-1161 0,52 206 0,-66 3 0,37 801 0,-19-205 0,76 464 0,3 25 0,-12 12 0,-1-40 0,-16-218 0,6 143 0,12 117 0,-32-153 0,8 63 0,9 48 0,-23-150 0,15 148 0,-70-297 0,-67-49 0,144 460 0,-4 2 0,-2 1 0,-3 1 0,-3 2 0,-73-88 0,57 87 0,-2 3 0,-76-60 0,101 94 0,-2 2 0,0 1 0,-1 1 0,-1 2 0,-1 2 0,-51-17 0,-61-8 0,-2 7 0,-205-22 0,70 20 0,-354-39 0,99 30 433,-343-5-7215,505 44 6347,-381 8 6197,0 3-4169,-1253-4-2164,921-62 571,477 19 0,528 40 0,12 1 0,-98-16 0,36 0 0,-167-1 0,85 8 0,-471 3 0,207 62 0,232-18 0,-267 22 397,-332 19-7171,486-52 6367,-235 1 6722,1-18-5846,305-9-469,-422 4 0,578 3 0,2 7 0,-204 44 0,-572 112 0,597-124 0,21-2 0,-130 22 0,-61 9 0,308-66 0,127-8 0,0 3 0,-73 11 0,72-6 0,0-2 0,-84-3 0,93-4 0,1 2 0,-1 2 0,1 2 0,-1 2 0,-40 11 0,-82 22 0,-28 8 0,83-13 0,43-15 0,-63 28 0,-125 56 0,-48 23 0,71-32 0,61-26 0,-235 79 0,164-64 0,93-39 0,33-11 0,-36 13 0,-259 43 0,231-59 0,-199 27 0,157-31 0,-314 26 0,-316-24 0,345-11 0,301-6 0,-125 16 0,200-7 0,1 7 0,-181 61 0,-49 62 0,246-101 0,-237 140 0,325-174 0,-50 34 0,-130 112 0,-89 115 0,120-119 0,-5 5 0,141-124 0,1 2 0,-45 65 0,42-40 0,4 2 0,-41 102 0,42-89 0,22-51 0,1 0 0,1 1 0,2 0 0,1 1 0,1 0 0,2 1 0,-1 32 0,4 12 0,2-29 0,-2 0 0,-11 60 0,6-63 0,0 67 0,5-66 0,-10 58 0,-4 44 0,5-30 0,6-66 0,2 77 0,0 9 0,-25 28 0,24-145 0,-2-1 0,0 1 0,-13 27 0,-4 12 0,-11 71 0,20-67 0,13-61 0,1 1 0,-1-1 0,1 0 0,-1 0 0,0 0 0,1 1 0,-1-1 0,0 0 0,-1 0 0,1-1 0,0 1 0,0 0 0,-1 0 0,1 0 0,-1-1 0,0 1 0,1-1 0,-4 3 0,3-4 0,0 0 0,1 1 0,-1-1 0,1 0 0,-1 0 0,0 0 0,1 0 0,-1 0 0,0 0 0,1 0 0,-1-1 0,1 1 0,-1 0 0,1-1 0,-1 1 0,1-1 0,-1 0 0,1 0 0,-3-1 0,-8-7 0,2 0 0,-1 0 0,1-1 0,-16-20 0,16 18 0,-257-321 0,252 317-104,6 6-211,0 0 0,0-1-1,-10-19 1,9 11-6511</inkml:trace>
+</inkml:ink>
+</file>
+
+<file path=ppt/ink/ink14.xml><?xml version="1.0" encoding="utf-8"?>
+<inkml:ink xmlns:inkml="http://www.w3.org/2003/InkML">
+  <inkml:definitions>
+    <inkml:context xml:id="ctx0">
+      <inkml:inkSource xml:id="inkSrc0">
+        <inkml:traceFormat>
+          <inkml:channel name="X" type="integer" min="-2.14748E9" max="2.14748E9" units="cm"/>
+          <inkml:channel name="Y" type="integer" min="-2.14748E9" max="2.14748E9" units="cm"/>
+          <inkml:channel name="F" type="integer" max="32767" units="dev"/>
+        </inkml:traceFormat>
+        <inkml:channelProperties>
+          <inkml:channelProperty channel="X" name="resolution" value="1000" units="1/cm"/>
+          <inkml:channelProperty channel="Y" name="resolution" value="1000" units="1/cm"/>
+          <inkml:channelProperty channel="F" name="resolution" value="0" units="1/dev"/>
+        </inkml:channelProperties>
+      </inkml:inkSource>
+      <inkml:timestamp xml:id="ts0" timeString="2025-07-01T11:56:43.095"/>
+    </inkml:context>
+    <inkml:brush xml:id="br0">
+      <inkml:brushProperty name="width" value="0.1" units="cm"/>
+      <inkml:brushProperty name="height" value="0.1" units="cm"/>
+      <inkml:brushProperty name="color" value="#E71224"/>
+    </inkml:brush>
+  </inkml:definitions>
+  <inkml:trace contextRef="#ctx0" brushRef="#br0">1 331 24575,'9'-14'0,"0"0"0,1 1 0,1 0 0,0 1 0,1 0 0,0 1 0,1 0 0,0 1 0,21-11 0,42-38 0,35-31 109,-45 40-1583</inkml:trace>
+</inkml:ink>
+</file>
+
+<file path=ppt/ink/ink15.xml><?xml version="1.0" encoding="utf-8"?>
+<inkml:ink xmlns:inkml="http://www.w3.org/2003/InkML">
+  <inkml:definitions>
+    <inkml:context xml:id="ctx0">
+      <inkml:inkSource xml:id="inkSrc0">
+        <inkml:traceFormat>
+          <inkml:channel name="X" type="integer" min="-2.14748E9" max="2.14748E9" units="cm"/>
+          <inkml:channel name="Y" type="integer" min="-2.14748E9" max="2.14748E9" units="cm"/>
+          <inkml:channel name="F" type="integer" max="32767" units="dev"/>
+        </inkml:traceFormat>
+        <inkml:channelProperties>
+          <inkml:channelProperty channel="X" name="resolution" value="1000" units="1/cm"/>
+          <inkml:channelProperty channel="Y" name="resolution" value="1000" units="1/cm"/>
+          <inkml:channelProperty channel="F" name="resolution" value="0" units="1/dev"/>
+        </inkml:channelProperties>
+      </inkml:inkSource>
+      <inkml:timestamp xml:id="ts0" timeString="2025-07-01T11:56:56.598"/>
+    </inkml:context>
+    <inkml:brush xml:id="br0">
+      <inkml:brushProperty name="width" value="0.1" units="cm"/>
+      <inkml:brushProperty name="height" value="0.1" units="cm"/>
+      <inkml:brushProperty name="color" value="#66CC00"/>
+    </inkml:brush>
+  </inkml:definitions>
+  <inkml:trace contextRef="#ctx0" brushRef="#br0">84 1 24575,'0'52'0,"1"-11"0,-1 0 0,-2-1 0,-14 75 0,-40 160 0,52-256-455,1-1 0,0 28 0,2-18-6371</inkml:trace>
+</inkml:ink>
+</file>
+
+<file path=ppt/ink/ink16.xml><?xml version="1.0" encoding="utf-8"?>
+<inkml:ink xmlns:inkml="http://www.w3.org/2003/InkML">
+  <inkml:definitions>
+    <inkml:context xml:id="ctx0">
+      <inkml:inkSource xml:id="inkSrc0">
+        <inkml:traceFormat>
+          <inkml:channel name="X" type="integer" min="-2.14748E9" max="2.14748E9" units="cm"/>
+          <inkml:channel name="Y" type="integer" min="-2.14748E9" max="2.14748E9" units="cm"/>
+          <inkml:channel name="F" type="integer" max="32767" units="dev"/>
+        </inkml:traceFormat>
+        <inkml:channelProperties>
+          <inkml:channelProperty channel="X" name="resolution" value="1000" units="1/cm"/>
+          <inkml:channelProperty channel="Y" name="resolution" value="1000" units="1/cm"/>
+          <inkml:channelProperty channel="F" name="resolution" value="0" units="1/dev"/>
+        </inkml:channelProperties>
+      </inkml:inkSource>
+      <inkml:timestamp xml:id="ts0" timeString="2025-07-01T11:56:57.255"/>
+    </inkml:context>
+    <inkml:brush xml:id="br0">
+      <inkml:brushProperty name="width" value="0.1" units="cm"/>
+      <inkml:brushProperty name="height" value="0.1" units="cm"/>
+      <inkml:brushProperty name="color" value="#66CC00"/>
+    </inkml:brush>
+  </inkml:definitions>
+  <inkml:trace contextRef="#ctx0" brushRef="#br0">0 0 24575,'5'0'0,"6"0"0,6 0 0,0 5 0,2 1 0,-3 5 0</inkml:trace>
+</inkml:ink>
+</file>
+
+<file path=ppt/ink/ink17.xml><?xml version="1.0" encoding="utf-8"?>
+<inkml:ink xmlns:inkml="http://www.w3.org/2003/InkML">
+  <inkml:definitions>
+    <inkml:context xml:id="ctx0">
+      <inkml:inkSource xml:id="inkSrc0">
+        <inkml:traceFormat>
+          <inkml:channel name="X" type="integer" min="-2.14748E9" max="2.14748E9" units="cm"/>
+          <inkml:channel name="Y" type="integer" min="-2.14748E9" max="2.14748E9" units="cm"/>
+          <inkml:channel name="F" type="integer" max="32767" units="dev"/>
+        </inkml:traceFormat>
+        <inkml:channelProperties>
+          <inkml:channelProperty channel="X" name="resolution" value="1000" units="1/cm"/>
+          <inkml:channelProperty channel="Y" name="resolution" value="1000" units="1/cm"/>
+          <inkml:channelProperty channel="F" name="resolution" value="0" units="1/dev"/>
+        </inkml:channelProperties>
+      </inkml:inkSource>
+      <inkml:timestamp xml:id="ts0" timeString="2025-07-01T11:57:01.544"/>
+    </inkml:context>
+    <inkml:brush xml:id="br0">
+      <inkml:brushProperty name="width" value="0.1" units="cm"/>
+      <inkml:brushProperty name="height" value="0.1" units="cm"/>
+      <inkml:brushProperty name="color" value="#E71224"/>
+    </inkml:brush>
+  </inkml:definitions>
+  <inkml:trace contextRef="#ctx0" brushRef="#br0">62 174 24575,'5'-2'0,"0"0"0,0 0 0,-1 0 0,1 0 0,0-1 0,-1 0 0,0 0 0,0 0 0,0-1 0,0 1 0,0-1 0,3-4 0,7-6 0,5-2 0,1 1 0,0 0 0,1 1 0,44-21 0,-56 31 0,1 0 0,0 1 0,0 0 0,0 0 0,1 1 0,-1 0 0,0 1 0,1 0 0,-1 1 0,1 0 0,-1 1 0,1 0 0,-1 0 0,18 6 0,-23-6 0,-1 1 0,0 0 0,1 0 0,-1 1 0,0-1 0,0 1 0,0 0 0,0 0 0,-1 0 0,1 0 0,-1 1 0,0-1 0,0 1 0,5 8 0,-4-4 0,0 0 0,-1 0 0,0 0 0,0 1 0,0-1 0,-1 1 0,1 15 0,-2-4 0,0 0 0,-2 0 0,0 0 0,-1 0 0,-1 0 0,-10 33 0,1-17 0,-2-1 0,-2 0 0,-1-1 0,-43 64 0,13-34 0,-75 79 0,119-139 0,-1 0 0,1-1 0,-1 0 0,0 0 0,0 0 0,0 0 0,0-1 0,-1 1 0,1-1 0,0 0 0,-1 0 0,0-1 0,0 1 0,1-1 0,-1 0 0,0-1 0,-7 1 0,8-1 0,0-1 0,0 1 0,0-1 0,0 0 0,0 0 0,0-1 0,0 1 0,1-1 0,-1 0 0,1 0 0,-1 0 0,1 0 0,0 0 0,-1-1 0,1 0 0,0 0 0,1 0 0,-1 0 0,1 0 0,-1 0 0,-3-7 0,-5-9 0,0-2 0,2 1 0,0-1 0,1 0 0,-8-35 0,14 50 0,1 0 0,0 0 0,0 0 0,0 0 0,1 0 0,-1 0 0,2 0 0,-1-1 0,1 1 0,0 0 0,0 0 0,0 0 0,1 0 0,0 1 0,0-1 0,1 0 0,0 1 0,-1-1 0,2 1 0,-1 0 0,1 0 0,0 0 0,0 1 0,0-1 0,8-5 0,-5 6 0,0 0 0,0 1 0,0 0 0,0 0 0,1 1 0,-1 0 0,1 0 0,0 1 0,-1 0 0,1 0 0,0 1 0,0 0 0,0 0 0,-1 1 0,10 2 0,-4-1 0,1 1 0,-1 0 0,0 1 0,0 1 0,-1 0 0,1 1 0,20 12 0,85 78 0,-89-69 0,2-1 0,60 38 0,-71-54-1365,-1-3-5461</inkml:trace>
+</inkml:ink>
+</file>
+
+<file path=ppt/ink/ink18.xml><?xml version="1.0" encoding="utf-8"?>
+<inkml:ink xmlns:inkml="http://www.w3.org/2003/InkML">
+  <inkml:definitions>
+    <inkml:context xml:id="ctx0">
+      <inkml:inkSource xml:id="inkSrc0">
+        <inkml:traceFormat>
+          <inkml:channel name="X" type="integer" min="-2.14748E9" max="2.14748E9" units="cm"/>
+          <inkml:channel name="Y" type="integer" min="-2.14748E9" max="2.14748E9" units="cm"/>
+          <inkml:channel name="F" type="integer" max="32767" units="dev"/>
+        </inkml:traceFormat>
+        <inkml:channelProperties>
+          <inkml:channelProperty channel="X" name="resolution" value="1000" units="1/cm"/>
+          <inkml:channelProperty channel="Y" name="resolution" value="1000" units="1/cm"/>
+          <inkml:channelProperty channel="F" name="resolution" value="0" units="1/dev"/>
+        </inkml:channelProperties>
+      </inkml:inkSource>
+      <inkml:timestamp xml:id="ts0" timeString="2025-07-01T11:57:02.095"/>
+    </inkml:context>
+    <inkml:brush xml:id="br0">
+      <inkml:brushProperty name="width" value="0.1" units="cm"/>
+      <inkml:brushProperty name="height" value="0.1" units="cm"/>
+      <inkml:brushProperty name="color" value="#E71224"/>
+    </inkml:brush>
+  </inkml:definitions>
+  <inkml:trace contextRef="#ctx0" brushRef="#br0">1 0 24575,'5'0'0,"1"5"0</inkml:trace>
+</inkml:ink>
+</file>
+
+<file path=ppt/ink/ink19.xml><?xml version="1.0" encoding="utf-8"?>
+<inkml:ink xmlns:inkml="http://www.w3.org/2003/InkML">
+  <inkml:definitions>
+    <inkml:context xml:id="ctx0">
+      <inkml:inkSource xml:id="inkSrc0">
+        <inkml:traceFormat>
+          <inkml:channel name="X" type="integer" min="-2.14748E9" max="2.14748E9" units="cm"/>
+          <inkml:channel name="Y" type="integer" min="-2.14748E9" max="2.14748E9" units="cm"/>
+          <inkml:channel name="F" type="integer" max="32767" units="dev"/>
+          <inkml:channel name="OA" type="integer" max="360" units="deg"/>
+          <inkml:channel name="OE" type="integer" max="90" units="deg"/>
+        </inkml:traceFormat>
+        <inkml:channelProperties>
+          <inkml:channelProperty channel="X" name="resolution" value="1000" units="1/cm"/>
+          <inkml:channelProperty channel="Y" name="resolution" value="1000" units="1/cm"/>
+          <inkml:channelProperty channel="F" name="resolution" value="0" units="1/dev"/>
+          <inkml:channelProperty channel="OA" name="resolution" value="1000" units="1/deg"/>
+          <inkml:channelProperty channel="OE" name="resolution" value="1000" units="1/deg"/>
+        </inkml:channelProperties>
+      </inkml:inkSource>
+      <inkml:timestamp xml:id="ts0" timeString="2025-07-01T11:57:25.171"/>
+    </inkml:context>
+    <inkml:brush xml:id="br0">
+      <inkml:brushProperty name="width" value="0.1" units="cm"/>
+      <inkml:brushProperty name="height" value="0.1" units="cm"/>
+      <inkml:brushProperty name="color" value="#66CC00"/>
+    </inkml:brush>
+  </inkml:definitions>
+  <inkml:trace contextRef="#ctx0" brushRef="#br0">503 3412 1080 0 0,'-11'-43'8789'0'0,"10"35"-8270"0"0,0 0-1 0 0,0 0 1 0 0,1 0-1 0 0,1-1 0 0 0,-1 1 1 0 0,3-8-1 0 0,-3-2 356 0 0,4-8 308 0 0,-1 45 200 0 0,-6 26-1030 0 0,-2 0-1 0 0,-3-1 0 0 0,-20 69 1 0 0,10-40-166 0 0,-106 524-8 0 0,112-527-142 0 0,2 1 1 0 0,1 74-1 0 0,-9 72 22 0 0,-44 311-40 0 0,38-362 10 0 0,-14 150 112 0 0,29-145-132 0 0,-5 154 4 0 0,-11 61-181 0 0,8-199 247 0 0,3-42 205 0 0,-4 59 117 0 0,1 48-49 0 0,-2 33-114 0 0,15-125-172 0 0,0 151 162 0 0,7-230-182 0 0,24 144 0 0 0,-15-134 9 0 0,-9-63-47 0 0,0-1 0 0 0,14 47 0 0 0,28 87-40 0 0,-38-145 45 0 0,0 0 1 0 0,1-1 0 0 0,1 0 0 0 0,0 0 0 0 0,16 18-1 0 0,2 5 68 0 0,14 29-29 0 0,-28-44-26 0 0,1 0 0 0 0,1 0 0 0 0,0-2 0 0 0,2 0 0 0 0,38 37 0 0 0,-42-49-25 0 0,0-2-1 0 0,1 1 1 0 0,0-1 0 0 0,0-1 0 0 0,25 7-1 0 0,12 6-4 0 0,207 91 21 0 0,-145-70-26 0 0,-74-27-1 0 0,63 28 0 0 0,-55-17 47 0 0,1-2 0 0 0,65 20 0 0 0,-86-32 25 0 0,0 0-1 0 0,-1 3 0 0 0,37 22 1 0 0,40 17 369 0 0,-38-18-219 0 0,7 2-87 0 0,106 13 62 0 0,-122-37-61 0 0,104 39 1 0 0,-90-27-66 0 0,2-2 1 0 0,0-4-1 0 0,126 16 0 0 0,38 9 265 0 0,-150-27-301 0 0,95 6 0 0 0,0 0-52 0 0,265 16-468 0 0,-264-28 497 0 0,-6 0-3 0 0,349 38-129 0 0,-331-16 13 0 0,294 11 1 0 0,-298-40 75 0 0,621 31-360 0 0,-339-2 658 0 0,-59-6-395 0 0,26-20 232 0 0,-250-8 0 0 0,464-6 29 0 0,-532 5 38 0 0,0-6-1 0 0,123-24 1 0 0,-58-7-72 0 0,92-34-89 0 0,-221 58 5 0 0,38-15-54 0 0,145-70-1 0 0,-164 66 57 0 0,-19 5 109 0 0,63-46 1 0 0,216-163-26 0 0,-293 205-70 0 0,13-9-4 0 0,21-11 26 0 0,-52 32-30 0 0,-1-1 1 0 0,29-37-1 0 0,-15 13-10 0 0,-3-2-1 0 0,-2-1 1 0 0,-2-2-1 0 0,-2-1 1 0 0,-2-2-1 0 0,35-108 1 0 0,-38 87 44 0 0,23-142 0 0 0,-42 179-33 0 0,-1-1 0 0 0,-2 1 0 0 0,-2 0 0 0 0,-2-1 0 0 0,-12-68 0 0 0,10 89 2 0 0,-1 1-1 0 0,-1-1 0 0 0,-1 2 1 0 0,0-1-1 0 0,-2 1 1 0 0,0 0-1 0 0,0 1 0 0 0,-2 0 1 0 0,-20-25-1 0 0,-15-22 55 0 0,31 41-63 0 0,-1 0 0 0 0,-1 1 1 0 0,-1 1-1 0 0,-31-28 0 0 0,16 21 9 0 0,19 14-7 0 0,-1 0 1 0 0,-1 1-1 0 0,0 1 0 0 0,0 1 1 0 0,-1 0-1 0 0,-22-9 0 0 0,-41-7 56 0 0,-1 2-1 0 0,-1 5 1 0 0,0 3 0 0 0,-2 4-1 0 0,-103-2 1 0 0,-71-10 69 0 0,-29-1 31 0 0,-359 22-275 0 0,31 2-127 0 0,557-1 203 0 0,0-3 0 0 0,-104-22 0 0 0,129 18 0 0 0,1-1-1 0 0,0-1 1 0 0,0-2-1 0 0,2-2 0 0 0,0 0 1 0 0,-39-27-1 0 0,56 33-1 0 0,-1-1 0 0 0,1 0-1 0 0,1-1 1 0 0,0 0 0 0 0,-17-21-1 0 0,-5-12-99 0 0,-53-92 0 0 0,74 110 116 0 0,1 0 0 0 0,1-1 0 0 0,1-1 0 0 0,1 0-1 0 0,-7-44 1 0 0,3-23-49 0 0,0-128 0 0 0,17-98 61 0 0,1 72 29 0 0,43-850 307 0 0,-36 162-132 0 0,-15 710-155 0 0,4 90 44 0 0,-20-152-1 0 0,-123-622 669 0 0,110 647-649 0 0,-1-11-38 0 0,8 125-77 0 0,-33-153 55 0 0,35 227 14 0 0,-4 2 1 0 0,-41-83-1 0 0,-17-44 20 0 0,73 172-56 0 0,-2 1-1 0 0,-32-52 1 0 0,21 39-31 0 0,-2-18 35 0 0,24 50-19 0 0,-1 0 0 0 0,0 0-1 0 0,0 0 1 0 0,-1 0 0 0 0,0 1 0 0 0,-11-15-1 0 0,-4 0-21 0 0,-7-9 14 0 0,-1 1 0 0 0,-1 1 0 0 0,-49-38 0 0 0,20 20 20 0 0,44 35-18 0 0,-1 1 0 0 0,0 0 1 0 0,-18-11-1 0 0,-3 5 49 0 0,-70-24 1 0 0,65 27-12 0 0,-51-26 0 0 0,27 7 20 0 0,-2 3 0 0 0,-1 2 0 0 0,-1 4 0 0 0,0 2 0 0 0,-106-19 0 0 0,-504-32 174 0 0,307 31-103 0 0,119 10-16 0 0,-166 17-202 0 0,-2 35 170 0 0,320-13-30 0 0,22-2-86 0 0,0 4 0 0 0,1 2 0 0 0,0 5 0 0 0,1 2 1 0 0,-134 50-1 0 0,118-27-251 0 0,-161 95 0 0 0,127-49 64 0 0,-189 169 1 0 0,274-219 174 0 0,-73 82 1 0 0,63-63 10 0 0,-12 15-102 0 0,6 8 38 0 0,-164 236-169 0 0,130-168 223 0 0,36-60-8 0 0,3 1 1 0 0,-59 139-1 0 0,60-114 90 0 0,-37 50-70 0 0,82-149 34 0 0,-42 80 0 0 0,-14 26-71 0 0,52-100 67 0 0,2 1 0 0 0,0 0 0 0 0,1 1-1 0 0,-8 36 1 0 0,8-28-15 0 0,-19 45-1 0 0,23-66 24 0 0,0 1 0 0 0,0-1 0 0 0,-1-1 0 0 0,0 1 0 0 0,-1-1 0 0 0,0 0 0 0 0,0 0 0 0 0,0 0 0 0 0,-12 8 0 0 0,17-14 2 0 0,0-1 0 0 0,0 1 0 0 0,0-1 0 0 0,0 1 0 0 0,0-1 1 0 0,0 0-1 0 0,0 1 0 0 0,0-1 0 0 0,0 0 0 0 0,-1 0 0 0 0,1 0 0 0 0,0 0 0 0 0,0 0 0 0 0,0 0 0 0 0,0 0 0 0 0,0 0 0 0 0,-1 0 1 0 0,1 0-1 0 0,0-1 0 0 0,0 1 0 0 0,0-1 0 0 0,0 1 0 0 0,0-1 0 0 0,0 1 0 0 0,0-1 0 0 0,0 1 0 0 0,0-1 0 0 0,0 0 1 0 0,0 1-1 0 0,0-1 0 0 0,1 0 0 0 0,-1 0 0 0 0,0 0 0 0 0,1 0 0 0 0,-2-1 0 0 0,-25-41 247 0 0,-14-45 27 0 0,-34-110 0 0 0,36 88-193 0 0,34 96-83 0 0,-5-9 1 0 0,2 0 1 0 0,0-1-1 0 0,2 0 0 0 0,0-1 0 0 0,-3-43 1 0 0,9 67-27 0 0,0 0 1 0 0,1 0 0 0 0,-1 1 0 0 0,1-1 0 0 0,-1 0-1 0 0,0 0 1 0 0,1 0 0 0 0,0 0 0 0 0,-1 1 0 0 0,1-1-1 0 0,0 0 1 0 0,-1 1 0 0 0,1-1 0 0 0,0 0 0 0 0,-1 1-1 0 0,1-1 1 0 0,0 1 0 0 0,0-1 0 0 0,0 1 0 0 0,0 0-1 0 0,0-1 1 0 0,0 1 0 0 0,-1 0 0 0 0,1-1-1 0 0,0 1 1 0 0,0 0 0 0 0,0 0 0 0 0,0 0 0 0 0,0 0-1 0 0,0 0 1 0 0,0 0 0 0 0,0 0 0 0 0,0 0 0 0 0,0 0-1 0 0,0 1 1 0 0,1-1 0 0 0,40 9-2668 0 0,-35-6 1731 0 0,0 1 1 0 0,0 0-1 0 0,0 0 0 0 0,-1 1 1 0 0,0-1-1 0 0,0 1 0 0 0,0 1 1 0 0,8 9-1 0 0,5 4-5428 0 0</inkml:trace>
+</inkml:ink>
+</file>
+
 <file path=ppt/ink/ink2.xml><?xml version="1.0" encoding="utf-8"?>
 <inkml:ink xmlns:inkml="http://www.w3.org/2003/InkML">
   <inkml:definitions>
@@ -285,6 +485,242 @@
     </inkml:brush>
   </inkml:definitions>
   <inkml:trace contextRef="#ctx0" brushRef="#br0">28 122 10130 0 0,'-2'-2'383'0'0,"-1"0"0"0"0,0 0 0 0 0,1 0 0 0 0,0 0 0 0 0,0-1 1 0 0,-1 1-1 0 0,1-1 0 0 0,1 1 0 0 0,-4-5 0 0 0,5 6-328 0 0,0 0-1 0 0,-1 1 1 0 0,1-1 0 0 0,0 0 0 0 0,-1 0-1 0 0,1 1 1 0 0,0-1 0 0 0,0 0-1 0 0,-1 0 1 0 0,1 1 0 0 0,0-1-1 0 0,0 0 1 0 0,0 0 0 0 0,0 1 0 0 0,0-1-1 0 0,0 0 1 0 0,1 0 0 0 0,-1 1-1 0 0,0-1 1 0 0,0 0 0 0 0,0 0 0 0 0,1 1-1 0 0,-1-1 1 0 0,0 0 0 0 0,1 0-1 0 0,-1 1 1 0 0,1-1 0 0 0,-1 1 0 0 0,0-1-1 0 0,1 0 1 0 0,0 1 0 0 0,-1-1-1 0 0,1 1 1 0 0,-1-1 0 0 0,1 1 0 0 0,0-1-1 0 0,-1 1 1 0 0,1 0 0 0 0,0-1-1 0 0,-1 1 1 0 0,1 0 0 0 0,0-1 0 0 0,0 1-1 0 0,-1 0 1 0 0,1 0 0 0 0,1 0-1 0 0,12-2 226 0 0,-1 1 0 0 0,1 0 0 0 0,0 1 0 0 0,-1 0 0 0 0,1 2 0 0 0,-1-1 1 0 0,25 7-1 0 0,15 2 101 0 0,4-4 30 0 0,0-2-1 0 0,59-5 1 0 0,-88 0-153 0 0,-1-2 0 0 0,0-1 0 0 0,0-1 1 0 0,0-1-1 0 0,-1-2 0 0 0,34-13 0 0 0,-13-9 590 0 0,-28 16-8592 0 0</inkml:trace>
+</inkml:ink>
+</file>
+
+<file path=ppt/ink/ink20.xml><?xml version="1.0" encoding="utf-8"?>
+<inkml:ink xmlns:inkml="http://www.w3.org/2003/InkML">
+  <inkml:definitions>
+    <inkml:context xml:id="ctx0">
+      <inkml:inkSource xml:id="inkSrc0">
+        <inkml:traceFormat>
+          <inkml:channel name="X" type="integer" min="-2.14748E9" max="2.14748E9" units="cm"/>
+          <inkml:channel name="Y" type="integer" min="-2.14748E9" max="2.14748E9" units="cm"/>
+          <inkml:channel name="F" type="integer" max="32767" units="dev"/>
+          <inkml:channel name="OA" type="integer" max="360" units="deg"/>
+          <inkml:channel name="OE" type="integer" max="90" units="deg"/>
+        </inkml:traceFormat>
+        <inkml:channelProperties>
+          <inkml:channelProperty channel="X" name="resolution" value="1000" units="1/cm"/>
+          <inkml:channelProperty channel="Y" name="resolution" value="1000" units="1/cm"/>
+          <inkml:channelProperty channel="F" name="resolution" value="0" units="1/dev"/>
+          <inkml:channelProperty channel="OA" name="resolution" value="1000" units="1/deg"/>
+          <inkml:channelProperty channel="OE" name="resolution" value="1000" units="1/deg"/>
+        </inkml:channelProperties>
+      </inkml:inkSource>
+      <inkml:timestamp xml:id="ts0" timeString="2025-07-01T11:57:25.172"/>
+    </inkml:context>
+    <inkml:brush xml:id="br0">
+      <inkml:brushProperty name="width" value="0.1" units="cm"/>
+      <inkml:brushProperty name="height" value="0.1" units="cm"/>
+      <inkml:brushProperty name="color" value="#66CC00"/>
+    </inkml:brush>
+  </inkml:definitions>
+  <inkml:trace contextRef="#ctx0" brushRef="#br0">41 224 9185 0 0,'-40'2'7820'0'0,"40"-2"-7750"0"0,0 0 0 0 0,0 0 0 0 0,0 0 0 0 0,0 0 0 0 0,0 1 0 0 0,0-1 0 0 0,0 0 1 0 0,0 0-1 0 0,0 0 0 0 0,0 0 0 0 0,0 1 0 0 0,0-1 0 0 0,0 0 0 0 0,0 0 0 0 0,0 0 0 0 0,0 1 0 0 0,0-1 0 0 0,0 0 0 0 0,0 0 0 0 0,16 13 839 0 0,-8-9-766 0 0,0-1 1 0 0,1 0-1 0 0,-1 0 1 0 0,0-1 0 0 0,1 0-1 0 0,-1-1 1 0 0,1 0 0 0 0,-1 0-1 0 0,1-1 1 0 0,0 0 0 0 0,-1 0-1 0 0,1-1 1 0 0,13-3 0 0 0,6-2 126 0 0,0-1 0 0 0,44-18 0 0 0,-18 1 176 0 0,93-56-1 0 0,-102 52-527 0 0,1 3-1 0 0,86-35 1 0 0,-115 59-2699 0 0</inkml:trace>
+</inkml:ink>
+</file>
+
+<file path=ppt/ink/ink21.xml><?xml version="1.0" encoding="utf-8"?>
+<inkml:ink xmlns:inkml="http://www.w3.org/2003/InkML">
+  <inkml:definitions>
+    <inkml:context xml:id="ctx0">
+      <inkml:inkSource xml:id="inkSrc0">
+        <inkml:traceFormat>
+          <inkml:channel name="X" type="integer" min="-2.14748E9" max="2.14748E9" units="cm"/>
+          <inkml:channel name="Y" type="integer" min="-2.14748E9" max="2.14748E9" units="cm"/>
+          <inkml:channel name="F" type="integer" max="32767" units="dev"/>
+        </inkml:traceFormat>
+        <inkml:channelProperties>
+          <inkml:channelProperty channel="X" name="resolution" value="1000" units="1/cm"/>
+          <inkml:channelProperty channel="Y" name="resolution" value="1000" units="1/cm"/>
+          <inkml:channelProperty channel="F" name="resolution" value="0" units="1/dev"/>
+        </inkml:channelProperties>
+      </inkml:inkSource>
+      <inkml:timestamp xml:id="ts0" timeString="2025-07-01T12:06:58.920"/>
+    </inkml:context>
+    <inkml:brush xml:id="br0">
+      <inkml:brushProperty name="width" value="0.1" units="cm"/>
+      <inkml:brushProperty name="height" value="0.1" units="cm"/>
+      <inkml:brushProperty name="color" value="#E71224"/>
+    </inkml:brush>
+  </inkml:definitions>
+  <inkml:trace contextRef="#ctx0" brushRef="#br0">720 4313 24575,'-1'20'0,"-2"-1"0,0 1 0,-1-1 0,-12 34 0,-7 37 0,11-33 0,-3-1 0,-29 74 0,3-9 0,-7 0 0,33-87 0,1 1 0,-13 46 0,16-42 0,-24 56 0,-9 26 0,-40 136 0,17-58 0,13 31 0,46-195 0,1 1 0,2 0 0,2 1 0,2 53 0,-5 50 0,-11-1 0,3-31 0,0 112 0,14-197 0,0 63 0,-15 133 0,3-146 0,0-5 0,-4 101 0,2 20 0,0 2 0,14 628 0,1-391 0,15-243 0,-6-95 0,-2-6 0,14 263 0,-23 930 0,1-706 0,9-399 0,57 313 0,-12-129 0,16 2 0,-43-236 0,-17-70 0,2-1 0,2-1 0,2 0 0,28 59 0,-23-66 0,-6-10 0,1-1 0,2-1 0,1 0 0,1-1 0,2-1 0,39 41 0,149 117 0,357 242 0,-457-361 0,4-6 0,3-5 0,1-4 0,244 70 0,395 39 0,-61-101 0,-406-46 0,804 49 0,2 0 0,-633-18 0,-371-37 0,1-4 0,94-8 0,-52 1 0,109 0 0,337 5 0,-320 8 0,157 5 0,-276-15 0,340-4 0,-336-4 0,186-34 0,-73 1 0,2 12 0,316 5 0,562 8 0,-905 8 0,389-29 0,-484 15 0,-62 8 0,100-4 0,822 15 0,-479 5 0,239 23 0,-102 14 0,-436-29 0,542-3 0,-437-11 0,-256 3 0,945 17 0,225-3 0,-765-17 0,564-14 0,-846 10 0,572-44 0,-293 4 0,-330 35 0,316 5 0,-269 9 0,2254-2 0,-2245-13 0,-37 0 0,-99 8 0,90-19 0,15-1 0,-39 19 0,20-1 0,163-14 0,-83 8 0,552 0 0,-474 16 0,1927-3 0,-2040-14 0,-31 1 0,-95 10 0,-1-3 0,0-3 0,0-3 0,91-29 0,-132 33 0,-1-1 0,0-2 0,-1 0 0,0-2 0,26-17 0,-35 19 0,1-1 0,-2-1 0,0 0 0,0 0 0,-1-1 0,-1-1 0,0 0 0,10-19 0,15-41 0,-3-1 0,45-157 0,-67 189 0,-2-1 0,-2 0 0,2-69 0,-11-142 0,-2 98 0,3 142 0,-1-1 0,0 1 0,-1 0 0,-1-1 0,-1 2 0,0-1 0,-1 0 0,0 1 0,-1 0 0,-1 0 0,0 1 0,-2 0 0,1 1 0,-1 0 0,-1 0 0,-20-17 0,-16-12 0,-2 3 0,-2 2 0,-58-32 0,47 30 0,33 23 0,-1 1 0,-1 1 0,-61-18 0,10 3 0,-4 2 0,-113-22 0,123 32 0,-9 2 0,-1 4 0,-132-1 0,145 9 0,-161-23 0,152 14 0,-95-2 0,-709 15 0,798 3 0,-126 23 0,81-8 0,67-11 0,-878 75 0,513-67 0,204-6 0,-192 36 0,351-36 0,23-2 0,-84 29 0,-14 3 0,25-20 0,-1-4 0,-207-1 0,-706-16 0,538 2 0,147-28 0,69 2 0,-268-24 0,310 23 0,53 13 0,94 9 0,-160-28 0,47-9 0,-179-45 0,323 70 0,-591-187 0,638 199 0,0 0 0,1-1 0,0-1 0,0 1 0,0-2 0,0 1 0,1-1 0,0-1 0,-11-11 0,10 6 0,0-1 0,1 0 0,0 0 0,1-1 0,-11-28 0,9 18 0,1 0 0,2-1 0,0 1 0,2-2 0,0 1 0,2 0 0,1-1 0,2-28 0,0 43 0,1-29 0,7-54 0,-5 80 0,0 0 0,1 0 0,1 0 0,0 0 0,1 1 0,15-25 0,-5 10 0,-7 13 0,0 0 0,1 1 0,23-26 0,-23 29 0,0-1 0,16-26 0,-20 28 0,1 0 0,1 1 0,-1-1 0,2 2 0,15-16 0,21-25 0,-37 40 0,-1 0 0,2 1 0,-1 0 0,13-10 0,25-13 0,1 2 0,2 3 0,78-34 0,-37 26 0,114-28 0,28 22 0,-142 27 0,145-13 0,408 4 0,-132 10 0,0-1 0,-317 13 0,172 4 0,-225 10 0,26 2 0,919-13 0,-526-5 0,-526 3 0,0-2 0,0-2 0,55-13 0,-68 12 0,-1-1 0,1-2 0,-2 0 0,1-1 0,-1 0 0,-1-2 0,19-13 0,-10 4 0,-1-1 0,-1-1 0,-1-1 0,35-44 0,-44 46 0,-1-1 0,-1 0 0,-2 0 0,0-2 0,-1 1 0,10-37 0,-6 6 0,12-103 0,-18 93 0,2-13 0,-1-84 0,-8 138 0,-2 0 0,-1 1 0,0-1 0,-11-41 0,9 54 0,0-1 0,-1 0 0,0 1 0,-1 0 0,1 0 0,-2 1 0,0-1 0,0 1 0,0 1 0,-1-1 0,-15-10 0,-9-6 83,-1 2-1,-1 1 0,-1 2 1,-53-21-1,-35-8-1013,2 10-4203,-23 1 5755,-1 6 0,-1 7 0,-181-9 0,-445 23 4068,484 13-6209,220 1 1520,-134 24 0,55-5 0,-166 34 0,93-13 0,146-30 0,3-1 0,-96 6 0,-72-5 0,-81 2 0,193-9 0,-164 29 0,-85 5 0,357-40 0,1 0 0,-1-2 0,0 0 0,0-1 0,1-1 0,0-1 0,0-1 0,0 0 0,0-1 0,1-1 0,1-1 0,-1 0 0,-23-18 0,-1-7 0,2-1 0,1-2 0,-50-63 0,67 77 0,2-1 0,1 0 0,1-2 0,0 0 0,3 0 0,0-1 0,1-1 0,2-1 0,-15-54 0,6-9 0,8 44 0,2-1 0,2 0 0,-2-59 0,9 33 0,-1-34 0,4-1 0,18-123 0,-17 220 0,-1 1 0,1 0 0,1 0 0,0 0 0,1 0 0,0 1 0,9-14 0,-10 20 0,-1 0 0,0 1 0,1-1 0,0 1 0,0 0 0,1 0 0,-1 0 0,1 0 0,0 1 0,0 0 0,0 0 0,0 0 0,0 1 0,1-1 0,-1 1 0,1 1 0,9-3 0,375-23 0,-205 21 0,1731-20 0,-1274 29 0,-604-3 0,37 1 0,148-19 0,46-15 0,9 16 0,-143 5 0,-60 8 0,0-4 0,113-27 0,-164 28 0,0-1 0,0-1 0,-1-1 0,0-1 0,-1-1 0,0-1 0,-1 0 0,-1-2 0,0-1 0,-1 0 0,29-32 0,-4-2 0,101-127 0,-129 154 0,-2 0 0,0-1 0,-2 0 0,0-1 0,-2 0 0,10-36 0,-11 23 0,-1 0 0,-2-1 0,-1 0 0,-2-44 0,-3 49 0,-5-121 0,2 133 0,-1 1 0,0-1 0,-2 1 0,0 0 0,-11-23 0,10 28 0,-1 0 0,-1 0 0,0 1 0,-1 1 0,-1-1 0,0 2 0,-21-21 0,24 27 0,-1-1 0,0 2 0,-1-1 0,0 1 0,0 1 0,0 0 0,0 0 0,-1 1 0,1 0 0,-1 1 0,0 0 0,-23-2 0,-125-1 0,-223 19 0,301-8 0,-710 66 0,628-54 0,-456-2 0,386-18 0,-288 19 0,250-4 0,-60 4 0,118-2 0,-239-17 0,399 0 0,1-2 0,-1-3 0,1-2 0,0-2 0,1-2 0,-83-36 0,117 40 0,1-1 0,1-1 0,0 0 0,1-1 0,0-1 0,1 0 0,1-1 0,-11-16 0,0 2 0,-9-10 0,3-1 0,1-2 0,1-1 0,3-1 0,2-1 0,-28-81 0,36 81 0,2 0 0,2-1 0,2 0 0,2-1 0,-1-80 0,6 70 0,0 36 0,0 0 0,1 0 0,2-1 0,0 1 0,6-27 0,-6 44 0,0 0 0,0-1 0,0 1 0,1 0 0,-1 0 0,1 0 0,0 1 0,0-1 0,0 1 0,1-1 0,-1 1 0,1 0 0,0 1 0,0-1 0,0 0 0,0 1 0,0 0 0,0 0 0,1 0 0,4-1 0,12-3 0,1 1 0,0 1 0,24-1 0,-6 0 0,231-33 0,422-5 0,-225 46 0,326-4 0,-555-13 0,75-1 0,1177 17 0,-1376-6 0,1-5 0,-1-5 0,131-33 0,326-121 0,-535 156 0,8-2 0,-1-2 0,0-2 0,-1-1 0,52-33 0,-87 46 0,0 0 0,0-1 0,0 1 0,0-2 0,-1 1 0,-1-1 0,1 0 0,-1-1 0,-1 0 0,0 0 0,0 0 0,0 0 0,-1-1 0,-1 1 0,0-1 0,0 0 0,-1 0 0,0-1 0,0 1 0,-1 0 0,-1-1 0,-1-16 0,1-86 0,-5-132 0,3 227 0,0 0 0,-2 0 0,0 0 0,-1 0 0,-11-23 0,-44-85 0,34 77 0,-2-7 0,-2 1 0,-3 2 0,-2 1 0,-71-81 0,60 84 0,11 9 0,-1 1 0,-3 2 0,-1 2 0,-66-46 0,98 77 0,0 0 0,-1 0 0,0 1 0,1 1 0,-1-1 0,0 1 0,0 1 0,-18-2 0,-80 6 0,48 0 0,-1010 43-186,611-14-6412,-132-4 6615,353-20 5620,-5 18-4397,157-13-1295,-112 2 0,-3-18 55,-172 5 0,206 11 0,-38 2 0,135-14 0,-620-3 0,644-1 0,0-2 0,0-1 0,1-3 0,0-1 0,1-3 0,0-1 0,1-2 0,0-2 0,2-2 0,0-1 0,-45-33 0,65 34 0,0 0 0,1 0 0,2-2 0,0 0 0,1-2 0,-18-35 0,12 22 0,3 5 0,1 0 0,2-1 0,1-1 0,-14-49 0,25 67 0,0 0 0,1 0 0,0 0 0,2-1 0,0 1 0,1-1 0,0 1 0,1-1 0,1 1 0,1 0 0,0-1 0,7-17 0,-3 19 0,0 0 0,1 0 0,0 1 0,1 0 0,1 0 0,0 1 0,15-15 0,92-79 0,-77 74 0,-17 13 0,8-8 0,42-28 0,-60 47 0,1 1 0,1 0 0,-1 2 0,1-1 0,0 2 0,23-6 0,47-6 0,0 5 0,107-3 0,175 14 0,-177 4 0,3667-3 0,-3794-3 0,-1-3 0,1-3 0,-2-2 0,1-4 0,-2-1 0,80-34 0,-122 42 0,0-1 0,0-1 0,-1-1 0,0 0 0,-1-1 0,-1-1 0,0 0 0,0-1 0,-1 0 0,-1-2 0,-1 1 0,0-2 0,-1 1 0,-1-1 0,0-1 0,7-19 0,0-2 0,-7 17 0,0 1 0,-2-1 0,-1-1 0,4-23 0,2-23 0,-4-1 0,-3 0 0,-2 0 0,-8-85 0,2 140 0,-1 1 0,-1 0 0,0 0 0,0 0 0,-2 1 0,1 0 0,-2 0 0,0 0 0,0 1 0,-11-14 0,-13-13 0,-57-55 0,54 60 0,13 14 0,-1 1 0,-1 1 0,0 1 0,-1 2 0,-1 0 0,-52-22 0,-169-48 0,227 79 0,-1271-293 0,1014 261 0,-1 12 0,-309 11 0,132 14 0,-253 3 0,188 30 0,199-10 0,141-7 0,-273 58 0,295-35 0,-142 25 0,177-54 0,-165-10 0,117-2 0,-741 3 0,881-1 0,-54-11 0,-23-2 0,-425-33 0,137 7 0,-218-24 0,-119-7 0,304 33 0,-108-5 0,299 29 0,-247-48 0,-103 13 0,189 24 0,-209-25 0,293 13 0,-41-3 0,137 35 0,-66-7 0,147 3 0,-71-10 0,105 9 0,1 4 0,-110 9 0,50-1 0,-806-2 0,941 2 0,1 1 0,-1 1 0,-50 15 0,46-11 0,0 0 0,-37 2 0,30-5 0,0 1 0,0 1 0,1 3 0,-51 19 0,20-1 0,-87 49 0,41-3 0,-19 8 0,113-69 0,0 1 0,1 1 0,1 0 0,-22 25 0,12-14 0,-2 0 0,-51 33 0,53-41 0,1 2 0,-47 44 0,43-31 0,-5 7 0,-81 66 0,-116 101 0,209-184 0,-123 129 0,42-40 0,-7 9 0,92-99 0,-2 0 0,-44 34 0,-7 5 0,39-32 0,-2-2 0,-1-2 0,0-1 0,-66 29 0,61-32 0,-86 49 0,110-62 0,-1 0 0,0-1 0,0-1 0,0-1 0,-1 0 0,0-2 0,0 0 0,-23-1 0,35-1 0,-18 1 0,0-1 0,0-1 0,1-1 0,-1-1 0,0-1 0,1-1 0,-36-11 0,32 2 0,0 2 0,-1 2 0,0 0 0,0 2 0,-1 2 0,0 0 0,-35 0 0,-692 8 0,578 10 0,15 1 0,115-13 0,18-2 0,-1 2 0,1 1 0,-56 12 0,48-7 0,0-2 0,0-2 0,0-1 0,-55-6 0,5 2 0,-1128 2 0,1055 14 0,108-7 0,-58 0 0,6-7 0,-113 16 0,-176 24 0,120-11 0,31-3 0,30 2 0,24-3 0,-117 27 0,124-17 0,168-32 0,-150 29 0,142-25 0,0 0 0,0 2 0,1 0 0,-36 21 0,-10 11 0,3 3 0,2 2 0,2 3 0,-88 90 0,38-19 0,0 4 0,69-79 0,2 1 0,1 3 0,3 1 0,-39 68 0,-46 171 0,83-188 0,28-69 0,1 0 0,2 1 0,1 0 0,1 0 0,2 0 0,1 65 0,3-97 0,0-1 0,0 0 0,0 0 0,0 0 0,0 0 0,0 1 0,0-1 0,0 0 0,0 0 0,0 0 0,0 1 0,0-1 0,0 0 0,0 0 0,0 0 0,0 1 0,-1-1 0,1 0 0,0 0 0,0 0 0,0 0 0,0 1 0,0-1 0,0 0 0,-1 0 0,1 0 0,0 0 0,0 0 0,0 0 0,0 1 0,0-1 0,-1 0 0,1 0 0,0 0 0,0 0 0,0 0 0,-1 0 0,1 0 0,0 0 0,0 0 0,0 0 0,-1 0 0,1 0 0,0 0 0,0 0 0,0 0 0,-1 0 0,1 0 0,0 0 0,0 0 0,0 0 0,0 0 0,-1 0 0,1-1 0,0 1 0,0 0 0,0 0 0,0 0 0,-1 0 0,1 0 0,-19-15 0,-22-31 0,36 41 0,-21-26-47,-40-41-1271</inkml:trace>
+</inkml:ink>
+</file>
+
+<file path=ppt/ink/ink22.xml><?xml version="1.0" encoding="utf-8"?>
+<inkml:ink xmlns:inkml="http://www.w3.org/2003/InkML">
+  <inkml:definitions>
+    <inkml:context xml:id="ctx0">
+      <inkml:inkSource xml:id="inkSrc0">
+        <inkml:traceFormat>
+          <inkml:channel name="X" type="integer" min="-2.14748E9" max="2.14748E9" units="cm"/>
+          <inkml:channel name="Y" type="integer" min="-2.14748E9" max="2.14748E9" units="cm"/>
+          <inkml:channel name="F" type="integer" max="32767" units="dev"/>
+        </inkml:traceFormat>
+        <inkml:channelProperties>
+          <inkml:channelProperty channel="X" name="resolution" value="1000" units="1/cm"/>
+          <inkml:channelProperty channel="Y" name="resolution" value="1000" units="1/cm"/>
+          <inkml:channelProperty channel="F" name="resolution" value="0" units="1/dev"/>
+        </inkml:channelProperties>
+      </inkml:inkSource>
+      <inkml:timestamp xml:id="ts0" timeString="2025-07-01T12:07:00.205"/>
+    </inkml:context>
+    <inkml:brush xml:id="br0">
+      <inkml:brushProperty name="width" value="0.1" units="cm"/>
+      <inkml:brushProperty name="height" value="0.1" units="cm"/>
+      <inkml:brushProperty name="color" value="#E71224"/>
+    </inkml:brush>
+  </inkml:definitions>
+  <inkml:trace contextRef="#ctx0" brushRef="#br0">1 250 24575,'5'0'0,"6"0"0,5-5 0,6-1 0,3 0 0,2-3 0,6-5 0,7-1 0,6-6 0,9-5 0,5 2 0,-4 6 0,-6 0 0,3-1 0,1 3 0,1-1 0,-9-2 0,-12 3-8191</inkml:trace>
+</inkml:ink>
+</file>
+
+<file path=ppt/ink/ink23.xml><?xml version="1.0" encoding="utf-8"?>
+<inkml:ink xmlns:inkml="http://www.w3.org/2003/InkML">
+  <inkml:definitions>
+    <inkml:context xml:id="ctx0">
+      <inkml:inkSource xml:id="inkSrc0">
+        <inkml:traceFormat>
+          <inkml:channel name="X" type="integer" min="-2.14748E9" max="2.14748E9" units="cm"/>
+          <inkml:channel name="Y" type="integer" min="-2.14748E9" max="2.14748E9" units="cm"/>
+          <inkml:channel name="F" type="integer" max="32767" units="dev"/>
+          <inkml:channel name="OA" type="integer" max="360" units="deg"/>
+          <inkml:channel name="OE" type="integer" max="90" units="deg"/>
+        </inkml:traceFormat>
+        <inkml:channelProperties>
+          <inkml:channelProperty channel="X" name="resolution" value="1000" units="1/cm"/>
+          <inkml:channelProperty channel="Y" name="resolution" value="1000" units="1/cm"/>
+          <inkml:channelProperty channel="F" name="resolution" value="0" units="1/dev"/>
+          <inkml:channelProperty channel="OA" name="resolution" value="1000" units="1/deg"/>
+          <inkml:channelProperty channel="OE" name="resolution" value="1000" units="1/deg"/>
+        </inkml:channelProperties>
+      </inkml:inkSource>
+      <inkml:timestamp xml:id="ts0" timeString="2025-07-01T11:57:35.339"/>
+    </inkml:context>
+    <inkml:brush xml:id="br0">
+      <inkml:brushProperty name="width" value="0.1" units="cm"/>
+      <inkml:brushProperty name="height" value="0.1" units="cm"/>
+      <inkml:brushProperty name="color" value="#66CC00"/>
+    </inkml:brush>
+  </inkml:definitions>
+  <inkml:trace contextRef="#ctx0" brushRef="#br0">503 3412 1080 0 0,'-11'-43'8789'0'0,"10"35"-8270"0"0,0 0-1 0 0,0 0 1 0 0,1 0-1 0 0,1-1 0 0 0,-1 1 1 0 0,3-8-1 0 0,-3-2 356 0 0,4-8 308 0 0,-1 45 200 0 0,-6 26-1030 0 0,-2 0-1 0 0,-3-1 0 0 0,-20 69 1 0 0,10-40-166 0 0,-106 524-8 0 0,112-527-142 0 0,2 1 1 0 0,1 74-1 0 0,-9 72 22 0 0,-44 311-40 0 0,38-362 10 0 0,-14 150 112 0 0,29-145-132 0 0,-5 154 4 0 0,-11 61-181 0 0,8-199 247 0 0,3-42 205 0 0,-4 59 117 0 0,1 48-49 0 0,-2 33-114 0 0,15-125-172 0 0,0 151 162 0 0,7-230-182 0 0,24 144 0 0 0,-15-134 9 0 0,-9-63-47 0 0,0-1 0 0 0,14 47 0 0 0,28 87-40 0 0,-38-145 45 0 0,0 0 1 0 0,1-1 0 0 0,1 0 0 0 0,0 0 0 0 0,16 18-1 0 0,2 5 68 0 0,14 29-29 0 0,-28-44-26 0 0,1 0 0 0 0,1 0 0 0 0,0-2 0 0 0,2 0 0 0 0,38 37 0 0 0,-42-49-25 0 0,0-2-1 0 0,1 1 1 0 0,0-1 0 0 0,0-1 0 0 0,25 7-1 0 0,12 6-4 0 0,207 91 21 0 0,-145-70-26 0 0,-74-27-1 0 0,63 28 0 0 0,-55-17 47 0 0,1-2 0 0 0,65 20 0 0 0,-86-32 25 0 0,0 0-1 0 0,-1 3 0 0 0,37 22 1 0 0,40 17 369 0 0,-38-18-219 0 0,7 2-87 0 0,106 13 62 0 0,-122-37-61 0 0,104 39 1 0 0,-90-27-66 0 0,2-2 1 0 0,0-4-1 0 0,126 16 0 0 0,38 9 265 0 0,-150-27-301 0 0,95 6 0 0 0,0 0-52 0 0,265 16-468 0 0,-264-28 497 0 0,-6 0-3 0 0,349 38-129 0 0,-331-16 13 0 0,294 11 1 0 0,-298-40 75 0 0,621 31-360 0 0,-339-2 658 0 0,-59-6-395 0 0,26-20 232 0 0,-250-8 0 0 0,464-6 29 0 0,-532 5 38 0 0,0-6-1 0 0,123-24 1 0 0,-58-7-72 0 0,92-34-89 0 0,-221 58 5 0 0,38-15-54 0 0,145-70-1 0 0,-164 66 57 0 0,-19 5 109 0 0,63-46 1 0 0,216-163-26 0 0,-293 205-70 0 0,13-9-4 0 0,21-11 26 0 0,-52 32-30 0 0,-1-1 1 0 0,29-37-1 0 0,-15 13-10 0 0,-3-2-1 0 0,-2-1 1 0 0,-2-2-1 0 0,-2-1 1 0 0,-2-2-1 0 0,35-108 1 0 0,-38 87 44 0 0,23-142 0 0 0,-42 179-33 0 0,-1-1 0 0 0,-2 1 0 0 0,-2 0 0 0 0,-2-1 0 0 0,-12-68 0 0 0,10 89 2 0 0,-1 1-1 0 0,-1-1 0 0 0,-1 2 1 0 0,0-1-1 0 0,-2 1 1 0 0,0 0-1 0 0,0 1 0 0 0,-2 0 1 0 0,-20-25-1 0 0,-15-22 55 0 0,31 41-63 0 0,-1 0 0 0 0,-1 1 1 0 0,-1 1-1 0 0,-31-28 0 0 0,16 21 9 0 0,19 14-7 0 0,-1 0 1 0 0,-1 1-1 0 0,0 1 0 0 0,0 1 1 0 0,-1 0-1 0 0,-22-9 0 0 0,-41-7 56 0 0,-1 2-1 0 0,-1 5 1 0 0,0 3 0 0 0,-2 4-1 0 0,-103-2 1 0 0,-71-10 69 0 0,-29-1 31 0 0,-359 22-275 0 0,31 2-127 0 0,557-1 203 0 0,0-3 0 0 0,-104-22 0 0 0,129 18 0 0 0,1-1-1 0 0,0-1 1 0 0,0-2-1 0 0,2-2 0 0 0,0 0 1 0 0,-39-27-1 0 0,56 33-1 0 0,-1-1 0 0 0,1 0-1 0 0,1-1 1 0 0,0 0 0 0 0,-17-21-1 0 0,-5-12-99 0 0,-53-92 0 0 0,74 110 116 0 0,1 0 0 0 0,1-1 0 0 0,1-1 0 0 0,1 0-1 0 0,-7-44 1 0 0,3-23-49 0 0,0-128 0 0 0,17-98 61 0 0,1 72 29 0 0,43-850 307 0 0,-36 162-132 0 0,-15 710-155 0 0,4 90 44 0 0,-20-152-1 0 0,-123-622 669 0 0,110 647-649 0 0,-1-11-38 0 0,8 125-77 0 0,-33-153 55 0 0,35 227 14 0 0,-4 2 1 0 0,-41-83-1 0 0,-17-44 20 0 0,73 172-56 0 0,-2 1-1 0 0,-32-52 1 0 0,21 39-31 0 0,-2-18 35 0 0,24 50-19 0 0,-1 0 0 0 0,0 0-1 0 0,0 0 1 0 0,-1 0 0 0 0,0 1 0 0 0,-11-15-1 0 0,-4 0-21 0 0,-7-9 14 0 0,-1 1 0 0 0,-1 1 0 0 0,-49-38 0 0 0,20 20 20 0 0,44 35-18 0 0,-1 1 0 0 0,0 0 1 0 0,-18-11-1 0 0,-3 5 49 0 0,-70-24 1 0 0,65 27-12 0 0,-51-26 0 0 0,27 7 20 0 0,-2 3 0 0 0,-1 2 0 0 0,-1 4 0 0 0,0 2 0 0 0,-106-19 0 0 0,-504-32 174 0 0,307 31-103 0 0,119 10-16 0 0,-166 17-202 0 0,-2 35 170 0 0,320-13-30 0 0,22-2-86 0 0,0 4 0 0 0,1 2 0 0 0,0 5 0 0 0,1 2 1 0 0,-134 50-1 0 0,118-27-251 0 0,-161 95 0 0 0,127-49 64 0 0,-189 169 1 0 0,274-219 174 0 0,-73 82 1 0 0,63-63 10 0 0,-12 15-102 0 0,6 8 38 0 0,-164 236-169 0 0,130-168 223 0 0,36-60-8 0 0,3 1 1 0 0,-59 139-1 0 0,60-114 90 0 0,-37 50-70 0 0,82-149 34 0 0,-42 80 0 0 0,-14 26-71 0 0,52-100 67 0 0,2 1 0 0 0,0 0 0 0 0,1 1-1 0 0,-8 36 1 0 0,8-28-15 0 0,-19 45-1 0 0,23-66 24 0 0,0 1 0 0 0,0-1 0 0 0,-1-1 0 0 0,0 1 0 0 0,-1-1 0 0 0,0 0 0 0 0,0 0 0 0 0,0 0 0 0 0,-12 8 0 0 0,17-14 2 0 0,0-1 0 0 0,0 1 0 0 0,0-1 0 0 0,0 1 0 0 0,0-1 1 0 0,0 0-1 0 0,0 1 0 0 0,0-1 0 0 0,0 0 0 0 0,-1 0 0 0 0,1 0 0 0 0,0 0 0 0 0,0 0 0 0 0,0 0 0 0 0,0 0 0 0 0,0 0 0 0 0,-1 0 1 0 0,1 0-1 0 0,0-1 0 0 0,0 1 0 0 0,0-1 0 0 0,0 1 0 0 0,0-1 0 0 0,0 1 0 0 0,0-1 0 0 0,0 1 0 0 0,0-1 0 0 0,0 0 1 0 0,0 1-1 0 0,0-1 0 0 0,1 0 0 0 0,-1 0 0 0 0,0 0 0 0 0,1 0 0 0 0,-2-1 0 0 0,-25-41 247 0 0,-14-45 27 0 0,-34-110 0 0 0,36 88-193 0 0,34 96-83 0 0,-5-9 1 0 0,2 0 1 0 0,0-1-1 0 0,2 0 0 0 0,0-1 0 0 0,-3-43 1 0 0,9 67-27 0 0,0 0 1 0 0,1 0 0 0 0,-1 1 0 0 0,1-1 0 0 0,-1 0-1 0 0,0 0 1 0 0,1 0 0 0 0,0 0 0 0 0,-1 1 0 0 0,1-1-1 0 0,0 0 1 0 0,-1 1 0 0 0,1-1 0 0 0,0 0 0 0 0,-1 1-1 0 0,1-1 1 0 0,0 1 0 0 0,0-1 0 0 0,0 1 0 0 0,0 0-1 0 0,0-1 1 0 0,0 1 0 0 0,-1 0 0 0 0,1-1-1 0 0,0 1 1 0 0,0 0 0 0 0,0 0 0 0 0,0 0 0 0 0,0 0-1 0 0,0 0 1 0 0,0 0 0 0 0,0 0 0 0 0,0 0 0 0 0,0 0-1 0 0,0 1 1 0 0,1-1 0 0 0,40 9-2668 0 0,-35-6 1731 0 0,0 1 1 0 0,0 0-1 0 0,0 0 0 0 0,-1 1 1 0 0,0-1-1 0 0,0 1 0 0 0,0 1 1 0 0,8 9-1 0 0,5 4-5428 0 0</inkml:trace>
+</inkml:ink>
+</file>
+
+<file path=ppt/ink/ink24.xml><?xml version="1.0" encoding="utf-8"?>
+<inkml:ink xmlns:inkml="http://www.w3.org/2003/InkML">
+  <inkml:definitions>
+    <inkml:context xml:id="ctx0">
+      <inkml:inkSource xml:id="inkSrc0">
+        <inkml:traceFormat>
+          <inkml:channel name="X" type="integer" min="-2.14748E9" max="2.14748E9" units="cm"/>
+          <inkml:channel name="Y" type="integer" min="-2.14748E9" max="2.14748E9" units="cm"/>
+          <inkml:channel name="F" type="integer" max="32767" units="dev"/>
+          <inkml:channel name="OA" type="integer" max="360" units="deg"/>
+          <inkml:channel name="OE" type="integer" max="90" units="deg"/>
+        </inkml:traceFormat>
+        <inkml:channelProperties>
+          <inkml:channelProperty channel="X" name="resolution" value="1000" units="1/cm"/>
+          <inkml:channelProperty channel="Y" name="resolution" value="1000" units="1/cm"/>
+          <inkml:channelProperty channel="F" name="resolution" value="0" units="1/dev"/>
+          <inkml:channelProperty channel="OA" name="resolution" value="1000" units="1/deg"/>
+          <inkml:channelProperty channel="OE" name="resolution" value="1000" units="1/deg"/>
+        </inkml:channelProperties>
+      </inkml:inkSource>
+      <inkml:timestamp xml:id="ts0" timeString="2025-07-01T11:57:35.340"/>
+    </inkml:context>
+    <inkml:brush xml:id="br0">
+      <inkml:brushProperty name="width" value="0.1" units="cm"/>
+      <inkml:brushProperty name="height" value="0.1" units="cm"/>
+      <inkml:brushProperty name="color" value="#66CC00"/>
+    </inkml:brush>
+  </inkml:definitions>
+  <inkml:trace contextRef="#ctx0" brushRef="#br0">41 224 9185 0 0,'-40'2'7820'0'0,"40"-2"-7750"0"0,0 0 0 0 0,0 0 0 0 0,0 0 0 0 0,0 0 0 0 0,0 1 0 0 0,0-1 0 0 0,0 0 1 0 0,0 0-1 0 0,0 0 0 0 0,0 0 0 0 0,0 1 0 0 0,0-1 0 0 0,0 0 0 0 0,0 0 0 0 0,0 0 0 0 0,0 1 0 0 0,0-1 0 0 0,0 0 0 0 0,0 0 0 0 0,16 13 839 0 0,-8-9-766 0 0,0-1 1 0 0,1 0-1 0 0,-1 0 1 0 0,0-1 0 0 0,1 0-1 0 0,-1-1 1 0 0,1 0 0 0 0,-1 0-1 0 0,1-1 1 0 0,0 0 0 0 0,-1 0-1 0 0,1-1 1 0 0,13-3 0 0 0,6-2 126 0 0,0-1 0 0 0,44-18 0 0 0,-18 1 176 0 0,93-56-1 0 0,-102 52-527 0 0,1 3-1 0 0,86-35 1 0 0,-115 59-2699 0 0</inkml:trace>
+</inkml:ink>
+</file>
+
+<file path=ppt/ink/ink25.xml><?xml version="1.0" encoding="utf-8"?>
+<inkml:ink xmlns:inkml="http://www.w3.org/2003/InkML">
+  <inkml:definitions>
+    <inkml:context xml:id="ctx0">
+      <inkml:inkSource xml:id="inkSrc0">
+        <inkml:traceFormat>
+          <inkml:channel name="X" type="integer" min="-2.14748E9" max="2.14748E9" units="cm"/>
+          <inkml:channel name="Y" type="integer" min="-2.14748E9" max="2.14748E9" units="cm"/>
+          <inkml:channel name="F" type="integer" max="32767" units="dev"/>
+        </inkml:traceFormat>
+        <inkml:channelProperties>
+          <inkml:channelProperty channel="X" name="resolution" value="1000" units="1/cm"/>
+          <inkml:channelProperty channel="Y" name="resolution" value="1000" units="1/cm"/>
+          <inkml:channelProperty channel="F" name="resolution" value="0" units="1/dev"/>
+        </inkml:channelProperties>
+      </inkml:inkSource>
+      <inkml:timestamp xml:id="ts0" timeString="2025-07-01T14:55:11.549"/>
+    </inkml:context>
+    <inkml:brush xml:id="br0">
+      <inkml:brushProperty name="width" value="0.1" units="cm"/>
+      <inkml:brushProperty name="height" value="0.1" units="cm"/>
+      <inkml:brushProperty name="color" value="#E71224"/>
+    </inkml:brush>
+  </inkml:definitions>
+  <inkml:trace contextRef="#ctx0" brushRef="#br0">278 0 24575,'-2'19'0,"0"0"0,-1 0 0,-11 35 0,-1 2 0,-8 94 0,-7 32 0,-14 47 0,22-51 0,6-21 0,4-20 0,-6-9 0,-3 221 0,19-191 0,6 135 0,9-199 0,-7-60 0,3 63 0,-12 61 0,6 122 0,9-188 0,-5-56 0,1 62 0,-9 46 0,-1-28 0,15 135 0,23 9 0,24 261 0,-46-345 0,5 139 0,-18-291 0,-2 0 0,0 1 0,-2-1 0,0 0 0,-2 0 0,-13 40 0,-79 245 0,49-145 0,33-105 0,3 1 0,2 0 0,-3 78 0,1-36 0,5-57 0,-1 57 0,8-61 0,2 0 0,1 0 0,3 0 0,1-1 0,1 0 0,3 0 0,1-1 0,2 0 0,2-1 0,25 46 0,82 118 0,19 36 0,78 250 0,-132-276 0,-7-22 0,97 217 0,29-14 0,-175-340 0,66 110 0,195 249 0,-198-307 0,4-4 0,4-4 0,152 108 0,379 197 0,-463-313 0,5-8 0,2-7 0,207 55 0,-127-60 0,446 58 0,-143-91 0,0-40 0,-222-1 0,1037 7 0,529-6 0,-220-79 0,-869-10 0,133-9 0,-852 96 0,0-4 0,112-26 0,66-48 0,-31 8 0,232-70 0,-456 139 0,17-4 0,-1-2 0,0-2 0,-1-1 0,-1-2 0,-1-1 0,0-1 0,-1-2 0,39-35 0,-46 34 0,-1-2 0,-1 0 0,-1-1 0,-1-2 0,-1 0 0,-2-1 0,0-1 0,-3 0 0,0-1 0,-2-1 0,-1 0 0,8-37 0,81-420 0,-84 375 0,1-124 0,-12 151 0,5-777 0,-14 520 0,5 142 0,-5-224 0,-24 133 0,-1-79 0,28 351 0,7-181 0,-3 173 0,1-1 0,1 1 0,1 1 0,21-53 0,-16 56 0,1 0 0,1 1 0,1 1 0,1 0 0,1 1 0,2 1 0,0 1 0,0 0 0,2 2 0,1 0 0,0 1 0,1 2 0,0 0 0,2 1 0,-1 2 0,2 0 0,0 2 0,0 0 0,1 2 0,0 1 0,0 1 0,0 2 0,1 0 0,33 1 0,689 2 0,-352 3 0,-341 2 0,1 3 0,112 27 0,-161-32 0,17 4 0,-2 1 0,1 1 0,-1 2 0,28 14 0,-39-17 0,0 1 0,0 1 0,-1 0 0,0 1 0,0 0 0,-1 0 0,-1 1 0,15 19 0,-18-18 0,0 0 0,-1 0 0,0 1 0,0 0 0,-2 0 0,5 16 0,13 88 0,-11-50 0,1-5 0,-3 1 0,2 109 0,-13 1355 0,6-1455 0,21 120 0,-13-115 0,3 81 0,-4 3 0,7 0 0,7-2 0,66 226 0,-81-350 0,2-1 0,1 0 0,2-1 0,1-1 0,2 0 0,1-1 0,1-1 0,2-1 0,0 0 0,2-2 0,2-1 0,0-1 0,1-1 0,2-2 0,51 32 0,277 151 0,-156-94 0,-117-62 0,149 64 0,-201-100 0,0-1 0,0-2 0,1-1 0,0-2 0,0-1 0,46 3 0,135-10-455,-1-9 0,249-43 0,-402 44-6371</inkml:trace>
+</inkml:ink>
+</file>
+
+<file path=ppt/ink/ink26.xml><?xml version="1.0" encoding="utf-8"?>
+<inkml:ink xmlns:inkml="http://www.w3.org/2003/InkML">
+  <inkml:definitions>
+    <inkml:context xml:id="ctx0">
+      <inkml:inkSource xml:id="inkSrc0">
+        <inkml:traceFormat>
+          <inkml:channel name="X" type="integer" min="-2.14748E9" max="2.14748E9" units="cm"/>
+          <inkml:channel name="Y" type="integer" min="-2.14748E9" max="2.14748E9" units="cm"/>
+          <inkml:channel name="F" type="integer" max="32767" units="dev"/>
+        </inkml:traceFormat>
+        <inkml:channelProperties>
+          <inkml:channelProperty channel="X" name="resolution" value="1000" units="1/cm"/>
+          <inkml:channelProperty channel="Y" name="resolution" value="1000" units="1/cm"/>
+          <inkml:channelProperty channel="F" name="resolution" value="0" units="1/dev"/>
+        </inkml:channelProperties>
+      </inkml:inkSource>
+      <inkml:timestamp xml:id="ts0" timeString="2025-07-01T14:55:27.078"/>
+    </inkml:context>
+    <inkml:brush xml:id="br0">
+      <inkml:brushProperty name="width" value="0.1" units="cm"/>
+      <inkml:brushProperty name="height" value="0.1" units="cm"/>
+      <inkml:brushProperty name="color" value="#E71224"/>
+    </inkml:brush>
+  </inkml:definitions>
+  <inkml:trace contextRef="#ctx0" brushRef="#br0">20986 13833 24575,'371'-17'0,"-47"6"0,8 0 0,38-12 0,-170 12 0,294 2 0,-138 7 0,-111-11 0,68-1 0,-38 15 0,146-2 0,-236-13 0,47-1 0,1640 16 0,-1872-1 0,34 1 0,0-2 0,52-9 0,-77 9 0,0-1 0,-1-1 0,1 1 0,0-2 0,-1 1 0,1-1 0,-1 0 0,0-1 0,-1 0 0,1 0 0,-1 0 0,0-1 0,0 0 0,9-11 0,4-9 0,0-1 0,-1-1 0,28-58 0,-26 40 0,-3-1 0,-1-1 0,-3 0 0,-2-1 0,-2-1 0,-2 0 0,-2 0 0,-1-74 0,-6 113 0,2-33 0,-2-1 0,-2 1 0,-2 0 0,-21-81 0,12 71 0,11 38 0,-1-1 0,-1 1 0,-1 0 0,0 1 0,-8-16 0,11 28 0,1 0 0,-1 0 0,0 0 0,0 1 0,0-1 0,0 1 0,0 0 0,-1 0 0,1 0 0,-1 0 0,1 0 0,-1 1 0,0-1 0,0 1 0,0 0 0,0 1 0,1-1 0,-6 0 0,-13-1 0,0 2 0,-26 1 0,15 0 0,-82 0 0,-958-13 0,-75 1 0,803 11 0,-115 36 0,393-28 0,-113 5 0,-193-12 0,162-3 0,191 2 0,-475-6 0,0-34 0,372 30 0,-205 8 0,153 4 0,52 0 0,-134-4 0,242 0 0,0-1 0,1 0 0,-1-1 0,1-1 0,0 0 0,0-1 0,1 0 0,-1-1 0,2-1 0,-1 0 0,1-1 0,-20-17 0,9 4 0,1 0 0,1-1 0,2-1 0,0-1 0,-17-30 0,19 23 0,1 0 0,2-1 0,1-1 0,2 0 0,1 0 0,2-1 0,-7-70 0,8-12 0,9-129 0,1 78 0,-3 142 0,1 0 0,1-1 0,10-49 0,-10 67 0,1 0 0,0 0 0,1 0 0,0 0 0,1 0 0,-1 1 0,2 0 0,-1 0 0,1 0 0,0 1 0,1 0 0,-1 0 0,2 0 0,8-6 0,-10 9 0,0 1 0,1-1 0,-1 2 0,1-1 0,0 0 0,0 1 0,0 1 0,11-3 0,67-2 0,-37 3 0,1222-60 0,-1267 63 0,233-8 0,1069-18 0,-871 13 0,13-1 0,-364 11 0,116-20 0,-52 5 0,273-11 0,-290 19 0,230-26 0,-266 26 0,-63 8 0,-1-1 0,59-14 0,-81 13 0,1 1 0,-1-1 0,-1-1 0,1 0 0,-1 0 0,0 0 0,0-1 0,0 0 0,-1 0 0,0-1 0,9-10 0,6-13 0,25-45 0,-39 64 0,20-42 0,-1-1 0,-3-1 0,-2-2 0,-3 1 0,20-113 0,-22 60 0,-5-1 0,-3-140 0,-8 232 0,0-25 0,-8-51 0,6 79 0,-1 0 0,-1 1 0,0-1 0,-1 1 0,0 0 0,-1 0 0,-9-13 0,6 12 0,-1 0 0,0 2 0,-1-1 0,-1 1 0,0 1 0,0 0 0,-2 0 0,1 2 0,-1-1 0,-1 2 0,-21-11 0,16 11 0,-1 0 0,0 2 0,0 1 0,-1 0 0,0 2 0,0 0 0,0 2 0,-32 0 0,-634 37 0,-90-8 0,313-20 0,-59 7 0,-461 26 0,489-25 0,234-12 0,-12 11 0,-107 0 0,301-12 0,49 0 0,0-1 0,0-1 0,0-2 0,-39-8 0,63 8 0,1 0 0,0-1 0,-1 0 0,1 0 0,1-1 0,-1 1 0,0-1 0,1-1 0,0 1 0,0-1 0,0 0 0,0 0 0,1 0 0,0-1 0,0 1 0,1-1 0,-1 0 0,1 0 0,-2-8 0,-6-13 0,2-1 0,0-1 0,-4-31 0,9 41 0,-7-56 0,3 0 0,3-1 0,5-76 0,-3-53 0,-10 84 0,6 72 0,-1-52 0,8 86 0,0 1 0,1 0 0,1 0 0,0-1 0,1 1 0,0 0 0,1 1 0,8-19 0,-8 24 0,0 1 0,1-1 0,0 1 0,0 0 0,0 0 0,1 1 0,0 0 0,1 0 0,-1 0 0,1 1 0,0 0 0,1 0 0,-1 1 0,1-1 0,10-3 0,49-16 0,0 2 0,2 3 0,0 4 0,120-12 0,289 7 0,-460 20 0,85-2 0,855 15 0,-690 13 0,-66-5 0,-101-10 0,-42-4 0,61 1 0,609 17 0,-42 4 0,-657-31 0,-1-2 0,1-1 0,-1-2 0,39-13 0,0 0 0,14-2 0,-1-4 0,-1-3 0,-1-3 0,74-44 0,-145 72 0,0 0 0,0-1 0,-1 1 0,0-2 0,1 1 0,-2-1 0,1 0 0,-1-1 0,0 0 0,0 0 0,-1 0 0,1 0 0,-2-1 0,1 0 0,-1 0 0,0 0 0,-1 0 0,0-1 0,0 0 0,-1 1 0,0-1 0,-1 0 0,0 0 0,0 0 0,-1-14 0,-1-98 0,-4-127 0,-4 162 0,-23-96 0,17 111 0,3-1 0,-4-94 0,16 155 0,0-7 0,0-1 0,-2 1 0,-5-29 0,6 43 0,0 1 0,0-1 0,0 0 0,0 1 0,-1-1 0,1 1 0,-1-1 0,0 1 0,0 0 0,0 0 0,-1 0 0,1 0 0,-1 0 0,0 0 0,1 1 0,-1-1 0,0 1 0,-1 0 0,1 0 0,0 0 0,-1 0 0,1 0 0,-6-1 0,-17-1 0,-1 0 0,0 2 0,0 1 0,-46 3 0,14 0 0,-798 4 0,559 8 0,-78 1 0,-1474-17 0,1606 16 0,-3 1 0,102-13 0,-217-6 0,358 3 0,0 1 0,-1-1 0,1 0 0,0 0 0,0 0 0,0-1 0,0 1 0,0-1 0,0 0 0,0 0 0,1 0 0,-1-1 0,1 1 0,-1-1 0,1 0 0,0 0 0,0 0 0,0 0 0,1-1 0,-4-4 0,-1-6 0,0 0 0,0 0 0,1-1 0,-5-18 0,-2-8 0,0 4 0,-9-52 0,-6-19 0,-54-228 0,69 270 0,-51-238 0,57 237 0,2 0 0,6-100 0,0 68 0,-1 94 0,0-1 0,0 0 0,1 1 0,-1-1 0,1 1 0,0-1 0,1 1 0,-1 0 0,1-1 0,0 1 0,1 0 0,-1 0 0,5-6 0,-2 5 0,0 1 0,1 1 0,-1-1 0,1 1 0,0-1 0,0 2 0,0-1 0,1 1 0,13-5 0,44-14 0,2 3 0,0 2 0,71-7 0,-46 8 0,22 1 0,0 6 0,207 9 0,-145 3 0,605 18 0,-477 7 0,-219-20 0,125-5 0,48 3 0,175 40 0,-310-35 0,133 5 0,142-3 0,10 1 0,-377-14 0,0-1 0,-1-1 0,57-12 0,-72 10 0,-1-1 0,1 0 0,-1-1 0,0 0 0,0-1 0,0 0 0,-1-2 0,0 1 0,-1-1 0,11-11 0,18-22 0,-3-1 0,-1-2 0,-2-2 0,-3-1 0,-1-1 0,-3-2 0,-1-1 0,33-101 0,-38 92 0,-3-1 0,-2-1 0,-3 0 0,-3-1 0,3-80 0,-14-212 0,-1 141 0,2 211 0,0 0 0,0-1 0,0 1 0,-1 0 0,1 0 0,-1 0 0,0 0 0,-1 0 0,1 0 0,0 0 0,-1 0 0,0 0 0,0 0 0,0 1 0,-1-1 0,1 1 0,-1 0 0,-3-5 0,1 5 0,0 0 0,-1 0 0,1 0 0,0 0 0,-1 1 0,1 0 0,-1 0 0,0 1 0,0-1 0,1 1 0,-1 1 0,0-1 0,-6 1 0,-264 8 0,129 0 0,-256 0-7317,-207-9 10057,116 0 1968,166 5-4839,-292 34 131,422-22 0,89-3 0,-125 31 0,214-40 0,-72 11 0,-121 5 0,134-15 0,-3 2 0,0-4 0,-154-13 0,209 6 0,1 0 0,0-2 0,-1-1 0,2-1 0,-1-1 0,1-1 0,1-2 0,0 0 0,0-1 0,1-2 0,1 0 0,-34-32 0,48 40 0,1-2 0,1 1 0,-1-1 0,2 0 0,-1-1 0,1 1 0,-5-15 0,-23-77 0,13 34 0,-1-4 0,3-1 0,-12-101 0,-1-6 0,26 153 0,0-1 0,2 0 0,1 0 0,1 0 0,5-46 0,-3 62 0,1 0 0,0 0 0,1 0 0,0 0 0,0 0 0,1 1 0,1 0 0,0 0 0,0 0 0,1 0 0,1 1 0,-1 0 0,1 0 0,1 1 0,-1 0 0,14-11 0,-10 12 0,-1 1 0,2 0 0,-1 0 0,0 1 0,1 1 0,0 0 0,16-3 0,91-12 0,-100 17 0,367-42 0,-199 27 0,304 11 0,-262 8 0,863-2 0,-832-14 0,-25 0 0,-1 0 0,38 0 0,-235 12 0,1-3 0,0 0 0,-1-3 0,47-16 0,-49 15 0,45-12 0,-33 10 0,-1-1 0,0-3 0,59-28 0,-92 37 0,0-1 0,-1-1 0,0 0 0,-1-1 0,0 0 0,0 0 0,-1-1 0,0-1 0,0 0 0,-2 0 0,1-1 0,-1 0 0,-1 0 0,0-1 0,9-24 0,1-12 0,-2-1 0,13-72 0,-23 60 0,-4-119 0,-3 83 0,0 47 0,-2 0 0,-3 0 0,-12-51 0,-51-146 0,69 242 0,-1 1 0,0-1 0,0 1 0,0 0 0,-1 0 0,0-1 0,0 1 0,0 1 0,0-1 0,-8-8 0,5 9 0,0 0 0,0 1 0,0 0 0,-1-1 0,1 2 0,-1-1 0,1 1 0,-15-3 0,-173-33 0,-245-16 0,370 47 0,-953-77 0,931 77 0,-720-15 0,774 27 0,-1 0 0,1 3 0,0 1 0,1 2 0,-60 26 0,46-18 0,-176 52 0,172-55 0,-138 31 0,101-27 0,-60 11 0,98-24 0,0 3 0,1 2 0,-57 21 0,86-26 0,-1-2 0,0-1 0,0 0 0,-37-1 0,-33 5 0,-37 11 0,-231 5 0,-157-24 0,495 1 0,-1 2 0,-35 7 0,34-4 0,0-2 0,-27 1 0,-940-3 0,483-5 0,-3211 3-1130,3468-6-3856,1-10 3330,2-8 3603,-1-3 3878,-128-4-5825,132 13 0,-436-4 0,243 16 0,-1557-12 0,1302 20 0,256-4 0,-479 5 0,249 49 0,652-50 0,-16 2 0,0 1 0,0 2 0,1 2 0,0 1 0,0 1 0,1 2 0,1 1 0,0 1 0,1 1 0,0 2 0,2 1 0,0 2 0,1 0 0,1 1 0,2 2 0,0 0 0,1 2 0,2 0 0,0 2 0,-22 42 0,-3 21 0,4 3 0,4 1 0,-29 119 0,23-62 0,37-137 0,0 0 0,-2 0 0,0-1 0,0 0 0,-2 0 0,1-1 0,-2 0 0,0-1 0,0 0 0,-1-1 0,-1 0 0,0-1 0,0 0 0,-1-1 0,0 0 0,-27 11 0,-12 2 0,-1-2 0,-1-2 0,-80 16 0,-76 5 0,-2-8 0,-1-10 0,-246-7 0,-130-57 0,172 6 0,278 29 1044,-1228-95-8872,1286 93 8979,-89-9 5146,56 15-6961,67 5 664,0 2 0,0 2 0,1 3 0,0 1 0,-71 24 0,49-10 0,4-3 0,-93 43 0,141-54 0,-1 0 0,2 1 0,-1 1 0,1 1 0,1 0 0,0 1 0,1 0 0,0 1 0,-22 30 0,-296 431 0,279-396 0,4 2 0,3 2 0,3 2 0,-52 154 0,35-42 0,46-142 0,2 0 0,2 1 0,3 0 0,0 68 0,9-35 0,-3 80 0,1-165 0,0 0 0,-1-1 0,1 1 0,-1-1 0,0 1 0,0 0 0,0-1 0,0 0 0,0 1 0,-1-1 0,0 0 0,0 0 0,0 0 0,0 0 0,0 0 0,0 0 0,-1 0 0,1-1 0,-1 1 0,0-1 0,0 0 0,0 0 0,0 0 0,0 0 0,0 0 0,0-1 0,-6 2 0,-1-1 0,0 0 0,0-1 0,0 0 0,0 0 0,-1-1 0,1-1 0,0 0 0,-18-4 0,-24-8 0,1-2 0,-91-40 0,30 10 0,46 19-1365,47 20-5461</inkml:trace>
+</inkml:ink>
+</file>
+
+<file path=ppt/ink/ink27.xml><?xml version="1.0" encoding="utf-8"?>
+<inkml:ink xmlns:inkml="http://www.w3.org/2003/InkML">
+  <inkml:definitions>
+    <inkml:context xml:id="ctx0">
+      <inkml:inkSource xml:id="inkSrc0">
+        <inkml:traceFormat>
+          <inkml:channel name="X" type="integer" min="-2.14748E9" max="2.14748E9" units="cm"/>
+          <inkml:channel name="Y" type="integer" min="-2.14748E9" max="2.14748E9" units="cm"/>
+          <inkml:channel name="F" type="integer" max="32767" units="dev"/>
+        </inkml:traceFormat>
+        <inkml:channelProperties>
+          <inkml:channelProperty channel="X" name="resolution" value="1000" units="1/cm"/>
+          <inkml:channelProperty channel="Y" name="resolution" value="1000" units="1/cm"/>
+          <inkml:channelProperty channel="F" name="resolution" value="0" units="1/dev"/>
+        </inkml:channelProperties>
+      </inkml:inkSource>
+      <inkml:timestamp xml:id="ts0" timeString="2025-07-01T14:55:28.016"/>
+    </inkml:context>
+    <inkml:brush xml:id="br0">
+      <inkml:brushProperty name="width" value="0.1" units="cm"/>
+      <inkml:brushProperty name="height" value="0.1" units="cm"/>
+      <inkml:brushProperty name="color" value="#E71224"/>
+    </inkml:brush>
+  </inkml:definitions>
+  <inkml:trace contextRef="#ctx0" brushRef="#br0">1 96 24575,'5'0'0,"6"0"0,6 0 0,4 0 0,4 0 0,3-4 0,0-3 0,1-3 0,4-2 0,2-1 0,-1 0 0,4 2 0,0 4 0,-3 2 0,-1 3 0,-7-4 0,-4 0 0</inkml:trace>
 </inkml:ink>
 </file>
 
@@ -659,7 +1095,7 @@
           <a:p>
             <a:fld id="{3DA1BA2C-5760-49A1-B02E-16886E01D598}" type="datetimeFigureOut">
               <a:rPr lang="zh-TW" altLang="en-US" smtClean="0"/>
-              <a:t>2025/5/21</a:t>
+              <a:t>2025/7/1</a:t>
             </a:fld>
             <a:endParaRPr lang="zh-TW" altLang="en-US"/>
           </a:p>
@@ -857,7 +1293,7 @@
           <a:p>
             <a:fld id="{3DA1BA2C-5760-49A1-B02E-16886E01D598}" type="datetimeFigureOut">
               <a:rPr lang="zh-TW" altLang="en-US" smtClean="0"/>
-              <a:t>2025/5/21</a:t>
+              <a:t>2025/7/1</a:t>
             </a:fld>
             <a:endParaRPr lang="zh-TW" altLang="en-US"/>
           </a:p>
@@ -1065,7 +1501,7 @@
           <a:p>
             <a:fld id="{3DA1BA2C-5760-49A1-B02E-16886E01D598}" type="datetimeFigureOut">
               <a:rPr lang="zh-TW" altLang="en-US" smtClean="0"/>
-              <a:t>2025/5/21</a:t>
+              <a:t>2025/7/1</a:t>
             </a:fld>
             <a:endParaRPr lang="zh-TW" altLang="en-US"/>
           </a:p>
@@ -1263,7 +1699,7 @@
           <a:p>
             <a:fld id="{3DA1BA2C-5760-49A1-B02E-16886E01D598}" type="datetimeFigureOut">
               <a:rPr lang="zh-TW" altLang="en-US" smtClean="0"/>
-              <a:t>2025/5/21</a:t>
+              <a:t>2025/7/1</a:t>
             </a:fld>
             <a:endParaRPr lang="zh-TW" altLang="en-US"/>
           </a:p>
@@ -1538,7 +1974,7 @@
           <a:p>
             <a:fld id="{3DA1BA2C-5760-49A1-B02E-16886E01D598}" type="datetimeFigureOut">
               <a:rPr lang="zh-TW" altLang="en-US" smtClean="0"/>
-              <a:t>2025/5/21</a:t>
+              <a:t>2025/7/1</a:t>
             </a:fld>
             <a:endParaRPr lang="zh-TW" altLang="en-US"/>
           </a:p>
@@ -1803,7 +2239,7 @@
           <a:p>
             <a:fld id="{3DA1BA2C-5760-49A1-B02E-16886E01D598}" type="datetimeFigureOut">
               <a:rPr lang="zh-TW" altLang="en-US" smtClean="0"/>
-              <a:t>2025/5/21</a:t>
+              <a:t>2025/7/1</a:t>
             </a:fld>
             <a:endParaRPr lang="zh-TW" altLang="en-US"/>
           </a:p>
@@ -2215,7 +2651,7 @@
           <a:p>
             <a:fld id="{3DA1BA2C-5760-49A1-B02E-16886E01D598}" type="datetimeFigureOut">
               <a:rPr lang="zh-TW" altLang="en-US" smtClean="0"/>
-              <a:t>2025/5/21</a:t>
+              <a:t>2025/7/1</a:t>
             </a:fld>
             <a:endParaRPr lang="zh-TW" altLang="en-US"/>
           </a:p>
@@ -2356,7 +2792,7 @@
           <a:p>
             <a:fld id="{3DA1BA2C-5760-49A1-B02E-16886E01D598}" type="datetimeFigureOut">
               <a:rPr lang="zh-TW" altLang="en-US" smtClean="0"/>
-              <a:t>2025/5/21</a:t>
+              <a:t>2025/7/1</a:t>
             </a:fld>
             <a:endParaRPr lang="zh-TW" altLang="en-US"/>
           </a:p>
@@ -2469,7 +2905,7 @@
           <a:p>
             <a:fld id="{3DA1BA2C-5760-49A1-B02E-16886E01D598}" type="datetimeFigureOut">
               <a:rPr lang="zh-TW" altLang="en-US" smtClean="0"/>
-              <a:t>2025/5/21</a:t>
+              <a:t>2025/7/1</a:t>
             </a:fld>
             <a:endParaRPr lang="zh-TW" altLang="en-US"/>
           </a:p>
@@ -2780,7 +3216,7 @@
           <a:p>
             <a:fld id="{3DA1BA2C-5760-49A1-B02E-16886E01D598}" type="datetimeFigureOut">
               <a:rPr lang="zh-TW" altLang="en-US" smtClean="0"/>
-              <a:t>2025/5/21</a:t>
+              <a:t>2025/7/1</a:t>
             </a:fld>
             <a:endParaRPr lang="zh-TW" altLang="en-US"/>
           </a:p>
@@ -3068,7 +3504,7 @@
           <a:p>
             <a:fld id="{3DA1BA2C-5760-49A1-B02E-16886E01D598}" type="datetimeFigureOut">
               <a:rPr lang="zh-TW" altLang="en-US" smtClean="0"/>
-              <a:t>2025/5/21</a:t>
+              <a:t>2025/7/1</a:t>
             </a:fld>
             <a:endParaRPr lang="zh-TW" altLang="en-US"/>
           </a:p>
@@ -3309,7 +3745,7 @@
           <a:p>
             <a:fld id="{3DA1BA2C-5760-49A1-B02E-16886E01D598}" type="datetimeFigureOut">
               <a:rPr lang="zh-TW" altLang="en-US" smtClean="0"/>
-              <a:t>2025/5/21</a:t>
+              <a:t>2025/7/1</a:t>
             </a:fld>
             <a:endParaRPr lang="zh-TW" altLang="en-US"/>
           </a:p>
@@ -3747,7 +4183,7 @@
         <p:spPr>
           <a:xfrm>
             <a:off x="187093" y="804901"/>
-            <a:ext cx="1931298" cy="369332"/>
+            <a:ext cx="1107996" cy="369332"/>
           </a:xfrm>
           <a:prstGeom prst="rect">
             <a:avLst/>
@@ -3761,10 +4197,9 @@
           <a:lstStyle/>
           <a:p>
             <a:r>
-              <a:rPr lang="en-US" altLang="zh-TW" dirty="0"/>
-              <a:t>mode CPU_RREG</a:t>
-            </a:r>
-            <a:endParaRPr lang="zh-TW" altLang="en-US" dirty="0"/>
+              <a:rPr lang="zh-TW" altLang="en-US" dirty="0"/>
+              <a:t>空白模板</a:t>
+            </a:r>
           </a:p>
         </p:txBody>
       </p:sp>
@@ -6350,6 +6785,116 @@
           </mc:Fallback>
         </mc:AlternateContent>
       </p:grpSp>
+      <p:sp>
+        <p:nvSpPr>
+          <p:cNvPr id="6" name="文字方塊 5">
+            <a:extLst>
+              <a:ext uri="{FF2B5EF4-FFF2-40B4-BE49-F238E27FC236}">
+                <a16:creationId xmlns:a16="http://schemas.microsoft.com/office/drawing/2014/main" id="{04D3D514-F3EE-D6B1-4CDD-BF5D707EB54D}"/>
+              </a:ext>
+            </a:extLst>
+          </p:cNvPr>
+          <p:cNvSpPr txBox="1"/>
+          <p:nvPr/>
+        </p:nvSpPr>
+        <p:spPr>
+          <a:xfrm>
+            <a:off x="0" y="5059275"/>
+            <a:ext cx="917239" cy="523220"/>
+          </a:xfrm>
+          <a:prstGeom prst="rect">
+            <a:avLst/>
+          </a:prstGeom>
+          <a:noFill/>
+          <a:ln>
+            <a:solidFill>
+              <a:srgbClr val="FF0000"/>
+            </a:solidFill>
+            <a:prstDash val="dash"/>
+          </a:ln>
+        </p:spPr>
+        <p:txBody>
+          <a:bodyPr wrap="none" rtlCol="0">
+            <a:spAutoFit/>
+          </a:bodyPr>
+          <a:lstStyle/>
+          <a:p>
+            <a:r>
+              <a:rPr lang="en-US" altLang="zh-TW" sz="1400" dirty="0">
+                <a:solidFill>
+                  <a:srgbClr val="FF0000"/>
+                </a:solidFill>
+              </a:rPr>
+              <a:t>op_mode</a:t>
+            </a:r>
+          </a:p>
+          <a:p>
+            <a:r>
+              <a:rPr lang="zh-TW" altLang="en-US" sz="1400" dirty="0">
+                <a:solidFill>
+                  <a:srgbClr val="FF0000"/>
+                </a:solidFill>
+              </a:rPr>
+              <a:t> 判斷</a:t>
+            </a:r>
+          </a:p>
+        </p:txBody>
+      </p:sp>
+      <p:sp>
+        <p:nvSpPr>
+          <p:cNvPr id="17" name="文字方塊 16">
+            <a:extLst>
+              <a:ext uri="{FF2B5EF4-FFF2-40B4-BE49-F238E27FC236}">
+                <a16:creationId xmlns:a16="http://schemas.microsoft.com/office/drawing/2014/main" id="{1D5BB2A8-090E-1098-74BA-7D663EFF9DA9}"/>
+              </a:ext>
+            </a:extLst>
+          </p:cNvPr>
+          <p:cNvSpPr txBox="1"/>
+          <p:nvPr/>
+        </p:nvSpPr>
+        <p:spPr>
+          <a:xfrm>
+            <a:off x="3363657" y="4361855"/>
+            <a:ext cx="917239" cy="523220"/>
+          </a:xfrm>
+          <a:prstGeom prst="rect">
+            <a:avLst/>
+          </a:prstGeom>
+          <a:noFill/>
+          <a:ln>
+            <a:solidFill>
+              <a:srgbClr val="FF0000"/>
+            </a:solidFill>
+            <a:prstDash val="dash"/>
+          </a:ln>
+        </p:spPr>
+        <p:txBody>
+          <a:bodyPr wrap="none" rtlCol="0">
+            <a:spAutoFit/>
+          </a:bodyPr>
+          <a:lstStyle/>
+          <a:p>
+            <a:r>
+              <a:rPr lang="en-US" altLang="zh-TW" sz="1400" dirty="0">
+                <a:solidFill>
+                  <a:srgbClr val="FF0000"/>
+                </a:solidFill>
+              </a:rPr>
+              <a:t>op_mode</a:t>
+            </a:r>
+          </a:p>
+          <a:p>
+            <a:r>
+              <a:rPr lang="zh-TW" altLang="en-US" sz="1400" dirty="0">
+                <a:solidFill>
+                  <a:srgbClr val="FF0000"/>
+                </a:solidFill>
+              </a:rPr>
+              <a:t> 判斷</a:t>
+            </a:r>
+          </a:p>
+        </p:txBody>
+      </p:sp>
     </p:spTree>
     <p:extLst>
       <p:ext uri="{BB962C8B-B14F-4D97-AF65-F5344CB8AC3E}">
@@ -6624,6 +7169,375 @@
           </mc:Fallback>
         </mc:AlternateContent>
       </p:grpSp>
+      <p:grpSp>
+        <p:nvGrpSpPr>
+          <p:cNvPr id="7" name="群組 6">
+            <a:extLst>
+              <a:ext uri="{FF2B5EF4-FFF2-40B4-BE49-F238E27FC236}">
+                <a16:creationId xmlns:a16="http://schemas.microsoft.com/office/drawing/2014/main" id="{5442FB73-4882-9ECF-BDB9-7C3F454A375E}"/>
+              </a:ext>
+            </a:extLst>
+          </p:cNvPr>
+          <p:cNvGrpSpPr/>
+          <p:nvPr/>
+        </p:nvGrpSpPr>
+        <p:grpSpPr>
+          <a:xfrm>
+            <a:off x="565826" y="556685"/>
+            <a:ext cx="11202840" cy="5844960"/>
+            <a:chOff x="565826" y="556685"/>
+            <a:chExt cx="11202840" cy="5844960"/>
+          </a:xfrm>
+        </p:grpSpPr>
+        <mc:AlternateContent xmlns:mc="http://schemas.openxmlformats.org/markup-compatibility/2006">
+          <mc:Choice xmlns:p14="http://schemas.microsoft.com/office/powerpoint/2010/main" Requires="p14">
+            <p:contentPart p14:bwMode="auto" r:id="rId7">
+              <p14:nvContentPartPr>
+                <p14:cNvPr id="5" name="筆跡 4">
+                  <a:extLst>
+                    <a:ext uri="{FF2B5EF4-FFF2-40B4-BE49-F238E27FC236}">
+                      <a16:creationId xmlns:a16="http://schemas.microsoft.com/office/drawing/2014/main" id="{B6EB722C-3AC8-E6E5-FE61-2B83826F5424}"/>
+                    </a:ext>
+                  </a:extLst>
+                </p14:cNvPr>
+                <p14:cNvContentPartPr/>
+                <p14:nvPr/>
+              </p14:nvContentPartPr>
+              <p14:xfrm>
+                <a:off x="565826" y="556685"/>
+                <a:ext cx="11202840" cy="5844960"/>
+              </p14:xfrm>
+            </p:contentPart>
+          </mc:Choice>
+          <mc:Fallback>
+            <p:pic>
+              <p:nvPicPr>
+                <p:cNvPr id="5" name="筆跡 4">
+                  <a:extLst>
+                    <a:ext uri="{FF2B5EF4-FFF2-40B4-BE49-F238E27FC236}">
+                      <a16:creationId xmlns:a16="http://schemas.microsoft.com/office/drawing/2014/main" id="{B6EB722C-3AC8-E6E5-FE61-2B83826F5424}"/>
+                    </a:ext>
+                  </a:extLst>
+                </p:cNvPr>
+                <p:cNvPicPr/>
+                <p:nvPr/>
+              </p:nvPicPr>
+              <p:blipFill>
+                <a:blip r:embed="rId8"/>
+                <a:stretch>
+                  <a:fillRect/>
+                </a:stretch>
+              </p:blipFill>
+              <p:spPr>
+                <a:xfrm>
+                  <a:off x="547826" y="538685"/>
+                  <a:ext cx="11238480" cy="5880600"/>
+                </a:xfrm>
+                <a:prstGeom prst="rect">
+                  <a:avLst/>
+                </a:prstGeom>
+              </p:spPr>
+            </p:pic>
+          </mc:Fallback>
+        </mc:AlternateContent>
+        <mc:AlternateContent xmlns:mc="http://schemas.openxmlformats.org/markup-compatibility/2006">
+          <mc:Choice xmlns:p14="http://schemas.microsoft.com/office/powerpoint/2010/main" Requires="p14">
+            <p:contentPart p14:bwMode="auto" r:id="rId9">
+              <p14:nvContentPartPr>
+                <p14:cNvPr id="6" name="筆跡 5">
+                  <a:extLst>
+                    <a:ext uri="{FF2B5EF4-FFF2-40B4-BE49-F238E27FC236}">
+                      <a16:creationId xmlns:a16="http://schemas.microsoft.com/office/drawing/2014/main" id="{158FCD84-50B8-6913-1742-3150E23E4D23}"/>
+                    </a:ext>
+                  </a:extLst>
+                </p14:cNvPr>
+                <p14:cNvContentPartPr/>
+                <p14:nvPr/>
+              </p14:nvContentPartPr>
+              <p14:xfrm>
+                <a:off x="834746" y="2584205"/>
+                <a:ext cx="139680" cy="119160"/>
+              </p14:xfrm>
+            </p:contentPart>
+          </mc:Choice>
+          <mc:Fallback>
+            <p:pic>
+              <p:nvPicPr>
+                <p:cNvPr id="6" name="筆跡 5">
+                  <a:extLst>
+                    <a:ext uri="{FF2B5EF4-FFF2-40B4-BE49-F238E27FC236}">
+                      <a16:creationId xmlns:a16="http://schemas.microsoft.com/office/drawing/2014/main" id="{158FCD84-50B8-6913-1742-3150E23E4D23}"/>
+                    </a:ext>
+                  </a:extLst>
+                </p:cNvPr>
+                <p:cNvPicPr/>
+                <p:nvPr/>
+              </p:nvPicPr>
+              <p:blipFill>
+                <a:blip r:embed="rId10"/>
+                <a:stretch>
+                  <a:fillRect/>
+                </a:stretch>
+              </p:blipFill>
+              <p:spPr>
+                <a:xfrm>
+                  <a:off x="817106" y="2566565"/>
+                  <a:ext cx="175320" cy="154800"/>
+                </a:xfrm>
+                <a:prstGeom prst="rect">
+                  <a:avLst/>
+                </a:prstGeom>
+              </p:spPr>
+            </p:pic>
+          </mc:Fallback>
+        </mc:AlternateContent>
+      </p:grpSp>
+      <p:grpSp>
+        <p:nvGrpSpPr>
+          <p:cNvPr id="13" name="群組 12">
+            <a:extLst>
+              <a:ext uri="{FF2B5EF4-FFF2-40B4-BE49-F238E27FC236}">
+                <a16:creationId xmlns:a16="http://schemas.microsoft.com/office/drawing/2014/main" id="{0AB0011A-4779-8D32-7E94-1FCBF88ABB8C}"/>
+              </a:ext>
+            </a:extLst>
+          </p:cNvPr>
+          <p:cNvGrpSpPr/>
+          <p:nvPr/>
+        </p:nvGrpSpPr>
+        <p:grpSpPr>
+          <a:xfrm>
+            <a:off x="3518186" y="2564045"/>
+            <a:ext cx="90720" cy="246600"/>
+            <a:chOff x="3518186" y="2564045"/>
+            <a:chExt cx="90720" cy="246600"/>
+          </a:xfrm>
+        </p:grpSpPr>
+        <mc:AlternateContent xmlns:mc="http://schemas.openxmlformats.org/markup-compatibility/2006">
+          <mc:Choice xmlns:p14="http://schemas.microsoft.com/office/powerpoint/2010/main" Requires="p14">
+            <p:contentPart p14:bwMode="auto" r:id="rId11">
+              <p14:nvContentPartPr>
+                <p14:cNvPr id="11" name="筆跡 10">
+                  <a:extLst>
+                    <a:ext uri="{FF2B5EF4-FFF2-40B4-BE49-F238E27FC236}">
+                      <a16:creationId xmlns:a16="http://schemas.microsoft.com/office/drawing/2014/main" id="{D3F54EDA-F166-0A36-2B1F-602DE4F3E454}"/>
+                    </a:ext>
+                  </a:extLst>
+                </p14:cNvPr>
+                <p14:cNvContentPartPr/>
+                <p14:nvPr/>
+              </p14:nvContentPartPr>
+              <p14:xfrm>
+                <a:off x="3518186" y="2564045"/>
+                <a:ext cx="30960" cy="243720"/>
+              </p14:xfrm>
+            </p:contentPart>
+          </mc:Choice>
+          <mc:Fallback>
+            <p:pic>
+              <p:nvPicPr>
+                <p:cNvPr id="11" name="筆跡 10">
+                  <a:extLst>
+                    <a:ext uri="{FF2B5EF4-FFF2-40B4-BE49-F238E27FC236}">
+                      <a16:creationId xmlns:a16="http://schemas.microsoft.com/office/drawing/2014/main" id="{D3F54EDA-F166-0A36-2B1F-602DE4F3E454}"/>
+                    </a:ext>
+                  </a:extLst>
+                </p:cNvPr>
+                <p:cNvPicPr/>
+                <p:nvPr/>
+              </p:nvPicPr>
+              <p:blipFill>
+                <a:blip r:embed="rId12"/>
+                <a:stretch>
+                  <a:fillRect/>
+                </a:stretch>
+              </p:blipFill>
+              <p:spPr>
+                <a:xfrm>
+                  <a:off x="3500186" y="2546405"/>
+                  <a:ext cx="66600" cy="279360"/>
+                </a:xfrm>
+                <a:prstGeom prst="rect">
+                  <a:avLst/>
+                </a:prstGeom>
+              </p:spPr>
+            </p:pic>
+          </mc:Fallback>
+        </mc:AlternateContent>
+        <mc:AlternateContent xmlns:mc="http://schemas.openxmlformats.org/markup-compatibility/2006">
+          <mc:Choice xmlns:p14="http://schemas.microsoft.com/office/powerpoint/2010/main" Requires="p14">
+            <p:contentPart p14:bwMode="auto" r:id="rId13">
+              <p14:nvContentPartPr>
+                <p14:cNvPr id="12" name="筆跡 11">
+                  <a:extLst>
+                    <a:ext uri="{FF2B5EF4-FFF2-40B4-BE49-F238E27FC236}">
+                      <a16:creationId xmlns:a16="http://schemas.microsoft.com/office/drawing/2014/main" id="{5F1C267B-4AC2-7D39-492F-F39E075F6B0F}"/>
+                    </a:ext>
+                  </a:extLst>
+                </p14:cNvPr>
+                <p14:cNvContentPartPr/>
+                <p14:nvPr/>
+              </p14:nvContentPartPr>
+              <p14:xfrm>
+                <a:off x="3577946" y="2802725"/>
+                <a:ext cx="30960" cy="7920"/>
+              </p14:xfrm>
+            </p:contentPart>
+          </mc:Choice>
+          <mc:Fallback>
+            <p:pic>
+              <p:nvPicPr>
+                <p:cNvPr id="12" name="筆跡 11">
+                  <a:extLst>
+                    <a:ext uri="{FF2B5EF4-FFF2-40B4-BE49-F238E27FC236}">
+                      <a16:creationId xmlns:a16="http://schemas.microsoft.com/office/drawing/2014/main" id="{5F1C267B-4AC2-7D39-492F-F39E075F6B0F}"/>
+                    </a:ext>
+                  </a:extLst>
+                </p:cNvPr>
+                <p:cNvPicPr/>
+                <p:nvPr/>
+              </p:nvPicPr>
+              <p:blipFill>
+                <a:blip r:embed="rId14"/>
+                <a:stretch>
+                  <a:fillRect/>
+                </a:stretch>
+              </p:blipFill>
+              <p:spPr>
+                <a:xfrm>
+                  <a:off x="3559946" y="2784725"/>
+                  <a:ext cx="66600" cy="43560"/>
+                </a:xfrm>
+                <a:prstGeom prst="rect">
+                  <a:avLst/>
+                </a:prstGeom>
+              </p:spPr>
+            </p:pic>
+          </mc:Fallback>
+        </mc:AlternateContent>
+      </p:grpSp>
+      <p:grpSp>
+        <p:nvGrpSpPr>
+          <p:cNvPr id="16" name="群組 15">
+            <a:extLst>
+              <a:ext uri="{FF2B5EF4-FFF2-40B4-BE49-F238E27FC236}">
+                <a16:creationId xmlns:a16="http://schemas.microsoft.com/office/drawing/2014/main" id="{E221A602-BCE3-97FB-DD6E-476E3067B318}"/>
+              </a:ext>
+            </a:extLst>
+          </p:cNvPr>
+          <p:cNvGrpSpPr/>
+          <p:nvPr/>
+        </p:nvGrpSpPr>
+        <p:grpSpPr>
+          <a:xfrm>
+            <a:off x="305546" y="3097925"/>
+            <a:ext cx="284760" cy="288360"/>
+            <a:chOff x="305546" y="3097925"/>
+            <a:chExt cx="284760" cy="288360"/>
+          </a:xfrm>
+        </p:grpSpPr>
+        <mc:AlternateContent xmlns:mc="http://schemas.openxmlformats.org/markup-compatibility/2006">
+          <mc:Choice xmlns:p14="http://schemas.microsoft.com/office/powerpoint/2010/main" Requires="p14">
+            <p:contentPart p14:bwMode="auto" r:id="rId15">
+              <p14:nvContentPartPr>
+                <p14:cNvPr id="14" name="筆跡 13">
+                  <a:extLst>
+                    <a:ext uri="{FF2B5EF4-FFF2-40B4-BE49-F238E27FC236}">
+                      <a16:creationId xmlns:a16="http://schemas.microsoft.com/office/drawing/2014/main" id="{7D3B2A9E-5626-2A78-5B81-9C05EC993AAE}"/>
+                    </a:ext>
+                  </a:extLst>
+                </p14:cNvPr>
+                <p14:cNvContentPartPr/>
+                <p14:nvPr/>
+              </p14:nvContentPartPr>
+              <p14:xfrm>
+                <a:off x="305546" y="3097925"/>
+                <a:ext cx="221400" cy="288360"/>
+              </p14:xfrm>
+            </p:contentPart>
+          </mc:Choice>
+          <mc:Fallback>
+            <p:pic>
+              <p:nvPicPr>
+                <p:cNvPr id="14" name="筆跡 13">
+                  <a:extLst>
+                    <a:ext uri="{FF2B5EF4-FFF2-40B4-BE49-F238E27FC236}">
+                      <a16:creationId xmlns:a16="http://schemas.microsoft.com/office/drawing/2014/main" id="{7D3B2A9E-5626-2A78-5B81-9C05EC993AAE}"/>
+                    </a:ext>
+                  </a:extLst>
+                </p:cNvPr>
+                <p:cNvPicPr/>
+                <p:nvPr/>
+              </p:nvPicPr>
+              <p:blipFill>
+                <a:blip r:embed="rId16"/>
+                <a:stretch>
+                  <a:fillRect/>
+                </a:stretch>
+              </p:blipFill>
+              <p:spPr>
+                <a:xfrm>
+                  <a:off x="287546" y="3080285"/>
+                  <a:ext cx="257040" cy="324000"/>
+                </a:xfrm>
+                <a:prstGeom prst="rect">
+                  <a:avLst/>
+                </a:prstGeom>
+              </p:spPr>
+            </p:pic>
+          </mc:Fallback>
+        </mc:AlternateContent>
+        <mc:AlternateContent xmlns:mc="http://schemas.openxmlformats.org/markup-compatibility/2006">
+          <mc:Choice xmlns:p14="http://schemas.microsoft.com/office/powerpoint/2010/main" Requires="p14">
+            <p:contentPart p14:bwMode="auto" r:id="rId17">
+              <p14:nvContentPartPr>
+                <p14:cNvPr id="15" name="筆跡 14">
+                  <a:extLst>
+                    <a:ext uri="{FF2B5EF4-FFF2-40B4-BE49-F238E27FC236}">
+                      <a16:creationId xmlns:a16="http://schemas.microsoft.com/office/drawing/2014/main" id="{1C616FD4-BD67-6183-BD0D-7455CFAE73F3}"/>
+                    </a:ext>
+                  </a:extLst>
+                </p14:cNvPr>
+                <p14:cNvContentPartPr/>
+                <p14:nvPr/>
+              </p14:nvContentPartPr>
+              <p14:xfrm>
+                <a:off x="585986" y="3269645"/>
+                <a:ext cx="4320" cy="2160"/>
+              </p14:xfrm>
+            </p:contentPart>
+          </mc:Choice>
+          <mc:Fallback>
+            <p:pic>
+              <p:nvPicPr>
+                <p:cNvPr id="15" name="筆跡 14">
+                  <a:extLst>
+                    <a:ext uri="{FF2B5EF4-FFF2-40B4-BE49-F238E27FC236}">
+                      <a16:creationId xmlns:a16="http://schemas.microsoft.com/office/drawing/2014/main" id="{1C616FD4-BD67-6183-BD0D-7455CFAE73F3}"/>
+                    </a:ext>
+                  </a:extLst>
+                </p:cNvPr>
+                <p:cNvPicPr/>
+                <p:nvPr/>
+              </p:nvPicPr>
+              <p:blipFill>
+                <a:blip r:embed="rId18"/>
+                <a:stretch>
+                  <a:fillRect/>
+                </a:stretch>
+              </p:blipFill>
+              <p:spPr>
+                <a:xfrm>
+                  <a:off x="568346" y="3251645"/>
+                  <a:ext cx="39960" cy="37800"/>
+                </a:xfrm>
+                <a:prstGeom prst="rect">
+                  <a:avLst/>
+                </a:prstGeom>
+              </p:spPr>
+            </p:pic>
+          </mc:Fallback>
+        </mc:AlternateContent>
+      </p:grpSp>
     </p:spTree>
     <p:extLst>
       <p:ext uri="{BB962C8B-B14F-4D97-AF65-F5344CB8AC3E}">
@@ -6747,10 +7661,10 @@
       </p:sp>
       <p:pic>
         <p:nvPicPr>
-          <p:cNvPr id="3" name="圖片 2">
-            <a:extLst>
-              <a:ext uri="{FF2B5EF4-FFF2-40B4-BE49-F238E27FC236}">
-                <a16:creationId xmlns:a16="http://schemas.microsoft.com/office/drawing/2014/main" id="{EEC42392-F3F1-2C15-448E-E17296A907AB}"/>
+          <p:cNvPr id="5" name="圖片 4">
+            <a:extLst>
+              <a:ext uri="{FF2B5EF4-FFF2-40B4-BE49-F238E27FC236}">
+                <a16:creationId xmlns:a16="http://schemas.microsoft.com/office/drawing/2014/main" id="{921DF2A3-44A8-1AA0-E590-3715522DAAD1}"/>
               </a:ext>
             </a:extLst>
           </p:cNvPr>
@@ -6767,7 +7681,7 @@
         </p:blipFill>
         <p:spPr>
           <a:xfrm>
-            <a:off x="0" y="1374996"/>
+            <a:off x="0" y="1402704"/>
             <a:ext cx="12192000" cy="5127215"/>
           </a:xfrm>
           <a:prstGeom prst="rect">
@@ -6775,6 +7689,252 @@
           </a:prstGeom>
         </p:spPr>
       </p:pic>
+      <p:grpSp>
+        <p:nvGrpSpPr>
+          <p:cNvPr id="6" name="群組 5">
+            <a:extLst>
+              <a:ext uri="{FF2B5EF4-FFF2-40B4-BE49-F238E27FC236}">
+                <a16:creationId xmlns:a16="http://schemas.microsoft.com/office/drawing/2014/main" id="{343E4F34-3473-EFCA-8262-BBCA27683F4D}"/>
+              </a:ext>
+            </a:extLst>
+          </p:cNvPr>
+          <p:cNvGrpSpPr/>
+          <p:nvPr/>
+        </p:nvGrpSpPr>
+        <p:grpSpPr>
+          <a:xfrm>
+            <a:off x="777710" y="1751165"/>
+            <a:ext cx="3904920" cy="3727080"/>
+            <a:chOff x="777710" y="1751165"/>
+            <a:chExt cx="3904920" cy="3727080"/>
+          </a:xfrm>
+        </p:grpSpPr>
+        <mc:AlternateContent xmlns:mc="http://schemas.openxmlformats.org/markup-compatibility/2006" xmlns:p14="http://schemas.microsoft.com/office/powerpoint/2010/main">
+          <mc:Choice Requires="p14">
+            <p:contentPart p14:bwMode="auto" r:id="rId3">
+              <p14:nvContentPartPr>
+                <p14:cNvPr id="7" name="筆跡 6">
+                  <a:extLst>
+                    <a:ext uri="{FF2B5EF4-FFF2-40B4-BE49-F238E27FC236}">
+                      <a16:creationId xmlns:a16="http://schemas.microsoft.com/office/drawing/2014/main" id="{549C03BC-07AB-7FEF-EB31-E494716CCF82}"/>
+                    </a:ext>
+                  </a:extLst>
+                </p14:cNvPr>
+                <p14:cNvContentPartPr/>
+                <p14:nvPr/>
+              </p14:nvContentPartPr>
+              <p14:xfrm>
+                <a:off x="777710" y="1751165"/>
+                <a:ext cx="3904920" cy="3727080"/>
+              </p14:xfrm>
+            </p:contentPart>
+          </mc:Choice>
+          <mc:Fallback xmlns="">
+            <p:pic>
+              <p:nvPicPr>
+                <p:cNvPr id="8" name="筆跡 7">
+                  <a:extLst>
+                    <a:ext uri="{FF2B5EF4-FFF2-40B4-BE49-F238E27FC236}">
+                      <a16:creationId xmlns:a16="http://schemas.microsoft.com/office/drawing/2014/main" id="{E7033879-B3C7-6386-BA79-54980546ABA5}"/>
+                    </a:ext>
+                  </a:extLst>
+                </p:cNvPr>
+                <p:cNvPicPr/>
+                <p:nvPr/>
+              </p:nvPicPr>
+              <p:blipFill>
+                <a:blip r:embed="rId4"/>
+                <a:stretch>
+                  <a:fillRect/>
+                </a:stretch>
+              </p:blipFill>
+              <p:spPr>
+                <a:xfrm>
+                  <a:off x="759710" y="1733165"/>
+                  <a:ext cx="3940560" cy="3762720"/>
+                </a:xfrm>
+                <a:prstGeom prst="rect">
+                  <a:avLst/>
+                </a:prstGeom>
+              </p:spPr>
+            </p:pic>
+          </mc:Fallback>
+        </mc:AlternateContent>
+        <mc:AlternateContent xmlns:mc="http://schemas.openxmlformats.org/markup-compatibility/2006" xmlns:p14="http://schemas.microsoft.com/office/powerpoint/2010/main">
+          <mc:Choice Requires="p14">
+            <p:contentPart p14:bwMode="auto" r:id="rId5">
+              <p14:nvContentPartPr>
+                <p14:cNvPr id="8" name="筆跡 7">
+                  <a:extLst>
+                    <a:ext uri="{FF2B5EF4-FFF2-40B4-BE49-F238E27FC236}">
+                      <a16:creationId xmlns:a16="http://schemas.microsoft.com/office/drawing/2014/main" id="{3F3FEC55-5F7B-1835-FC55-3A56332994C3}"/>
+                    </a:ext>
+                  </a:extLst>
+                </p14:cNvPr>
+                <p14:cNvContentPartPr/>
+                <p14:nvPr/>
+              </p14:nvContentPartPr>
+              <p14:xfrm>
+                <a:off x="946910" y="2622005"/>
+                <a:ext cx="258480" cy="94320"/>
+              </p14:xfrm>
+            </p:contentPart>
+          </mc:Choice>
+          <mc:Fallback xmlns="">
+            <p:pic>
+              <p:nvPicPr>
+                <p:cNvPr id="9" name="筆跡 8">
+                  <a:extLst>
+                    <a:ext uri="{FF2B5EF4-FFF2-40B4-BE49-F238E27FC236}">
+                      <a16:creationId xmlns:a16="http://schemas.microsoft.com/office/drawing/2014/main" id="{9D22D18D-8A3A-4987-8CF4-BB562CE8A2EC}"/>
+                    </a:ext>
+                  </a:extLst>
+                </p:cNvPr>
+                <p:cNvPicPr/>
+                <p:nvPr/>
+              </p:nvPicPr>
+              <p:blipFill>
+                <a:blip r:embed="rId6"/>
+                <a:stretch>
+                  <a:fillRect/>
+                </a:stretch>
+              </p:blipFill>
+              <p:spPr>
+                <a:xfrm>
+                  <a:off x="929270" y="2604365"/>
+                  <a:ext cx="294120" cy="129960"/>
+                </a:xfrm>
+                <a:prstGeom prst="rect">
+                  <a:avLst/>
+                </a:prstGeom>
+              </p:spPr>
+            </p:pic>
+          </mc:Fallback>
+        </mc:AlternateContent>
+      </p:grpSp>
+      <p:grpSp>
+        <p:nvGrpSpPr>
+          <p:cNvPr id="11" name="群組 10">
+            <a:extLst>
+              <a:ext uri="{FF2B5EF4-FFF2-40B4-BE49-F238E27FC236}">
+                <a16:creationId xmlns:a16="http://schemas.microsoft.com/office/drawing/2014/main" id="{DAECD159-6964-46C1-6A16-43E227175A85}"/>
+              </a:ext>
+            </a:extLst>
+          </p:cNvPr>
+          <p:cNvGrpSpPr/>
+          <p:nvPr/>
+        </p:nvGrpSpPr>
+        <p:grpSpPr>
+          <a:xfrm>
+            <a:off x="605426" y="1290005"/>
+            <a:ext cx="11532960" cy="5509440"/>
+            <a:chOff x="605426" y="1290005"/>
+            <a:chExt cx="11532960" cy="5509440"/>
+          </a:xfrm>
+        </p:grpSpPr>
+        <mc:AlternateContent xmlns:mc="http://schemas.openxmlformats.org/markup-compatibility/2006">
+          <mc:Choice xmlns:p14="http://schemas.microsoft.com/office/powerpoint/2010/main" Requires="p14">
+            <p:contentPart p14:bwMode="auto" r:id="rId7">
+              <p14:nvContentPartPr>
+                <p14:cNvPr id="9" name="筆跡 8">
+                  <a:extLst>
+                    <a:ext uri="{FF2B5EF4-FFF2-40B4-BE49-F238E27FC236}">
+                      <a16:creationId xmlns:a16="http://schemas.microsoft.com/office/drawing/2014/main" id="{2D7A8DF4-6CC6-FE07-23C6-AA39ED06E85F}"/>
+                    </a:ext>
+                  </a:extLst>
+                </p14:cNvPr>
+                <p14:cNvContentPartPr/>
+                <p14:nvPr/>
+              </p14:nvContentPartPr>
+              <p14:xfrm>
+                <a:off x="605426" y="1290005"/>
+                <a:ext cx="11532960" cy="5509440"/>
+              </p14:xfrm>
+            </p:contentPart>
+          </mc:Choice>
+          <mc:Fallback>
+            <p:pic>
+              <p:nvPicPr>
+                <p:cNvPr id="9" name="筆跡 8">
+                  <a:extLst>
+                    <a:ext uri="{FF2B5EF4-FFF2-40B4-BE49-F238E27FC236}">
+                      <a16:creationId xmlns:a16="http://schemas.microsoft.com/office/drawing/2014/main" id="{2D7A8DF4-6CC6-FE07-23C6-AA39ED06E85F}"/>
+                    </a:ext>
+                  </a:extLst>
+                </p:cNvPr>
+                <p:cNvPicPr/>
+                <p:nvPr/>
+              </p:nvPicPr>
+              <p:blipFill>
+                <a:blip r:embed="rId8"/>
+                <a:stretch>
+                  <a:fillRect/>
+                </a:stretch>
+              </p:blipFill>
+              <p:spPr>
+                <a:xfrm>
+                  <a:off x="587786" y="1272005"/>
+                  <a:ext cx="11568600" cy="5545080"/>
+                </a:xfrm>
+                <a:prstGeom prst="rect">
+                  <a:avLst/>
+                </a:prstGeom>
+              </p:spPr>
+            </p:pic>
+          </mc:Fallback>
+        </mc:AlternateContent>
+        <mc:AlternateContent xmlns:mc="http://schemas.openxmlformats.org/markup-compatibility/2006">
+          <mc:Choice xmlns:p14="http://schemas.microsoft.com/office/powerpoint/2010/main" Requires="p14">
+            <p:contentPart p14:bwMode="auto" r:id="rId9">
+              <p14:nvContentPartPr>
+                <p14:cNvPr id="10" name="筆跡 9">
+                  <a:extLst>
+                    <a:ext uri="{FF2B5EF4-FFF2-40B4-BE49-F238E27FC236}">
+                      <a16:creationId xmlns:a16="http://schemas.microsoft.com/office/drawing/2014/main" id="{37FE21F6-6DBB-F0AF-A80B-F226F22425B4}"/>
+                    </a:ext>
+                  </a:extLst>
+                </p14:cNvPr>
+                <p14:cNvContentPartPr/>
+                <p14:nvPr/>
+              </p14:nvContentPartPr>
+              <p14:xfrm>
+                <a:off x="645746" y="2563685"/>
+                <a:ext cx="248040" cy="90360"/>
+              </p14:xfrm>
+            </p:contentPart>
+          </mc:Choice>
+          <mc:Fallback>
+            <p:pic>
+              <p:nvPicPr>
+                <p:cNvPr id="10" name="筆跡 9">
+                  <a:extLst>
+                    <a:ext uri="{FF2B5EF4-FFF2-40B4-BE49-F238E27FC236}">
+                      <a16:creationId xmlns:a16="http://schemas.microsoft.com/office/drawing/2014/main" id="{37FE21F6-6DBB-F0AF-A80B-F226F22425B4}"/>
+                    </a:ext>
+                  </a:extLst>
+                </p:cNvPr>
+                <p:cNvPicPr/>
+                <p:nvPr/>
+              </p:nvPicPr>
+              <p:blipFill>
+                <a:blip r:embed="rId10"/>
+                <a:stretch>
+                  <a:fillRect/>
+                </a:stretch>
+              </p:blipFill>
+              <p:spPr>
+                <a:xfrm>
+                  <a:off x="628106" y="2546045"/>
+                  <a:ext cx="283680" cy="126000"/>
+                </a:xfrm>
+                <a:prstGeom prst="rect">
+                  <a:avLst/>
+                </a:prstGeom>
+              </p:spPr>
+            </p:pic>
+          </mc:Fallback>
+        </mc:AlternateContent>
+      </p:grpSp>
     </p:spTree>
     <p:extLst>
       <p:ext uri="{BB962C8B-B14F-4D97-AF65-F5344CB8AC3E}">
@@ -6811,6 +7971,36 @@
           <a:chExt cx="0" cy="0"/>
         </a:xfrm>
       </p:grpSpPr>
+      <p:pic>
+        <p:nvPicPr>
+          <p:cNvPr id="10" name="圖片 9">
+            <a:extLst>
+              <a:ext uri="{FF2B5EF4-FFF2-40B4-BE49-F238E27FC236}">
+                <a16:creationId xmlns:a16="http://schemas.microsoft.com/office/drawing/2014/main" id="{AC6AD4BD-06C2-F1D2-768C-81FD0CC35035}"/>
+              </a:ext>
+            </a:extLst>
+          </p:cNvPr>
+          <p:cNvPicPr>
+            <a:picLocks noChangeAspect="1"/>
+          </p:cNvPicPr>
+          <p:nvPr/>
+        </p:nvPicPr>
+        <p:blipFill>
+          <a:blip r:embed="rId2"/>
+          <a:stretch>
+            <a:fillRect/>
+          </a:stretch>
+        </p:blipFill>
+        <p:spPr>
+          <a:xfrm>
+            <a:off x="0" y="1405200"/>
+            <a:ext cx="12192000" cy="5187216"/>
+          </a:xfrm>
+          <a:prstGeom prst="rect">
+            <a:avLst/>
+          </a:prstGeom>
+        </p:spPr>
+      </p:pic>
       <p:sp>
         <p:nvSpPr>
           <p:cNvPr id="2" name="文字方塊 1">
@@ -6896,36 +8086,303 @@
           </a:p>
         </p:txBody>
       </p:sp>
-      <p:pic>
-        <p:nvPicPr>
-          <p:cNvPr id="3" name="圖片 2">
-            <a:extLst>
-              <a:ext uri="{FF2B5EF4-FFF2-40B4-BE49-F238E27FC236}">
-                <a16:creationId xmlns:a16="http://schemas.microsoft.com/office/drawing/2014/main" id="{60316089-23DA-51A2-8753-30AAC852F6F0}"/>
-              </a:ext>
-            </a:extLst>
-          </p:cNvPr>
-          <p:cNvPicPr>
-            <a:picLocks noChangeAspect="1"/>
-          </p:cNvPicPr>
+      <p:grpSp>
+        <p:nvGrpSpPr>
+          <p:cNvPr id="6" name="群組 5">
+            <a:extLst>
+              <a:ext uri="{FF2B5EF4-FFF2-40B4-BE49-F238E27FC236}">
+                <a16:creationId xmlns:a16="http://schemas.microsoft.com/office/drawing/2014/main" id="{85A8D1B1-E3D5-94F5-43E7-DF1A45D540D0}"/>
+              </a:ext>
+            </a:extLst>
+          </p:cNvPr>
+          <p:cNvGrpSpPr/>
           <p:nvPr/>
-        </p:nvPicPr>
-        <p:blipFill>
-          <a:blip r:embed="rId2"/>
-          <a:stretch>
-            <a:fillRect/>
-          </a:stretch>
-        </p:blipFill>
-        <p:spPr>
+        </p:nvGrpSpPr>
+        <p:grpSpPr>
           <a:xfrm>
-            <a:off x="0" y="1374996"/>
-            <a:ext cx="12192000" cy="5127215"/>
+            <a:off x="777710" y="1751165"/>
+            <a:ext cx="3904920" cy="3727080"/>
+            <a:chOff x="777710" y="1751165"/>
+            <a:chExt cx="3904920" cy="3727080"/>
           </a:xfrm>
-          <a:prstGeom prst="rect">
-            <a:avLst/>
-          </a:prstGeom>
-        </p:spPr>
-      </p:pic>
+        </p:grpSpPr>
+        <mc:AlternateContent xmlns:mc="http://schemas.openxmlformats.org/markup-compatibility/2006" xmlns:p14="http://schemas.microsoft.com/office/powerpoint/2010/main">
+          <mc:Choice Requires="p14">
+            <p:contentPart p14:bwMode="auto" r:id="rId3">
+              <p14:nvContentPartPr>
+                <p14:cNvPr id="7" name="筆跡 6">
+                  <a:extLst>
+                    <a:ext uri="{FF2B5EF4-FFF2-40B4-BE49-F238E27FC236}">
+                      <a16:creationId xmlns:a16="http://schemas.microsoft.com/office/drawing/2014/main" id="{3E9FD89D-32E1-95F6-64C7-EAFF1907E5E9}"/>
+                    </a:ext>
+                  </a:extLst>
+                </p14:cNvPr>
+                <p14:cNvContentPartPr/>
+                <p14:nvPr/>
+              </p14:nvContentPartPr>
+              <p14:xfrm>
+                <a:off x="777710" y="1751165"/>
+                <a:ext cx="3904920" cy="3727080"/>
+              </p14:xfrm>
+            </p:contentPart>
+          </mc:Choice>
+          <mc:Fallback xmlns="">
+            <p:pic>
+              <p:nvPicPr>
+                <p:cNvPr id="8" name="筆跡 7">
+                  <a:extLst>
+                    <a:ext uri="{FF2B5EF4-FFF2-40B4-BE49-F238E27FC236}">
+                      <a16:creationId xmlns:a16="http://schemas.microsoft.com/office/drawing/2014/main" id="{E7033879-B3C7-6386-BA79-54980546ABA5}"/>
+                    </a:ext>
+                  </a:extLst>
+                </p:cNvPr>
+                <p:cNvPicPr/>
+                <p:nvPr/>
+              </p:nvPicPr>
+              <p:blipFill>
+                <a:blip r:embed="rId4"/>
+                <a:stretch>
+                  <a:fillRect/>
+                </a:stretch>
+              </p:blipFill>
+              <p:spPr>
+                <a:xfrm>
+                  <a:off x="759710" y="1733165"/>
+                  <a:ext cx="3940560" cy="3762720"/>
+                </a:xfrm>
+                <a:prstGeom prst="rect">
+                  <a:avLst/>
+                </a:prstGeom>
+              </p:spPr>
+            </p:pic>
+          </mc:Fallback>
+        </mc:AlternateContent>
+        <mc:AlternateContent xmlns:mc="http://schemas.openxmlformats.org/markup-compatibility/2006" xmlns:p14="http://schemas.microsoft.com/office/powerpoint/2010/main">
+          <mc:Choice Requires="p14">
+            <p:contentPart p14:bwMode="auto" r:id="rId5">
+              <p14:nvContentPartPr>
+                <p14:cNvPr id="8" name="筆跡 7">
+                  <a:extLst>
+                    <a:ext uri="{FF2B5EF4-FFF2-40B4-BE49-F238E27FC236}">
+                      <a16:creationId xmlns:a16="http://schemas.microsoft.com/office/drawing/2014/main" id="{972FFF12-E457-D004-4CD0-8DE8B583C5F9}"/>
+                    </a:ext>
+                  </a:extLst>
+                </p14:cNvPr>
+                <p14:cNvContentPartPr/>
+                <p14:nvPr/>
+              </p14:nvContentPartPr>
+              <p14:xfrm>
+                <a:off x="946910" y="2622005"/>
+                <a:ext cx="258480" cy="94320"/>
+              </p14:xfrm>
+            </p:contentPart>
+          </mc:Choice>
+          <mc:Fallback xmlns="">
+            <p:pic>
+              <p:nvPicPr>
+                <p:cNvPr id="9" name="筆跡 8">
+                  <a:extLst>
+                    <a:ext uri="{FF2B5EF4-FFF2-40B4-BE49-F238E27FC236}">
+                      <a16:creationId xmlns:a16="http://schemas.microsoft.com/office/drawing/2014/main" id="{9D22D18D-8A3A-4987-8CF4-BB562CE8A2EC}"/>
+                    </a:ext>
+                  </a:extLst>
+                </p:cNvPr>
+                <p:cNvPicPr/>
+                <p:nvPr/>
+              </p:nvPicPr>
+              <p:blipFill>
+                <a:blip r:embed="rId6"/>
+                <a:stretch>
+                  <a:fillRect/>
+                </a:stretch>
+              </p:blipFill>
+              <p:spPr>
+                <a:xfrm>
+                  <a:off x="929270" y="2604365"/>
+                  <a:ext cx="294120" cy="129960"/>
+                </a:xfrm>
+                <a:prstGeom prst="rect">
+                  <a:avLst/>
+                </a:prstGeom>
+              </p:spPr>
+            </p:pic>
+          </mc:Fallback>
+        </mc:AlternateContent>
+      </p:grpSp>
+      <p:grpSp>
+        <p:nvGrpSpPr>
+          <p:cNvPr id="18" name="群組 17">
+            <a:extLst>
+              <a:ext uri="{FF2B5EF4-FFF2-40B4-BE49-F238E27FC236}">
+                <a16:creationId xmlns:a16="http://schemas.microsoft.com/office/drawing/2014/main" id="{749B58CC-BEB4-E0E4-F2D6-7D2DFD0B3882}"/>
+              </a:ext>
+            </a:extLst>
+          </p:cNvPr>
+          <p:cNvGrpSpPr/>
+          <p:nvPr/>
+        </p:nvGrpSpPr>
+        <p:grpSpPr>
+          <a:xfrm>
+            <a:off x="615146" y="1440845"/>
+            <a:ext cx="9891720" cy="5311440"/>
+            <a:chOff x="615146" y="1440845"/>
+            <a:chExt cx="9891720" cy="5311440"/>
+          </a:xfrm>
+        </p:grpSpPr>
+        <mc:AlternateContent xmlns:mc="http://schemas.openxmlformats.org/markup-compatibility/2006">
+          <mc:Choice xmlns:p14="http://schemas.microsoft.com/office/powerpoint/2010/main" Requires="p14">
+            <p:contentPart p14:bwMode="auto" r:id="rId7">
+              <p14:nvContentPartPr>
+                <p14:cNvPr id="14" name="筆跡 13">
+                  <a:extLst>
+                    <a:ext uri="{FF2B5EF4-FFF2-40B4-BE49-F238E27FC236}">
+                      <a16:creationId xmlns:a16="http://schemas.microsoft.com/office/drawing/2014/main" id="{3598BADF-D5DC-C294-840F-A023BA10A443}"/>
+                    </a:ext>
+                  </a:extLst>
+                </p14:cNvPr>
+                <p14:cNvContentPartPr/>
+                <p14:nvPr/>
+              </p14:nvContentPartPr>
+              <p14:xfrm>
+                <a:off x="695066" y="2862485"/>
+                <a:ext cx="7226640" cy="3889800"/>
+              </p14:xfrm>
+            </p:contentPart>
+          </mc:Choice>
+          <mc:Fallback>
+            <p:pic>
+              <p:nvPicPr>
+                <p:cNvPr id="14" name="筆跡 13">
+                  <a:extLst>
+                    <a:ext uri="{FF2B5EF4-FFF2-40B4-BE49-F238E27FC236}">
+                      <a16:creationId xmlns:a16="http://schemas.microsoft.com/office/drawing/2014/main" id="{3598BADF-D5DC-C294-840F-A023BA10A443}"/>
+                    </a:ext>
+                  </a:extLst>
+                </p:cNvPr>
+                <p:cNvPicPr/>
+                <p:nvPr/>
+              </p:nvPicPr>
+              <p:blipFill>
+                <a:blip r:embed="rId8"/>
+                <a:stretch>
+                  <a:fillRect/>
+                </a:stretch>
+              </p:blipFill>
+              <p:spPr>
+                <a:xfrm>
+                  <a:off x="677066" y="2844485"/>
+                  <a:ext cx="7262280" cy="3925440"/>
+                </a:xfrm>
+                <a:prstGeom prst="rect">
+                  <a:avLst/>
+                </a:prstGeom>
+              </p:spPr>
+            </p:pic>
+          </mc:Fallback>
+        </mc:AlternateContent>
+        <mc:AlternateContent xmlns:mc="http://schemas.openxmlformats.org/markup-compatibility/2006">
+          <mc:Choice xmlns:p14="http://schemas.microsoft.com/office/powerpoint/2010/main" Requires="p14">
+            <p:contentPart p14:bwMode="auto" r:id="rId9">
+              <p14:nvContentPartPr>
+                <p14:cNvPr id="15" name="筆跡 14">
+                  <a:extLst>
+                    <a:ext uri="{FF2B5EF4-FFF2-40B4-BE49-F238E27FC236}">
+                      <a16:creationId xmlns:a16="http://schemas.microsoft.com/office/drawing/2014/main" id="{FFC54EB6-809E-7182-1556-87FFD6941BB1}"/>
+                    </a:ext>
+                  </a:extLst>
+                </p14:cNvPr>
+                <p14:cNvContentPartPr/>
+                <p14:nvPr/>
+              </p14:nvContentPartPr>
+              <p14:xfrm>
+                <a:off x="615146" y="1440845"/>
+                <a:ext cx="9891720" cy="4980240"/>
+              </p14:xfrm>
+            </p:contentPart>
+          </mc:Choice>
+          <mc:Fallback>
+            <p:pic>
+              <p:nvPicPr>
+                <p:cNvPr id="15" name="筆跡 14">
+                  <a:extLst>
+                    <a:ext uri="{FF2B5EF4-FFF2-40B4-BE49-F238E27FC236}">
+                      <a16:creationId xmlns:a16="http://schemas.microsoft.com/office/drawing/2014/main" id="{FFC54EB6-809E-7182-1556-87FFD6941BB1}"/>
+                    </a:ext>
+                  </a:extLst>
+                </p:cNvPr>
+                <p:cNvPicPr/>
+                <p:nvPr/>
+              </p:nvPicPr>
+              <p:blipFill>
+                <a:blip r:embed="rId10"/>
+                <a:stretch>
+                  <a:fillRect/>
+                </a:stretch>
+              </p:blipFill>
+              <p:spPr>
+                <a:xfrm>
+                  <a:off x="597146" y="1422845"/>
+                  <a:ext cx="9927360" cy="5015880"/>
+                </a:xfrm>
+                <a:prstGeom prst="rect">
+                  <a:avLst/>
+                </a:prstGeom>
+              </p:spPr>
+            </p:pic>
+          </mc:Fallback>
+        </mc:AlternateContent>
+        <mc:AlternateContent xmlns:mc="http://schemas.openxmlformats.org/markup-compatibility/2006">
+          <mc:Choice xmlns:p14="http://schemas.microsoft.com/office/powerpoint/2010/main" Requires="p14">
+            <p:contentPart p14:bwMode="auto" r:id="rId11">
+              <p14:nvContentPartPr>
+                <p14:cNvPr id="16" name="筆跡 15">
+                  <a:extLst>
+                    <a:ext uri="{FF2B5EF4-FFF2-40B4-BE49-F238E27FC236}">
+                      <a16:creationId xmlns:a16="http://schemas.microsoft.com/office/drawing/2014/main" id="{A2F8A10F-E4FA-9275-AFC7-9144EDBB420F}"/>
+                    </a:ext>
+                  </a:extLst>
+                </p14:cNvPr>
+                <p14:cNvContentPartPr/>
+                <p14:nvPr/>
+              </p14:nvContentPartPr>
+              <p14:xfrm>
+                <a:off x="844466" y="2768165"/>
+                <a:ext cx="166320" cy="34920"/>
+              </p14:xfrm>
+            </p:contentPart>
+          </mc:Choice>
+          <mc:Fallback>
+            <p:pic>
+              <p:nvPicPr>
+                <p:cNvPr id="16" name="筆跡 15">
+                  <a:extLst>
+                    <a:ext uri="{FF2B5EF4-FFF2-40B4-BE49-F238E27FC236}">
+                      <a16:creationId xmlns:a16="http://schemas.microsoft.com/office/drawing/2014/main" id="{A2F8A10F-E4FA-9275-AFC7-9144EDBB420F}"/>
+                    </a:ext>
+                  </a:extLst>
+                </p:cNvPr>
+                <p:cNvPicPr/>
+                <p:nvPr/>
+              </p:nvPicPr>
+              <p:blipFill>
+                <a:blip r:embed="rId12"/>
+                <a:stretch>
+                  <a:fillRect/>
+                </a:stretch>
+              </p:blipFill>
+              <p:spPr>
+                <a:xfrm>
+                  <a:off x="826826" y="2750165"/>
+                  <a:ext cx="201960" cy="70560"/>
+                </a:xfrm>
+                <a:prstGeom prst="rect">
+                  <a:avLst/>
+                </a:prstGeom>
+              </p:spPr>
+            </p:pic>
+          </mc:Fallback>
+        </mc:AlternateContent>
+      </p:grpSp>
     </p:spTree>
     <p:extLst>
       <p:ext uri="{BB962C8B-B14F-4D97-AF65-F5344CB8AC3E}">

--- a/intel_IP/IRIS/HW_IP/Interface/I2C/V1/I2C_ADXL357.pptx
+++ b/intel_IP/IRIS/HW_IP/Interface/I2C/V1/I2C_ADXL357.pptx
@@ -16,12 +16,18 @@
     <p:sldId id="263" r:id="rId10"/>
     <p:sldId id="261" r:id="rId11"/>
     <p:sldId id="269" r:id="rId12"/>
-    <p:sldId id="262" r:id="rId13"/>
-    <p:sldId id="267" r:id="rId14"/>
-    <p:sldId id="270" r:id="rId15"/>
-    <p:sldId id="266" r:id="rId16"/>
-    <p:sldId id="268" r:id="rId17"/>
-    <p:sldId id="271" r:id="rId18"/>
+    <p:sldId id="277" r:id="rId13"/>
+    <p:sldId id="278" r:id="rId14"/>
+    <p:sldId id="281" r:id="rId15"/>
+    <p:sldId id="282" r:id="rId16"/>
+    <p:sldId id="283" r:id="rId17"/>
+    <p:sldId id="284" r:id="rId18"/>
+    <p:sldId id="279" r:id="rId19"/>
+    <p:sldId id="280" r:id="rId20"/>
+    <p:sldId id="285" r:id="rId21"/>
+    <p:sldId id="286" r:id="rId22"/>
+    <p:sldId id="287" r:id="rId23"/>
+    <p:sldId id="288" r:id="rId24"/>
   </p:sldIdLst>
   <p:sldSz cx="12192000" cy="6858000"/>
   <p:notesSz cx="6858000" cy="9144000"/>
@@ -1095,7 +1101,7 @@
           <a:p>
             <a:fld id="{3DA1BA2C-5760-49A1-B02E-16886E01D598}" type="datetimeFigureOut">
               <a:rPr lang="zh-TW" altLang="en-US" smtClean="0"/>
-              <a:t>2025/7/1</a:t>
+              <a:t>2025/7/6</a:t>
             </a:fld>
             <a:endParaRPr lang="zh-TW" altLang="en-US"/>
           </a:p>
@@ -1293,7 +1299,7 @@
           <a:p>
             <a:fld id="{3DA1BA2C-5760-49A1-B02E-16886E01D598}" type="datetimeFigureOut">
               <a:rPr lang="zh-TW" altLang="en-US" smtClean="0"/>
-              <a:t>2025/7/1</a:t>
+              <a:t>2025/7/6</a:t>
             </a:fld>
             <a:endParaRPr lang="zh-TW" altLang="en-US"/>
           </a:p>
@@ -1501,7 +1507,7 @@
           <a:p>
             <a:fld id="{3DA1BA2C-5760-49A1-B02E-16886E01D598}" type="datetimeFigureOut">
               <a:rPr lang="zh-TW" altLang="en-US" smtClean="0"/>
-              <a:t>2025/7/1</a:t>
+              <a:t>2025/7/6</a:t>
             </a:fld>
             <a:endParaRPr lang="zh-TW" altLang="en-US"/>
           </a:p>
@@ -1699,7 +1705,7 @@
           <a:p>
             <a:fld id="{3DA1BA2C-5760-49A1-B02E-16886E01D598}" type="datetimeFigureOut">
               <a:rPr lang="zh-TW" altLang="en-US" smtClean="0"/>
-              <a:t>2025/7/1</a:t>
+              <a:t>2025/7/6</a:t>
             </a:fld>
             <a:endParaRPr lang="zh-TW" altLang="en-US"/>
           </a:p>
@@ -1974,7 +1980,7 @@
           <a:p>
             <a:fld id="{3DA1BA2C-5760-49A1-B02E-16886E01D598}" type="datetimeFigureOut">
               <a:rPr lang="zh-TW" altLang="en-US" smtClean="0"/>
-              <a:t>2025/7/1</a:t>
+              <a:t>2025/7/6</a:t>
             </a:fld>
             <a:endParaRPr lang="zh-TW" altLang="en-US"/>
           </a:p>
@@ -2239,7 +2245,7 @@
           <a:p>
             <a:fld id="{3DA1BA2C-5760-49A1-B02E-16886E01D598}" type="datetimeFigureOut">
               <a:rPr lang="zh-TW" altLang="en-US" smtClean="0"/>
-              <a:t>2025/7/1</a:t>
+              <a:t>2025/7/6</a:t>
             </a:fld>
             <a:endParaRPr lang="zh-TW" altLang="en-US"/>
           </a:p>
@@ -2651,7 +2657,7 @@
           <a:p>
             <a:fld id="{3DA1BA2C-5760-49A1-B02E-16886E01D598}" type="datetimeFigureOut">
               <a:rPr lang="zh-TW" altLang="en-US" smtClean="0"/>
-              <a:t>2025/7/1</a:t>
+              <a:t>2025/7/6</a:t>
             </a:fld>
             <a:endParaRPr lang="zh-TW" altLang="en-US"/>
           </a:p>
@@ -2792,7 +2798,7 @@
           <a:p>
             <a:fld id="{3DA1BA2C-5760-49A1-B02E-16886E01D598}" type="datetimeFigureOut">
               <a:rPr lang="zh-TW" altLang="en-US" smtClean="0"/>
-              <a:t>2025/7/1</a:t>
+              <a:t>2025/7/6</a:t>
             </a:fld>
             <a:endParaRPr lang="zh-TW" altLang="en-US"/>
           </a:p>
@@ -2905,7 +2911,7 @@
           <a:p>
             <a:fld id="{3DA1BA2C-5760-49A1-B02E-16886E01D598}" type="datetimeFigureOut">
               <a:rPr lang="zh-TW" altLang="en-US" smtClean="0"/>
-              <a:t>2025/7/1</a:t>
+              <a:t>2025/7/6</a:t>
             </a:fld>
             <a:endParaRPr lang="zh-TW" altLang="en-US"/>
           </a:p>
@@ -3216,7 +3222,7 @@
           <a:p>
             <a:fld id="{3DA1BA2C-5760-49A1-B02E-16886E01D598}" type="datetimeFigureOut">
               <a:rPr lang="zh-TW" altLang="en-US" smtClean="0"/>
-              <a:t>2025/7/1</a:t>
+              <a:t>2025/7/6</a:t>
             </a:fld>
             <a:endParaRPr lang="zh-TW" altLang="en-US"/>
           </a:p>
@@ -3504,7 +3510,7 @@
           <a:p>
             <a:fld id="{3DA1BA2C-5760-49A1-B02E-16886E01D598}" type="datetimeFigureOut">
               <a:rPr lang="zh-TW" altLang="en-US" smtClean="0"/>
-              <a:t>2025/7/1</a:t>
+              <a:t>2025/7/6</a:t>
             </a:fld>
             <a:endParaRPr lang="zh-TW" altLang="en-US"/>
           </a:p>
@@ -3745,7 +3751,7 @@
           <a:p>
             <a:fld id="{3DA1BA2C-5760-49A1-B02E-16886E01D598}" type="datetimeFigureOut">
               <a:rPr lang="zh-TW" altLang="en-US" smtClean="0"/>
-              <a:t>2025/7/1</a:t>
+              <a:t>2025/7/6</a:t>
             </a:fld>
             <a:endParaRPr lang="zh-TW" altLang="en-US"/>
           </a:p>
@@ -4461,10 +4467,1644 @@
   <p:cSld>
     <p:spTree>
       <p:nvGrpSpPr>
+        <p:cNvPr id="1" name=""/>
+        <p:cNvGrpSpPr/>
+        <p:nvPr/>
+      </p:nvGrpSpPr>
+      <p:grpSpPr>
+        <a:xfrm>
+          <a:off x="0" y="0"/>
+          <a:ext cx="0" cy="0"/>
+          <a:chOff x="0" y="0"/>
+          <a:chExt cx="0" cy="0"/>
+        </a:xfrm>
+      </p:grpSpPr>
+      <p:sp>
+        <p:nvSpPr>
+          <p:cNvPr id="4" name="文字方塊 3">
+            <a:extLst>
+              <a:ext uri="{FF2B5EF4-FFF2-40B4-BE49-F238E27FC236}">
+                <a16:creationId xmlns:a16="http://schemas.microsoft.com/office/drawing/2014/main" id="{00A1597A-2701-489B-5A31-BAB8704E46F0}"/>
+              </a:ext>
+            </a:extLst>
+          </p:cNvPr>
+          <p:cNvSpPr txBox="1"/>
+          <p:nvPr/>
+        </p:nvSpPr>
+        <p:spPr>
+          <a:xfrm>
+            <a:off x="238539" y="198783"/>
+            <a:ext cx="1048685" cy="369332"/>
+          </a:xfrm>
+          <a:prstGeom prst="rect">
+            <a:avLst/>
+          </a:prstGeom>
+          <a:noFill/>
+        </p:spPr>
+        <p:txBody>
+          <a:bodyPr wrap="none" rtlCol="0">
+            <a:spAutoFit/>
+          </a:bodyPr>
+          <a:lstStyle/>
+          <a:p>
+            <a:r>
+              <a:rPr lang="en-US" altLang="zh-TW" u="sng" dirty="0"/>
+              <a:t>PU</a:t>
+            </a:r>
+            <a:r>
+              <a:rPr lang="zh-TW" altLang="en-US" u="sng" dirty="0"/>
+              <a:t> 版本</a:t>
+            </a:r>
+            <a:r>
+              <a:rPr lang="en-US" altLang="zh-TW" u="sng" dirty="0"/>
+              <a:t>:</a:t>
+            </a:r>
+            <a:endParaRPr lang="zh-TW" altLang="en-US" u="sng" dirty="0"/>
+          </a:p>
+        </p:txBody>
+      </p:sp>
+      <p:pic>
+        <p:nvPicPr>
+          <p:cNvPr id="6" name="圖片 5">
+            <a:extLst>
+              <a:ext uri="{FF2B5EF4-FFF2-40B4-BE49-F238E27FC236}">
+                <a16:creationId xmlns:a16="http://schemas.microsoft.com/office/drawing/2014/main" id="{9CD7D88D-43AC-F718-53C5-FC0398973B06}"/>
+              </a:ext>
+            </a:extLst>
+          </p:cNvPr>
+          <p:cNvPicPr>
+            <a:picLocks noChangeAspect="1"/>
+          </p:cNvPicPr>
+          <p:nvPr/>
+        </p:nvPicPr>
+        <p:blipFill>
+          <a:blip r:embed="rId2"/>
+          <a:stretch>
+            <a:fillRect/>
+          </a:stretch>
+        </p:blipFill>
+        <p:spPr>
+          <a:xfrm>
+            <a:off x="0" y="1400634"/>
+            <a:ext cx="12192000" cy="3838071"/>
+          </a:xfrm>
+          <a:prstGeom prst="rect">
+            <a:avLst/>
+          </a:prstGeom>
+        </p:spPr>
+      </p:pic>
+      <p:sp>
+        <p:nvSpPr>
+          <p:cNvPr id="7" name="文字方塊 6">
+            <a:extLst>
+              <a:ext uri="{FF2B5EF4-FFF2-40B4-BE49-F238E27FC236}">
+                <a16:creationId xmlns:a16="http://schemas.microsoft.com/office/drawing/2014/main" id="{F222283F-DCB0-E5D1-685F-1FF12C9F1ECB}"/>
+              </a:ext>
+            </a:extLst>
+          </p:cNvPr>
+          <p:cNvSpPr txBox="1"/>
+          <p:nvPr/>
+        </p:nvSpPr>
+        <p:spPr>
+          <a:xfrm>
+            <a:off x="4144618" y="1092857"/>
+            <a:ext cx="678263" cy="307777"/>
+          </a:xfrm>
+          <a:prstGeom prst="rect">
+            <a:avLst/>
+          </a:prstGeom>
+          <a:noFill/>
+        </p:spPr>
+        <p:txBody>
+          <a:bodyPr wrap="none" rtlCol="0">
+            <a:spAutoFit/>
+          </a:bodyPr>
+          <a:lstStyle/>
+          <a:p>
+            <a:r>
+              <a:rPr lang="en-US" altLang="zh-TW" sz="1400" dirty="0"/>
+              <a:t>WREG</a:t>
+            </a:r>
+            <a:endParaRPr lang="zh-TW" altLang="en-US" sz="1400" dirty="0"/>
+          </a:p>
+        </p:txBody>
+      </p:sp>
+      <p:sp>
+        <p:nvSpPr>
+          <p:cNvPr id="8" name="文字方塊 7">
+            <a:extLst>
+              <a:ext uri="{FF2B5EF4-FFF2-40B4-BE49-F238E27FC236}">
+                <a16:creationId xmlns:a16="http://schemas.microsoft.com/office/drawing/2014/main" id="{E1409084-B987-AB08-EEA5-AC05C362365B}"/>
+              </a:ext>
+            </a:extLst>
+          </p:cNvPr>
+          <p:cNvSpPr txBox="1"/>
+          <p:nvPr/>
+        </p:nvSpPr>
+        <p:spPr>
+          <a:xfrm>
+            <a:off x="4972878" y="1097211"/>
+            <a:ext cx="678263" cy="307777"/>
+          </a:xfrm>
+          <a:prstGeom prst="rect">
+            <a:avLst/>
+          </a:prstGeom>
+          <a:noFill/>
+        </p:spPr>
+        <p:txBody>
+          <a:bodyPr wrap="none" rtlCol="0">
+            <a:spAutoFit/>
+          </a:bodyPr>
+          <a:lstStyle/>
+          <a:p>
+            <a:r>
+              <a:rPr lang="en-US" altLang="zh-TW" sz="1400" dirty="0"/>
+              <a:t>WREG</a:t>
+            </a:r>
+            <a:endParaRPr lang="zh-TW" altLang="en-US" sz="1400" dirty="0"/>
+          </a:p>
+        </p:txBody>
+      </p:sp>
+      <p:sp>
+        <p:nvSpPr>
+          <p:cNvPr id="9" name="文字方塊 8">
+            <a:extLst>
+              <a:ext uri="{FF2B5EF4-FFF2-40B4-BE49-F238E27FC236}">
+                <a16:creationId xmlns:a16="http://schemas.microsoft.com/office/drawing/2014/main" id="{5DCF167F-39D6-A487-B536-2C27EA53222E}"/>
+              </a:ext>
+            </a:extLst>
+          </p:cNvPr>
+          <p:cNvSpPr txBox="1"/>
+          <p:nvPr/>
+        </p:nvSpPr>
+        <p:spPr>
+          <a:xfrm>
+            <a:off x="5862598" y="1092856"/>
+            <a:ext cx="626967" cy="307777"/>
+          </a:xfrm>
+          <a:prstGeom prst="rect">
+            <a:avLst/>
+          </a:prstGeom>
+          <a:noFill/>
+        </p:spPr>
+        <p:txBody>
+          <a:bodyPr wrap="none" rtlCol="0">
+            <a:spAutoFit/>
+          </a:bodyPr>
+          <a:lstStyle/>
+          <a:p>
+            <a:r>
+              <a:rPr lang="en-US" altLang="zh-TW" sz="1400" dirty="0"/>
+              <a:t>RREG</a:t>
+            </a:r>
+            <a:endParaRPr lang="zh-TW" altLang="en-US" sz="1400" dirty="0"/>
+          </a:p>
+        </p:txBody>
+      </p:sp>
+      <p:sp>
+        <p:nvSpPr>
+          <p:cNvPr id="10" name="文字方塊 9">
+            <a:extLst>
+              <a:ext uri="{FF2B5EF4-FFF2-40B4-BE49-F238E27FC236}">
+                <a16:creationId xmlns:a16="http://schemas.microsoft.com/office/drawing/2014/main" id="{7AA62C3F-1703-5729-5821-7FFFA97D8EA6}"/>
+              </a:ext>
+            </a:extLst>
+          </p:cNvPr>
+          <p:cNvSpPr txBox="1"/>
+          <p:nvPr/>
+        </p:nvSpPr>
+        <p:spPr>
+          <a:xfrm>
+            <a:off x="9896061" y="1101566"/>
+            <a:ext cx="678263" cy="307777"/>
+          </a:xfrm>
+          <a:prstGeom prst="rect">
+            <a:avLst/>
+          </a:prstGeom>
+          <a:noFill/>
+        </p:spPr>
+        <p:txBody>
+          <a:bodyPr wrap="none" rtlCol="0">
+            <a:spAutoFit/>
+          </a:bodyPr>
+          <a:lstStyle/>
+          <a:p>
+            <a:r>
+              <a:rPr lang="en-US" altLang="zh-TW" sz="1400" dirty="0"/>
+              <a:t>WREG</a:t>
+            </a:r>
+            <a:endParaRPr lang="zh-TW" altLang="en-US" sz="1400" dirty="0"/>
+          </a:p>
+        </p:txBody>
+      </p:sp>
+      <p:sp>
+        <p:nvSpPr>
+          <p:cNvPr id="11" name="文字方塊 10">
+            <a:extLst>
+              <a:ext uri="{FF2B5EF4-FFF2-40B4-BE49-F238E27FC236}">
+                <a16:creationId xmlns:a16="http://schemas.microsoft.com/office/drawing/2014/main" id="{91CE4A44-180C-9527-85FE-9AC9E42BEB48}"/>
+              </a:ext>
+            </a:extLst>
+          </p:cNvPr>
+          <p:cNvSpPr txBox="1"/>
+          <p:nvPr/>
+        </p:nvSpPr>
+        <p:spPr>
+          <a:xfrm>
+            <a:off x="10785781" y="1097211"/>
+            <a:ext cx="626967" cy="307777"/>
+          </a:xfrm>
+          <a:prstGeom prst="rect">
+            <a:avLst/>
+          </a:prstGeom>
+          <a:noFill/>
+        </p:spPr>
+        <p:txBody>
+          <a:bodyPr wrap="none" rtlCol="0">
+            <a:spAutoFit/>
+          </a:bodyPr>
+          <a:lstStyle/>
+          <a:p>
+            <a:r>
+              <a:rPr lang="en-US" altLang="zh-TW" sz="1400" dirty="0"/>
+              <a:t>RREG</a:t>
+            </a:r>
+            <a:endParaRPr lang="zh-TW" altLang="en-US" sz="1400" dirty="0"/>
+          </a:p>
+        </p:txBody>
+      </p:sp>
+    </p:spTree>
+    <p:extLst>
+      <p:ext uri="{BB962C8B-B14F-4D97-AF65-F5344CB8AC3E}">
+        <p14:creationId xmlns:p14="http://schemas.microsoft.com/office/powerpoint/2010/main" val="325217901"/>
+      </p:ext>
+    </p:extLst>
+  </p:cSld>
+  <p:clrMapOvr>
+    <a:masterClrMapping/>
+  </p:clrMapOvr>
+</p:sld>
+</file>
+
+<file path=ppt/slides/slide13.xml><?xml version="1.0" encoding="utf-8"?>
+<p:sld xmlns:a="http://schemas.openxmlformats.org/drawingml/2006/main" xmlns:r="http://schemas.openxmlformats.org/officeDocument/2006/relationships" xmlns:p="http://schemas.openxmlformats.org/presentationml/2006/main">
+  <p:cSld>
+    <p:spTree>
+      <p:nvGrpSpPr>
+        <p:cNvPr id="1" name=""/>
+        <p:cNvGrpSpPr/>
+        <p:nvPr/>
+      </p:nvGrpSpPr>
+      <p:grpSpPr>
+        <a:xfrm>
+          <a:off x="0" y="0"/>
+          <a:ext cx="0" cy="0"/>
+          <a:chOff x="0" y="0"/>
+          <a:chExt cx="0" cy="0"/>
+        </a:xfrm>
+      </p:grpSpPr>
+      <p:pic>
+        <p:nvPicPr>
+          <p:cNvPr id="5" name="圖片 4">
+            <a:extLst>
+              <a:ext uri="{FF2B5EF4-FFF2-40B4-BE49-F238E27FC236}">
+                <a16:creationId xmlns:a16="http://schemas.microsoft.com/office/drawing/2014/main" id="{2E254A4D-B167-1BBC-280C-B5E3F337BDD2}"/>
+              </a:ext>
+            </a:extLst>
+          </p:cNvPr>
+          <p:cNvPicPr>
+            <a:picLocks noChangeAspect="1"/>
+          </p:cNvPicPr>
+          <p:nvPr/>
+        </p:nvPicPr>
+        <p:blipFill>
+          <a:blip r:embed="rId2"/>
+          <a:stretch>
+            <a:fillRect/>
+          </a:stretch>
+        </p:blipFill>
+        <p:spPr>
+          <a:xfrm>
+            <a:off x="0" y="1946380"/>
+            <a:ext cx="12192000" cy="3405352"/>
+          </a:xfrm>
+          <a:prstGeom prst="rect">
+            <a:avLst/>
+          </a:prstGeom>
+        </p:spPr>
+      </p:pic>
+      <p:sp>
+        <p:nvSpPr>
+          <p:cNvPr id="6" name="文字方塊 5">
+            <a:extLst>
+              <a:ext uri="{FF2B5EF4-FFF2-40B4-BE49-F238E27FC236}">
+                <a16:creationId xmlns:a16="http://schemas.microsoft.com/office/drawing/2014/main" id="{A4E071B9-D2A7-52FF-E409-59B083AE5515}"/>
+              </a:ext>
+            </a:extLst>
+          </p:cNvPr>
+          <p:cNvSpPr txBox="1"/>
+          <p:nvPr/>
+        </p:nvSpPr>
+        <p:spPr>
+          <a:xfrm>
+            <a:off x="238539" y="198783"/>
+            <a:ext cx="1048685" cy="646331"/>
+          </a:xfrm>
+          <a:prstGeom prst="rect">
+            <a:avLst/>
+          </a:prstGeom>
+          <a:noFill/>
+        </p:spPr>
+        <p:txBody>
+          <a:bodyPr wrap="none" rtlCol="0">
+            <a:spAutoFit/>
+          </a:bodyPr>
+          <a:lstStyle/>
+          <a:p>
+            <a:r>
+              <a:rPr lang="en-US" altLang="zh-TW" u="sng" dirty="0"/>
+              <a:t>PU</a:t>
+            </a:r>
+            <a:r>
+              <a:rPr lang="zh-TW" altLang="en-US" u="sng" dirty="0"/>
+              <a:t> 版本</a:t>
+            </a:r>
+            <a:r>
+              <a:rPr lang="en-US" altLang="zh-TW" u="sng" dirty="0"/>
+              <a:t>:</a:t>
+            </a:r>
+          </a:p>
+          <a:p>
+            <a:r>
+              <a:rPr lang="en-US" altLang="zh-TW" u="sng" dirty="0"/>
+              <a:t>WREG</a:t>
+            </a:r>
+            <a:endParaRPr lang="zh-TW" altLang="en-US" u="sng" dirty="0"/>
+          </a:p>
+        </p:txBody>
+      </p:sp>
+      <p:sp>
+        <p:nvSpPr>
+          <p:cNvPr id="7" name="文字方塊 6">
+            <a:extLst>
+              <a:ext uri="{FF2B5EF4-FFF2-40B4-BE49-F238E27FC236}">
+                <a16:creationId xmlns:a16="http://schemas.microsoft.com/office/drawing/2014/main" id="{777CF009-A527-FB72-2F7B-8C37FE867F0D}"/>
+              </a:ext>
+            </a:extLst>
+          </p:cNvPr>
+          <p:cNvSpPr txBox="1"/>
+          <p:nvPr/>
+        </p:nvSpPr>
+        <p:spPr>
+          <a:xfrm>
+            <a:off x="457200" y="1143000"/>
+            <a:ext cx="2699778" cy="369332"/>
+          </a:xfrm>
+          <a:prstGeom prst="rect">
+            <a:avLst/>
+          </a:prstGeom>
+          <a:noFill/>
+        </p:spPr>
+        <p:txBody>
+          <a:bodyPr wrap="none" rtlCol="0">
+            <a:spAutoFit/>
+          </a:bodyPr>
+          <a:lstStyle/>
+          <a:p>
+            <a:r>
+              <a:rPr lang="zh-TW" altLang="en-US" dirty="0"/>
+              <a:t>總寫入時間 </a:t>
+            </a:r>
+            <a:r>
+              <a:rPr lang="en-US" altLang="zh-TW" dirty="0"/>
+              <a:t>~</a:t>
+            </a:r>
+            <a:r>
+              <a:rPr lang="zh-TW" altLang="en-US" dirty="0"/>
+              <a:t> </a:t>
+            </a:r>
+            <a:r>
+              <a:rPr lang="en-US" altLang="zh-TW" dirty="0"/>
+              <a:t>32 *</a:t>
+            </a:r>
+            <a:r>
+              <a:rPr lang="zh-TW" altLang="en-US" dirty="0"/>
+              <a:t> </a:t>
+            </a:r>
+            <a:r>
+              <a:rPr lang="en-US" altLang="zh-TW" dirty="0"/>
+              <a:t>i2c_clk</a:t>
+            </a:r>
+            <a:endParaRPr lang="zh-TW" altLang="en-US" dirty="0"/>
+          </a:p>
+        </p:txBody>
+      </p:sp>
+      <p:sp>
+        <p:nvSpPr>
+          <p:cNvPr id="8" name="文字方塊 7">
+            <a:extLst>
+              <a:ext uri="{FF2B5EF4-FFF2-40B4-BE49-F238E27FC236}">
+                <a16:creationId xmlns:a16="http://schemas.microsoft.com/office/drawing/2014/main" id="{72ADBC68-F7B4-F4EB-E899-6E0EB5B47AC4}"/>
+              </a:ext>
+            </a:extLst>
+          </p:cNvPr>
+          <p:cNvSpPr txBox="1"/>
+          <p:nvPr/>
+        </p:nvSpPr>
+        <p:spPr>
+          <a:xfrm>
+            <a:off x="3596350" y="257566"/>
+            <a:ext cx="2525050" cy="923330"/>
+          </a:xfrm>
+          <a:prstGeom prst="rect">
+            <a:avLst/>
+          </a:prstGeom>
+          <a:noFill/>
+        </p:spPr>
+        <p:txBody>
+          <a:bodyPr wrap="none" rtlCol="0">
+            <a:spAutoFit/>
+          </a:bodyPr>
+          <a:lstStyle/>
+          <a:p>
+            <a:r>
+              <a:rPr lang="en-US" altLang="zh-TW" dirty="0"/>
+              <a:t>ADDR: 0x1D = 001 1101</a:t>
+            </a:r>
+          </a:p>
+          <a:p>
+            <a:r>
+              <a:rPr lang="en-US" altLang="zh-TW" dirty="0"/>
+              <a:t>REG:</a:t>
+            </a:r>
+            <a:r>
+              <a:rPr lang="zh-TW" altLang="en-US" dirty="0"/>
+              <a:t> </a:t>
+            </a:r>
+            <a:r>
+              <a:rPr lang="en-US" altLang="zh-TW" dirty="0"/>
+              <a:t>0x2F = 0010 1111</a:t>
+            </a:r>
+          </a:p>
+          <a:p>
+            <a:r>
+              <a:rPr lang="en-US" altLang="zh-TW" dirty="0"/>
+              <a:t>Data: 0x52 = 0101 0010</a:t>
+            </a:r>
+            <a:endParaRPr lang="zh-TW" altLang="en-US" dirty="0"/>
+          </a:p>
+        </p:txBody>
+      </p:sp>
+      <p:pic>
+        <p:nvPicPr>
+          <p:cNvPr id="10" name="圖片 9">
+            <a:extLst>
+              <a:ext uri="{FF2B5EF4-FFF2-40B4-BE49-F238E27FC236}">
+                <a16:creationId xmlns:a16="http://schemas.microsoft.com/office/drawing/2014/main" id="{E4E70250-629A-8227-3E97-811ED08D86AF}"/>
+              </a:ext>
+            </a:extLst>
+          </p:cNvPr>
+          <p:cNvPicPr>
+            <a:picLocks noChangeAspect="1"/>
+          </p:cNvPicPr>
+          <p:nvPr/>
+        </p:nvPicPr>
+        <p:blipFill>
+          <a:blip r:embed="rId3"/>
+          <a:stretch>
+            <a:fillRect/>
+          </a:stretch>
+        </p:blipFill>
+        <p:spPr>
+          <a:xfrm>
+            <a:off x="6333726" y="776836"/>
+            <a:ext cx="5715798" cy="800212"/>
+          </a:xfrm>
+          <a:prstGeom prst="rect">
+            <a:avLst/>
+          </a:prstGeom>
+        </p:spPr>
+      </p:pic>
+      <p:sp>
+        <p:nvSpPr>
+          <p:cNvPr id="11" name="矩形 10">
+            <a:extLst>
+              <a:ext uri="{FF2B5EF4-FFF2-40B4-BE49-F238E27FC236}">
+                <a16:creationId xmlns:a16="http://schemas.microsoft.com/office/drawing/2014/main" id="{88D1213B-9022-C398-7181-EAD7DA9E2DF9}"/>
+              </a:ext>
+            </a:extLst>
+          </p:cNvPr>
+          <p:cNvSpPr/>
+          <p:nvPr/>
+        </p:nvSpPr>
+        <p:spPr>
+          <a:xfrm>
+            <a:off x="5600700" y="3562350"/>
+            <a:ext cx="1358900" cy="469900"/>
+          </a:xfrm>
+          <a:prstGeom prst="rect">
+            <a:avLst/>
+          </a:prstGeom>
+          <a:noFill/>
+          <a:ln>
+            <a:solidFill>
+              <a:schemeClr val="accent6">
+                <a:lumMod val="75000"/>
+              </a:schemeClr>
+            </a:solidFill>
+            <a:prstDash val="sysDash"/>
+          </a:ln>
+        </p:spPr>
+        <p:style>
+          <a:lnRef idx="2">
+            <a:schemeClr val="accent1">
+              <a:shade val="15000"/>
+            </a:schemeClr>
+          </a:lnRef>
+          <a:fillRef idx="1">
+            <a:schemeClr val="accent1"/>
+          </a:fillRef>
+          <a:effectRef idx="0">
+            <a:schemeClr val="accent1"/>
+          </a:effectRef>
+          <a:fontRef idx="minor">
+            <a:schemeClr val="lt1"/>
+          </a:fontRef>
+        </p:style>
+        <p:txBody>
+          <a:bodyPr rtlCol="0" anchor="ctr"/>
+          <a:lstStyle/>
+          <a:p>
+            <a:pPr algn="ctr"/>
+            <a:endParaRPr lang="zh-TW" altLang="en-US"/>
+          </a:p>
+        </p:txBody>
+      </p:sp>
+      <p:cxnSp>
+        <p:nvCxnSpPr>
+          <p:cNvPr id="13" name="直線單箭頭接點 12">
+            <a:extLst>
+              <a:ext uri="{FF2B5EF4-FFF2-40B4-BE49-F238E27FC236}">
+                <a16:creationId xmlns:a16="http://schemas.microsoft.com/office/drawing/2014/main" id="{4D8475A0-7089-360F-513A-648351B98D8B}"/>
+              </a:ext>
+            </a:extLst>
+          </p:cNvPr>
+          <p:cNvCxnSpPr>
+            <a:cxnSpLocks/>
+          </p:cNvCxnSpPr>
+          <p:nvPr/>
+        </p:nvCxnSpPr>
+        <p:spPr>
+          <a:xfrm>
+            <a:off x="6121400" y="3025775"/>
+            <a:ext cx="0" cy="930275"/>
+          </a:xfrm>
+          <a:prstGeom prst="straightConnector1">
+            <a:avLst/>
+          </a:prstGeom>
+          <a:ln>
+            <a:tailEnd type="triangle"/>
+          </a:ln>
+        </p:spPr>
+        <p:style>
+          <a:lnRef idx="2">
+            <a:schemeClr val="accent1"/>
+          </a:lnRef>
+          <a:fillRef idx="0">
+            <a:schemeClr val="accent1"/>
+          </a:fillRef>
+          <a:effectRef idx="1">
+            <a:schemeClr val="accent1"/>
+          </a:effectRef>
+          <a:fontRef idx="minor">
+            <a:schemeClr val="tx1"/>
+          </a:fontRef>
+        </p:style>
+      </p:cxnSp>
+      <p:cxnSp>
+        <p:nvCxnSpPr>
+          <p:cNvPr id="16" name="直線單箭頭接點 15">
+            <a:extLst>
+              <a:ext uri="{FF2B5EF4-FFF2-40B4-BE49-F238E27FC236}">
+                <a16:creationId xmlns:a16="http://schemas.microsoft.com/office/drawing/2014/main" id="{BED01C37-62B5-815D-CEEC-0D888A6A7CB5}"/>
+              </a:ext>
+            </a:extLst>
+          </p:cNvPr>
+          <p:cNvCxnSpPr>
+            <a:cxnSpLocks/>
+          </p:cNvCxnSpPr>
+          <p:nvPr/>
+        </p:nvCxnSpPr>
+        <p:spPr>
+          <a:xfrm>
+            <a:off x="6371826" y="3025775"/>
+            <a:ext cx="0" cy="587375"/>
+          </a:xfrm>
+          <a:prstGeom prst="straightConnector1">
+            <a:avLst/>
+          </a:prstGeom>
+          <a:ln>
+            <a:tailEnd type="triangle"/>
+          </a:ln>
+        </p:spPr>
+        <p:style>
+          <a:lnRef idx="2">
+            <a:schemeClr val="accent1"/>
+          </a:lnRef>
+          <a:fillRef idx="0">
+            <a:schemeClr val="accent1"/>
+          </a:fillRef>
+          <a:effectRef idx="1">
+            <a:schemeClr val="accent1"/>
+          </a:effectRef>
+          <a:fontRef idx="minor">
+            <a:schemeClr val="tx1"/>
+          </a:fontRef>
+        </p:style>
+      </p:cxnSp>
+      <p:sp>
+        <p:nvSpPr>
+          <p:cNvPr id="18" name="文字方塊 17">
+            <a:extLst>
+              <a:ext uri="{FF2B5EF4-FFF2-40B4-BE49-F238E27FC236}">
+                <a16:creationId xmlns:a16="http://schemas.microsoft.com/office/drawing/2014/main" id="{E2833F68-5573-8319-C3F4-92854E4F7878}"/>
+              </a:ext>
+            </a:extLst>
+          </p:cNvPr>
+          <p:cNvSpPr txBox="1"/>
+          <p:nvPr/>
+        </p:nvSpPr>
+        <p:spPr>
+          <a:xfrm>
+            <a:off x="2295939" y="5645426"/>
+            <a:ext cx="7159268" cy="646331"/>
+          </a:xfrm>
+          <a:prstGeom prst="rect">
+            <a:avLst/>
+          </a:prstGeom>
+          <a:noFill/>
+        </p:spPr>
+        <p:txBody>
+          <a:bodyPr wrap="none" rtlCol="0">
+            <a:spAutoFit/>
+          </a:bodyPr>
+          <a:lstStyle/>
+          <a:p>
+            <a:r>
+              <a:rPr lang="en-US" altLang="zh-TW" dirty="0"/>
+              <a:t>SM=3:</a:t>
+            </a:r>
+            <a:r>
+              <a:rPr lang="zh-TW" altLang="en-US" dirty="0"/>
+              <a:t> </a:t>
+            </a:r>
+            <a:r>
+              <a:rPr lang="en-US" altLang="zh-TW" dirty="0"/>
+              <a:t>READ_ACK</a:t>
+            </a:r>
+            <a:r>
+              <a:rPr lang="zh-TW" altLang="en-US" dirty="0"/>
+              <a:t>， </a:t>
+            </a:r>
+            <a:r>
+              <a:rPr lang="en-US" altLang="zh-TW" dirty="0"/>
+              <a:t>W_EN</a:t>
+            </a:r>
+            <a:r>
+              <a:rPr lang="zh-TW" altLang="en-US" dirty="0"/>
+              <a:t> 拉低 </a:t>
+            </a:r>
+            <a:r>
+              <a:rPr lang="en-US" altLang="zh-TW" dirty="0"/>
+              <a:t>-&gt; </a:t>
+            </a:r>
+            <a:r>
+              <a:rPr lang="en-US" altLang="zh-TW" dirty="0" err="1"/>
+              <a:t>sda</a:t>
+            </a:r>
+            <a:r>
+              <a:rPr lang="en-US" altLang="zh-TW" dirty="0"/>
+              <a:t> 1’bz -&gt; </a:t>
+            </a:r>
+            <a:r>
+              <a:rPr lang="en-US" altLang="zh-TW" dirty="0" err="1"/>
+              <a:t>sda</a:t>
+            </a:r>
+            <a:r>
+              <a:rPr lang="en-US" altLang="zh-TW" dirty="0"/>
+              <a:t> LOW </a:t>
+            </a:r>
+            <a:r>
+              <a:rPr lang="zh-TW" altLang="en-US" dirty="0"/>
+              <a:t>代表 </a:t>
+            </a:r>
+            <a:r>
+              <a:rPr lang="en-US" altLang="zh-TW" dirty="0"/>
+              <a:t>ACK</a:t>
+            </a:r>
+          </a:p>
+          <a:p>
+            <a:r>
+              <a:rPr lang="en-US" altLang="zh-TW" dirty="0"/>
+              <a:t>SM=4:</a:t>
+            </a:r>
+            <a:r>
+              <a:rPr lang="zh-TW" altLang="en-US" dirty="0"/>
+              <a:t> </a:t>
+            </a:r>
+            <a:r>
+              <a:rPr lang="en-US" altLang="zh-TW" dirty="0"/>
+              <a:t>READ_ACK_B</a:t>
+            </a:r>
+            <a:r>
+              <a:rPr lang="zh-TW" altLang="en-US" dirty="0"/>
+              <a:t>，</a:t>
+            </a:r>
+            <a:r>
+              <a:rPr lang="en-US" altLang="zh-TW" dirty="0"/>
+              <a:t> W_EN</a:t>
+            </a:r>
+            <a:r>
+              <a:rPr lang="zh-TW" altLang="en-US" dirty="0"/>
+              <a:t> 拉低 </a:t>
+            </a:r>
+            <a:r>
+              <a:rPr lang="en-US" altLang="zh-TW" dirty="0"/>
+              <a:t>-&gt; </a:t>
+            </a:r>
+            <a:r>
+              <a:rPr lang="en-US" altLang="zh-TW" dirty="0" err="1"/>
+              <a:t>sda</a:t>
+            </a:r>
+            <a:r>
+              <a:rPr lang="en-US" altLang="zh-TW" dirty="0"/>
+              <a:t> 1’bz -&gt; </a:t>
+            </a:r>
+            <a:r>
+              <a:rPr lang="en-US" altLang="zh-TW" dirty="0" err="1"/>
+              <a:t>sda</a:t>
+            </a:r>
+            <a:r>
+              <a:rPr lang="en-US" altLang="zh-TW" dirty="0"/>
+              <a:t> HIGH </a:t>
+            </a:r>
+            <a:r>
+              <a:rPr lang="zh-TW" altLang="en-US" dirty="0"/>
+              <a:t>是回彈嗎</a:t>
+            </a:r>
+            <a:r>
+              <a:rPr lang="en-US" altLang="zh-TW" dirty="0"/>
+              <a:t>?</a:t>
+            </a:r>
+            <a:endParaRPr lang="zh-TW" altLang="en-US" dirty="0"/>
+          </a:p>
+        </p:txBody>
+      </p:sp>
+    </p:spTree>
+    <p:extLst>
+      <p:ext uri="{BB962C8B-B14F-4D97-AF65-F5344CB8AC3E}">
+        <p14:creationId xmlns:p14="http://schemas.microsoft.com/office/powerpoint/2010/main" val="2843953192"/>
+      </p:ext>
+    </p:extLst>
+  </p:cSld>
+  <p:clrMapOvr>
+    <a:masterClrMapping/>
+  </p:clrMapOvr>
+</p:sld>
+</file>
+
+<file path=ppt/slides/slide14.xml><?xml version="1.0" encoding="utf-8"?>
+<p:sld xmlns:a="http://schemas.openxmlformats.org/drawingml/2006/main" xmlns:r="http://schemas.openxmlformats.org/officeDocument/2006/relationships" xmlns:p="http://schemas.openxmlformats.org/presentationml/2006/main">
+  <p:cSld>
+    <p:spTree>
+      <p:nvGrpSpPr>
+        <p:cNvPr id="1" name=""/>
+        <p:cNvGrpSpPr/>
+        <p:nvPr/>
+      </p:nvGrpSpPr>
+      <p:grpSpPr>
+        <a:xfrm>
+          <a:off x="0" y="0"/>
+          <a:ext cx="0" cy="0"/>
+          <a:chOff x="0" y="0"/>
+          <a:chExt cx="0" cy="0"/>
+        </a:xfrm>
+      </p:grpSpPr>
+      <p:pic>
+        <p:nvPicPr>
+          <p:cNvPr id="6" name="圖片 5">
+            <a:extLst>
+              <a:ext uri="{FF2B5EF4-FFF2-40B4-BE49-F238E27FC236}">
+                <a16:creationId xmlns:a16="http://schemas.microsoft.com/office/drawing/2014/main" id="{14DC5146-5F23-9F84-763A-879B35636B97}"/>
+              </a:ext>
+            </a:extLst>
+          </p:cNvPr>
+          <p:cNvPicPr>
+            <a:picLocks noChangeAspect="1"/>
+          </p:cNvPicPr>
+          <p:nvPr/>
+        </p:nvPicPr>
+        <p:blipFill>
+          <a:blip r:embed="rId2"/>
+          <a:stretch>
+            <a:fillRect/>
+          </a:stretch>
+        </p:blipFill>
+        <p:spPr>
+          <a:xfrm>
+            <a:off x="0" y="1858818"/>
+            <a:ext cx="12192000" cy="4359563"/>
+          </a:xfrm>
+          <a:prstGeom prst="rect">
+            <a:avLst/>
+          </a:prstGeom>
+        </p:spPr>
+      </p:pic>
+      <p:sp>
+        <p:nvSpPr>
+          <p:cNvPr id="7" name="文字方塊 6">
+            <a:extLst>
+              <a:ext uri="{FF2B5EF4-FFF2-40B4-BE49-F238E27FC236}">
+                <a16:creationId xmlns:a16="http://schemas.microsoft.com/office/drawing/2014/main" id="{B716950E-D116-C00D-3CF0-CE6D38245A54}"/>
+              </a:ext>
+            </a:extLst>
+          </p:cNvPr>
+          <p:cNvSpPr txBox="1"/>
+          <p:nvPr/>
+        </p:nvSpPr>
+        <p:spPr>
+          <a:xfrm>
+            <a:off x="238539" y="198783"/>
+            <a:ext cx="1385316" cy="646331"/>
+          </a:xfrm>
+          <a:prstGeom prst="rect">
+            <a:avLst/>
+          </a:prstGeom>
+          <a:noFill/>
+        </p:spPr>
+        <p:txBody>
+          <a:bodyPr wrap="none" rtlCol="0">
+            <a:spAutoFit/>
+          </a:bodyPr>
+          <a:lstStyle/>
+          <a:p>
+            <a:r>
+              <a:rPr lang="en-US" altLang="zh-TW" u="sng" dirty="0"/>
+              <a:t>No PU</a:t>
+            </a:r>
+            <a:r>
+              <a:rPr lang="zh-TW" altLang="en-US" u="sng" dirty="0"/>
+              <a:t> 版本</a:t>
+            </a:r>
+            <a:r>
+              <a:rPr lang="en-US" altLang="zh-TW" u="sng" dirty="0"/>
+              <a:t>:</a:t>
+            </a:r>
+          </a:p>
+          <a:p>
+            <a:r>
+              <a:rPr lang="en-US" altLang="zh-TW" u="sng" dirty="0"/>
+              <a:t>WREG</a:t>
+            </a:r>
+            <a:endParaRPr lang="zh-TW" altLang="en-US" u="sng" dirty="0"/>
+          </a:p>
+        </p:txBody>
+      </p:sp>
+      <p:sp>
+        <p:nvSpPr>
+          <p:cNvPr id="8" name="文字方塊 7">
+            <a:extLst>
+              <a:ext uri="{FF2B5EF4-FFF2-40B4-BE49-F238E27FC236}">
+                <a16:creationId xmlns:a16="http://schemas.microsoft.com/office/drawing/2014/main" id="{7AC11B12-6EC7-5404-AD9A-79D1E3B84B8A}"/>
+              </a:ext>
+            </a:extLst>
+          </p:cNvPr>
+          <p:cNvSpPr txBox="1"/>
+          <p:nvPr/>
+        </p:nvSpPr>
+        <p:spPr>
+          <a:xfrm>
+            <a:off x="447675" y="1362075"/>
+            <a:ext cx="4057265" cy="369332"/>
+          </a:xfrm>
+          <a:prstGeom prst="rect">
+            <a:avLst/>
+          </a:prstGeom>
+          <a:noFill/>
+        </p:spPr>
+        <p:txBody>
+          <a:bodyPr wrap="none" rtlCol="0">
+            <a:spAutoFit/>
+          </a:bodyPr>
+          <a:lstStyle/>
+          <a:p>
+            <a:r>
+              <a:rPr lang="en-US" altLang="zh-TW" dirty="0"/>
+              <a:t>Finish </a:t>
+            </a:r>
+            <a:r>
+              <a:rPr lang="zh-TW" altLang="en-US" dirty="0"/>
+              <a:t>跳起來數字 </a:t>
+            </a:r>
+            <a:r>
+              <a:rPr lang="en-US" altLang="zh-TW" dirty="0"/>
+              <a:t>=</a:t>
+            </a:r>
+            <a:r>
+              <a:rPr lang="zh-TW" altLang="en-US" dirty="0"/>
+              <a:t> </a:t>
+            </a:r>
+            <a:r>
+              <a:rPr lang="en-US" altLang="zh-TW" dirty="0"/>
+              <a:t>54</a:t>
+            </a:r>
+            <a:r>
+              <a:rPr lang="zh-TW" altLang="en-US" dirty="0"/>
+              <a:t>，可能有點太短</a:t>
+            </a:r>
+          </a:p>
+        </p:txBody>
+      </p:sp>
+    </p:spTree>
+    <p:extLst>
+      <p:ext uri="{BB962C8B-B14F-4D97-AF65-F5344CB8AC3E}">
+        <p14:creationId xmlns:p14="http://schemas.microsoft.com/office/powerpoint/2010/main" val="4109430653"/>
+      </p:ext>
+    </p:extLst>
+  </p:cSld>
+  <p:clrMapOvr>
+    <a:masterClrMapping/>
+  </p:clrMapOvr>
+</p:sld>
+</file>
+
+<file path=ppt/slides/slide15.xml><?xml version="1.0" encoding="utf-8"?>
+<p:sld xmlns:a="http://schemas.openxmlformats.org/drawingml/2006/main" xmlns:r="http://schemas.openxmlformats.org/officeDocument/2006/relationships" xmlns:p="http://schemas.openxmlformats.org/presentationml/2006/main">
+  <p:cSld>
+    <p:spTree>
+      <p:nvGrpSpPr>
+        <p:cNvPr id="1" name=""/>
+        <p:cNvGrpSpPr/>
+        <p:nvPr/>
+      </p:nvGrpSpPr>
+      <p:grpSpPr>
+        <a:xfrm>
+          <a:off x="0" y="0"/>
+          <a:ext cx="0" cy="0"/>
+          <a:chOff x="0" y="0"/>
+          <a:chExt cx="0" cy="0"/>
+        </a:xfrm>
+      </p:grpSpPr>
+      <p:pic>
+        <p:nvPicPr>
+          <p:cNvPr id="5" name="圖片 4">
+            <a:extLst>
+              <a:ext uri="{FF2B5EF4-FFF2-40B4-BE49-F238E27FC236}">
+                <a16:creationId xmlns:a16="http://schemas.microsoft.com/office/drawing/2014/main" id="{E7C93586-C2F6-F179-2FA0-DD37811C5AC3}"/>
+              </a:ext>
+            </a:extLst>
+          </p:cNvPr>
+          <p:cNvPicPr>
+            <a:picLocks noChangeAspect="1"/>
+          </p:cNvPicPr>
+          <p:nvPr/>
+        </p:nvPicPr>
+        <p:blipFill>
+          <a:blip r:embed="rId2"/>
+          <a:stretch>
+            <a:fillRect/>
+          </a:stretch>
+        </p:blipFill>
+        <p:spPr>
+          <a:xfrm>
+            <a:off x="0" y="2033825"/>
+            <a:ext cx="12192000" cy="4066700"/>
+          </a:xfrm>
+          <a:prstGeom prst="rect">
+            <a:avLst/>
+          </a:prstGeom>
+        </p:spPr>
+      </p:pic>
+      <p:sp>
+        <p:nvSpPr>
+          <p:cNvPr id="6" name="文字方塊 5">
+            <a:extLst>
+              <a:ext uri="{FF2B5EF4-FFF2-40B4-BE49-F238E27FC236}">
+                <a16:creationId xmlns:a16="http://schemas.microsoft.com/office/drawing/2014/main" id="{8F8475D4-586A-8645-11E9-A854CE0E77CC}"/>
+              </a:ext>
+            </a:extLst>
+          </p:cNvPr>
+          <p:cNvSpPr txBox="1"/>
+          <p:nvPr/>
+        </p:nvSpPr>
+        <p:spPr>
+          <a:xfrm>
+            <a:off x="238539" y="198783"/>
+            <a:ext cx="1385316" cy="646331"/>
+          </a:xfrm>
+          <a:prstGeom prst="rect">
+            <a:avLst/>
+          </a:prstGeom>
+          <a:noFill/>
+        </p:spPr>
+        <p:txBody>
+          <a:bodyPr wrap="none" rtlCol="0">
+            <a:spAutoFit/>
+          </a:bodyPr>
+          <a:lstStyle/>
+          <a:p>
+            <a:r>
+              <a:rPr lang="en-US" altLang="zh-TW" u="sng" dirty="0"/>
+              <a:t>No PU</a:t>
+            </a:r>
+            <a:r>
+              <a:rPr lang="zh-TW" altLang="en-US" u="sng" dirty="0"/>
+              <a:t> 版本</a:t>
+            </a:r>
+            <a:r>
+              <a:rPr lang="en-US" altLang="zh-TW" u="sng" dirty="0"/>
+              <a:t>:</a:t>
+            </a:r>
+          </a:p>
+          <a:p>
+            <a:r>
+              <a:rPr lang="en-US" altLang="zh-TW" u="sng" dirty="0"/>
+              <a:t>WREG</a:t>
+            </a:r>
+            <a:endParaRPr lang="zh-TW" altLang="en-US" u="sng" dirty="0"/>
+          </a:p>
+        </p:txBody>
+      </p:sp>
+      <p:sp>
+        <p:nvSpPr>
+          <p:cNvPr id="7" name="文字方塊 6">
+            <a:extLst>
+              <a:ext uri="{FF2B5EF4-FFF2-40B4-BE49-F238E27FC236}">
+                <a16:creationId xmlns:a16="http://schemas.microsoft.com/office/drawing/2014/main" id="{81D99389-EA23-D297-71AE-59970217B916}"/>
+              </a:ext>
+            </a:extLst>
+          </p:cNvPr>
+          <p:cNvSpPr txBox="1"/>
+          <p:nvPr/>
+        </p:nvSpPr>
+        <p:spPr>
+          <a:xfrm>
+            <a:off x="447675" y="1362075"/>
+            <a:ext cx="5507149" cy="369332"/>
+          </a:xfrm>
+          <a:prstGeom prst="rect">
+            <a:avLst/>
+          </a:prstGeom>
+          <a:noFill/>
+        </p:spPr>
+        <p:txBody>
+          <a:bodyPr wrap="none" rtlCol="0">
+            <a:spAutoFit/>
+          </a:bodyPr>
+          <a:lstStyle/>
+          <a:p>
+            <a:r>
+              <a:rPr lang="zh-TW" altLang="en-US" dirty="0"/>
+              <a:t>測試多塞幾個</a:t>
+            </a:r>
+            <a:r>
+              <a:rPr lang="en-US" altLang="zh-TW" dirty="0"/>
+              <a:t>STOP</a:t>
+            </a:r>
+            <a:r>
+              <a:rPr lang="zh-TW" altLang="en-US" dirty="0"/>
+              <a:t> </a:t>
+            </a:r>
+            <a:r>
+              <a:rPr lang="en-US" altLang="zh-TW" dirty="0"/>
+              <a:t>(31</a:t>
+            </a:r>
+            <a:r>
+              <a:rPr lang="zh-TW" altLang="en-US" dirty="0"/>
+              <a:t> </a:t>
+            </a:r>
+            <a:r>
+              <a:rPr lang="en-US" altLang="zh-TW" dirty="0"/>
+              <a:t>~</a:t>
+            </a:r>
+            <a:r>
+              <a:rPr lang="zh-TW" altLang="en-US" dirty="0"/>
+              <a:t> </a:t>
+            </a:r>
+            <a:r>
+              <a:rPr lang="en-US" altLang="zh-TW" dirty="0"/>
+              <a:t>35)</a:t>
+            </a:r>
+            <a:r>
+              <a:rPr lang="zh-TW" altLang="en-US" dirty="0"/>
+              <a:t>，</a:t>
+            </a:r>
+            <a:r>
+              <a:rPr lang="en-US" altLang="zh-TW" dirty="0"/>
+              <a:t>FINISH</a:t>
+            </a:r>
+            <a:r>
+              <a:rPr lang="zh-TW" altLang="en-US" dirty="0"/>
+              <a:t> 延長時間至 </a:t>
+            </a:r>
+            <a:r>
+              <a:rPr lang="en-US" altLang="zh-TW" dirty="0"/>
+              <a:t>66</a:t>
+            </a:r>
+            <a:r>
+              <a:rPr lang="zh-TW" altLang="en-US" dirty="0"/>
+              <a:t>   </a:t>
+            </a:r>
+          </a:p>
+        </p:txBody>
+      </p:sp>
+    </p:spTree>
+    <p:extLst>
+      <p:ext uri="{BB962C8B-B14F-4D97-AF65-F5344CB8AC3E}">
+        <p14:creationId xmlns:p14="http://schemas.microsoft.com/office/powerpoint/2010/main" val="2073933708"/>
+      </p:ext>
+    </p:extLst>
+  </p:cSld>
+  <p:clrMapOvr>
+    <a:masterClrMapping/>
+  </p:clrMapOvr>
+</p:sld>
+</file>
+
+<file path=ppt/slides/slide16.xml><?xml version="1.0" encoding="utf-8"?>
+<p:sld xmlns:a="http://schemas.openxmlformats.org/drawingml/2006/main" xmlns:r="http://schemas.openxmlformats.org/officeDocument/2006/relationships" xmlns:p="http://schemas.openxmlformats.org/presentationml/2006/main">
+  <p:cSld>
+    <p:spTree>
+      <p:nvGrpSpPr>
+        <p:cNvPr id="1" name=""/>
+        <p:cNvGrpSpPr/>
+        <p:nvPr/>
+      </p:nvGrpSpPr>
+      <p:grpSpPr>
+        <a:xfrm>
+          <a:off x="0" y="0"/>
+          <a:ext cx="0" cy="0"/>
+          <a:chOff x="0" y="0"/>
+          <a:chExt cx="0" cy="0"/>
+        </a:xfrm>
+      </p:grpSpPr>
+      <p:sp>
+        <p:nvSpPr>
+          <p:cNvPr id="4" name="文字方塊 3">
+            <a:extLst>
+              <a:ext uri="{FF2B5EF4-FFF2-40B4-BE49-F238E27FC236}">
+                <a16:creationId xmlns:a16="http://schemas.microsoft.com/office/drawing/2014/main" id="{FB0B6D47-00D1-ACF8-7882-E2957867C6F4}"/>
+              </a:ext>
+            </a:extLst>
+          </p:cNvPr>
+          <p:cNvSpPr txBox="1"/>
+          <p:nvPr/>
+        </p:nvSpPr>
+        <p:spPr>
+          <a:xfrm>
+            <a:off x="238539" y="198783"/>
+            <a:ext cx="3435364" cy="646331"/>
+          </a:xfrm>
+          <a:prstGeom prst="rect">
+            <a:avLst/>
+          </a:prstGeom>
+          <a:noFill/>
+        </p:spPr>
+        <p:txBody>
+          <a:bodyPr wrap="none" rtlCol="0">
+            <a:spAutoFit/>
+          </a:bodyPr>
+          <a:lstStyle/>
+          <a:p>
+            <a:r>
+              <a:rPr lang="en-US" altLang="zh-TW" u="sng" dirty="0"/>
+              <a:t>No PU</a:t>
+            </a:r>
+            <a:r>
+              <a:rPr lang="zh-TW" altLang="en-US" u="sng" dirty="0"/>
+              <a:t> 版本，新增</a:t>
+            </a:r>
+            <a:r>
+              <a:rPr lang="en-US" altLang="zh-TW" dirty="0"/>
+              <a:t>WAIT_FINISH </a:t>
+            </a:r>
+            <a:r>
+              <a:rPr lang="en-US" altLang="zh-TW" u="sng" dirty="0"/>
+              <a:t>:</a:t>
+            </a:r>
+          </a:p>
+          <a:p>
+            <a:r>
+              <a:rPr lang="en-US" altLang="zh-TW" u="sng" dirty="0"/>
+              <a:t>WREG</a:t>
+            </a:r>
+            <a:endParaRPr lang="zh-TW" altLang="en-US" u="sng" dirty="0"/>
+          </a:p>
+        </p:txBody>
+      </p:sp>
+      <p:sp>
+        <p:nvSpPr>
+          <p:cNvPr id="5" name="文字方塊 4">
+            <a:extLst>
+              <a:ext uri="{FF2B5EF4-FFF2-40B4-BE49-F238E27FC236}">
+                <a16:creationId xmlns:a16="http://schemas.microsoft.com/office/drawing/2014/main" id="{70BF5357-B76B-D33D-C81B-468F15661829}"/>
+              </a:ext>
+            </a:extLst>
+          </p:cNvPr>
+          <p:cNvSpPr txBox="1"/>
+          <p:nvPr/>
+        </p:nvSpPr>
+        <p:spPr>
+          <a:xfrm>
+            <a:off x="588851" y="1312379"/>
+            <a:ext cx="7126951" cy="646331"/>
+          </a:xfrm>
+          <a:prstGeom prst="rect">
+            <a:avLst/>
+          </a:prstGeom>
+          <a:noFill/>
+        </p:spPr>
+        <p:txBody>
+          <a:bodyPr wrap="none" rtlCol="0">
+            <a:spAutoFit/>
+          </a:bodyPr>
+          <a:lstStyle/>
+          <a:p>
+            <a:r>
+              <a:rPr lang="zh-TW" altLang="en-US" dirty="0"/>
+              <a:t>新增第</a:t>
+            </a:r>
+            <a:r>
+              <a:rPr lang="en-US" altLang="zh-TW" dirty="0"/>
+              <a:t>32</a:t>
+            </a:r>
+            <a:r>
+              <a:rPr lang="zh-TW" altLang="en-US" dirty="0"/>
+              <a:t>個</a:t>
+            </a:r>
+            <a:r>
+              <a:rPr lang="en-US" altLang="zh-TW" dirty="0"/>
+              <a:t>state WAIT_FINISH: finish </a:t>
+            </a:r>
+            <a:r>
+              <a:rPr lang="zh-TW" altLang="en-US" dirty="0"/>
+              <a:t>在 </a:t>
+            </a:r>
+            <a:r>
+              <a:rPr lang="en-US" altLang="zh-TW" dirty="0"/>
+              <a:t>STOP</a:t>
+            </a:r>
+            <a:r>
+              <a:rPr lang="zh-TW" altLang="en-US" dirty="0"/>
+              <a:t> 跳起，同時更新數據</a:t>
+            </a:r>
+            <a:r>
+              <a:rPr lang="en-US" altLang="zh-TW" dirty="0"/>
+              <a:t> </a:t>
+            </a:r>
+          </a:p>
+          <a:p>
+            <a:endParaRPr lang="zh-TW" altLang="en-US" dirty="0"/>
+          </a:p>
+        </p:txBody>
+      </p:sp>
+      <p:pic>
+        <p:nvPicPr>
+          <p:cNvPr id="7" name="圖片 6">
+            <a:extLst>
+              <a:ext uri="{FF2B5EF4-FFF2-40B4-BE49-F238E27FC236}">
+                <a16:creationId xmlns:a16="http://schemas.microsoft.com/office/drawing/2014/main" id="{106AFC59-DDDF-A1AC-1217-EE00AEC79FC9}"/>
+              </a:ext>
+            </a:extLst>
+          </p:cNvPr>
+          <p:cNvPicPr>
+            <a:picLocks noChangeAspect="1"/>
+          </p:cNvPicPr>
+          <p:nvPr/>
+        </p:nvPicPr>
+        <p:blipFill>
+          <a:blip r:embed="rId2"/>
+          <a:stretch>
+            <a:fillRect/>
+          </a:stretch>
+        </p:blipFill>
+        <p:spPr>
+          <a:xfrm>
+            <a:off x="0" y="2560690"/>
+            <a:ext cx="12192000" cy="4208011"/>
+          </a:xfrm>
+          <a:prstGeom prst="rect">
+            <a:avLst/>
+          </a:prstGeom>
+        </p:spPr>
+      </p:pic>
+      <p:cxnSp>
+        <p:nvCxnSpPr>
+          <p:cNvPr id="9" name="直線單箭頭接點 8">
+            <a:extLst>
+              <a:ext uri="{FF2B5EF4-FFF2-40B4-BE49-F238E27FC236}">
+                <a16:creationId xmlns:a16="http://schemas.microsoft.com/office/drawing/2014/main" id="{CC8FB2EE-0CD4-61F9-C2A1-923BE63A8A42}"/>
+              </a:ext>
+            </a:extLst>
+          </p:cNvPr>
+          <p:cNvCxnSpPr>
+            <a:cxnSpLocks/>
+          </p:cNvCxnSpPr>
+          <p:nvPr/>
+        </p:nvCxnSpPr>
+        <p:spPr>
+          <a:xfrm>
+            <a:off x="10401300" y="2237524"/>
+            <a:ext cx="0" cy="3934676"/>
+          </a:xfrm>
+          <a:prstGeom prst="straightConnector1">
+            <a:avLst/>
+          </a:prstGeom>
+          <a:ln>
+            <a:prstDash val="dash"/>
+            <a:tailEnd type="triangle"/>
+          </a:ln>
+        </p:spPr>
+        <p:style>
+          <a:lnRef idx="2">
+            <a:schemeClr val="accent1"/>
+          </a:lnRef>
+          <a:fillRef idx="0">
+            <a:schemeClr val="accent1"/>
+          </a:fillRef>
+          <a:effectRef idx="1">
+            <a:schemeClr val="accent1"/>
+          </a:effectRef>
+          <a:fontRef idx="minor">
+            <a:schemeClr val="tx1"/>
+          </a:fontRef>
+        </p:style>
+      </p:cxnSp>
+      <p:cxnSp>
+        <p:nvCxnSpPr>
+          <p:cNvPr id="12" name="直線單箭頭接點 11">
+            <a:extLst>
+              <a:ext uri="{FF2B5EF4-FFF2-40B4-BE49-F238E27FC236}">
+                <a16:creationId xmlns:a16="http://schemas.microsoft.com/office/drawing/2014/main" id="{8E466864-3C99-AF0B-D15A-DE76E8647507}"/>
+              </a:ext>
+            </a:extLst>
+          </p:cNvPr>
+          <p:cNvCxnSpPr>
+            <a:cxnSpLocks/>
+          </p:cNvCxnSpPr>
+          <p:nvPr/>
+        </p:nvCxnSpPr>
+        <p:spPr>
+          <a:xfrm>
+            <a:off x="11468100" y="2237524"/>
+            <a:ext cx="0" cy="3934676"/>
+          </a:xfrm>
+          <a:prstGeom prst="straightConnector1">
+            <a:avLst/>
+          </a:prstGeom>
+          <a:ln>
+            <a:prstDash val="dash"/>
+            <a:tailEnd type="triangle"/>
+          </a:ln>
+        </p:spPr>
+        <p:style>
+          <a:lnRef idx="2">
+            <a:schemeClr val="accent1"/>
+          </a:lnRef>
+          <a:fillRef idx="0">
+            <a:schemeClr val="accent1"/>
+          </a:fillRef>
+          <a:effectRef idx="1">
+            <a:schemeClr val="accent1"/>
+          </a:effectRef>
+          <a:fontRef idx="minor">
+            <a:schemeClr val="tx1"/>
+          </a:fontRef>
+        </p:style>
+      </p:cxnSp>
+    </p:spTree>
+    <p:extLst>
+      <p:ext uri="{BB962C8B-B14F-4D97-AF65-F5344CB8AC3E}">
+        <p14:creationId xmlns:p14="http://schemas.microsoft.com/office/powerpoint/2010/main" val="622114888"/>
+      </p:ext>
+    </p:extLst>
+  </p:cSld>
+  <p:clrMapOvr>
+    <a:masterClrMapping/>
+  </p:clrMapOvr>
+</p:sld>
+</file>
+
+<file path=ppt/slides/slide17.xml><?xml version="1.0" encoding="utf-8"?>
+<p:sld xmlns:a="http://schemas.openxmlformats.org/drawingml/2006/main" xmlns:r="http://schemas.openxmlformats.org/officeDocument/2006/relationships" xmlns:p="http://schemas.openxmlformats.org/presentationml/2006/main">
+  <p:cSld>
+    <p:spTree>
+      <p:nvGrpSpPr>
+        <p:cNvPr id="1" name=""/>
+        <p:cNvGrpSpPr/>
+        <p:nvPr/>
+      </p:nvGrpSpPr>
+      <p:grpSpPr>
+        <a:xfrm>
+          <a:off x="0" y="0"/>
+          <a:ext cx="0" cy="0"/>
+          <a:chOff x="0" y="0"/>
+          <a:chExt cx="0" cy="0"/>
+        </a:xfrm>
+      </p:grpSpPr>
+      <p:pic>
+        <p:nvPicPr>
+          <p:cNvPr id="5" name="內容版面配置區 4">
+            <a:extLst>
+              <a:ext uri="{FF2B5EF4-FFF2-40B4-BE49-F238E27FC236}">
+                <a16:creationId xmlns:a16="http://schemas.microsoft.com/office/drawing/2014/main" id="{C1F2B40C-CB01-6175-4D29-3606A15D4350}"/>
+              </a:ext>
+            </a:extLst>
+          </p:cNvPr>
+          <p:cNvPicPr>
+            <a:picLocks noGrp="1" noChangeAspect="1"/>
+          </p:cNvPicPr>
+          <p:nvPr>
+            <p:ph idx="1"/>
+          </p:nvPr>
+        </p:nvPicPr>
+        <p:blipFill>
+          <a:blip r:embed="rId2"/>
+          <a:stretch>
+            <a:fillRect/>
+          </a:stretch>
+        </p:blipFill>
+        <p:spPr>
+          <a:xfrm>
+            <a:off x="0" y="1119946"/>
+            <a:ext cx="12060245" cy="5022436"/>
+          </a:xfrm>
+        </p:spPr>
+      </p:pic>
+      <p:sp>
+        <p:nvSpPr>
+          <p:cNvPr id="6" name="文字方塊 5">
+            <a:extLst>
+              <a:ext uri="{FF2B5EF4-FFF2-40B4-BE49-F238E27FC236}">
+                <a16:creationId xmlns:a16="http://schemas.microsoft.com/office/drawing/2014/main" id="{2D284C43-F57E-6B2F-D870-15CD137B3DF9}"/>
+              </a:ext>
+            </a:extLst>
+          </p:cNvPr>
+          <p:cNvSpPr txBox="1"/>
+          <p:nvPr/>
+        </p:nvSpPr>
+        <p:spPr>
+          <a:xfrm>
+            <a:off x="238539" y="198783"/>
+            <a:ext cx="3435364" cy="646331"/>
+          </a:xfrm>
+          <a:prstGeom prst="rect">
+            <a:avLst/>
+          </a:prstGeom>
+          <a:noFill/>
+        </p:spPr>
+        <p:txBody>
+          <a:bodyPr wrap="none" rtlCol="0">
+            <a:spAutoFit/>
+          </a:bodyPr>
+          <a:lstStyle/>
+          <a:p>
+            <a:r>
+              <a:rPr lang="en-US" altLang="zh-TW" u="sng" dirty="0"/>
+              <a:t>No PU</a:t>
+            </a:r>
+            <a:r>
+              <a:rPr lang="zh-TW" altLang="en-US" u="sng" dirty="0"/>
+              <a:t> 版本，新增</a:t>
+            </a:r>
+            <a:r>
+              <a:rPr lang="en-US" altLang="zh-TW" dirty="0"/>
+              <a:t>WAIT_FINISH </a:t>
+            </a:r>
+            <a:r>
+              <a:rPr lang="en-US" altLang="zh-TW" u="sng" dirty="0"/>
+              <a:t>:</a:t>
+            </a:r>
+          </a:p>
+          <a:p>
+            <a:r>
+              <a:rPr lang="en-US" altLang="zh-TW" u="sng" dirty="0"/>
+              <a:t>WREG</a:t>
+            </a:r>
+            <a:endParaRPr lang="zh-TW" altLang="en-US" u="sng" dirty="0"/>
+          </a:p>
+        </p:txBody>
+      </p:sp>
+      <p:sp>
+        <p:nvSpPr>
+          <p:cNvPr id="7" name="文字方塊 6">
+            <a:extLst>
+              <a:ext uri="{FF2B5EF4-FFF2-40B4-BE49-F238E27FC236}">
+                <a16:creationId xmlns:a16="http://schemas.microsoft.com/office/drawing/2014/main" id="{60DAC2C5-ED33-A399-4E43-3589A97B1D19}"/>
+              </a:ext>
+            </a:extLst>
+          </p:cNvPr>
+          <p:cNvSpPr txBox="1"/>
+          <p:nvPr/>
+        </p:nvSpPr>
+        <p:spPr>
+          <a:xfrm>
+            <a:off x="6096000" y="4846372"/>
+            <a:ext cx="613630" cy="369332"/>
+          </a:xfrm>
+          <a:prstGeom prst="rect">
+            <a:avLst/>
+          </a:prstGeom>
+          <a:noFill/>
+        </p:spPr>
+        <p:txBody>
+          <a:bodyPr wrap="none" rtlCol="0">
+            <a:spAutoFit/>
+          </a:bodyPr>
+          <a:lstStyle/>
+          <a:p>
+            <a:r>
+              <a:rPr lang="en-US" altLang="zh-TW" dirty="0">
+                <a:solidFill>
+                  <a:srgbClr val="00B050"/>
+                </a:solidFill>
+              </a:rPr>
+              <a:t>REG</a:t>
+            </a:r>
+            <a:endParaRPr lang="zh-TW" altLang="en-US" dirty="0">
+              <a:solidFill>
+                <a:srgbClr val="00B050"/>
+              </a:solidFill>
+            </a:endParaRPr>
+          </a:p>
+        </p:txBody>
+      </p:sp>
+      <p:sp>
+        <p:nvSpPr>
+          <p:cNvPr id="8" name="文字方塊 7">
+            <a:extLst>
+              <a:ext uri="{FF2B5EF4-FFF2-40B4-BE49-F238E27FC236}">
+                <a16:creationId xmlns:a16="http://schemas.microsoft.com/office/drawing/2014/main" id="{EBF56244-9319-76C8-DB5A-A99B746004AC}"/>
+              </a:ext>
+            </a:extLst>
+          </p:cNvPr>
+          <p:cNvSpPr txBox="1"/>
+          <p:nvPr/>
+        </p:nvSpPr>
+        <p:spPr>
+          <a:xfrm>
+            <a:off x="6620944" y="4289026"/>
+            <a:ext cx="740267" cy="369332"/>
+          </a:xfrm>
+          <a:prstGeom prst="rect">
+            <a:avLst/>
+          </a:prstGeom>
+          <a:noFill/>
+        </p:spPr>
+        <p:txBody>
+          <a:bodyPr wrap="none" rtlCol="0">
+            <a:spAutoFit/>
+          </a:bodyPr>
+          <a:lstStyle/>
+          <a:p>
+            <a:r>
+              <a:rPr lang="en-US" altLang="zh-TW" dirty="0">
+                <a:solidFill>
+                  <a:srgbClr val="00B050"/>
+                </a:solidFill>
+              </a:rPr>
+              <a:t>Value</a:t>
+            </a:r>
+            <a:endParaRPr lang="zh-TW" altLang="en-US" dirty="0">
+              <a:solidFill>
+                <a:srgbClr val="00B050"/>
+              </a:solidFill>
+            </a:endParaRPr>
+          </a:p>
+        </p:txBody>
+      </p:sp>
+    </p:spTree>
+    <p:extLst>
+      <p:ext uri="{BB962C8B-B14F-4D97-AF65-F5344CB8AC3E}">
+        <p14:creationId xmlns:p14="http://schemas.microsoft.com/office/powerpoint/2010/main" val="4090060365"/>
+      </p:ext>
+    </p:extLst>
+  </p:cSld>
+  <p:clrMapOvr>
+    <a:masterClrMapping/>
+  </p:clrMapOvr>
+</p:sld>
+</file>
+
+<file path=ppt/slides/slide18.xml><?xml version="1.0" encoding="utf-8"?>
+<p:sld xmlns:a="http://schemas.openxmlformats.org/drawingml/2006/main" xmlns:r="http://schemas.openxmlformats.org/officeDocument/2006/relationships" xmlns:p="http://schemas.openxmlformats.org/presentationml/2006/main">
+  <p:cSld>
+    <p:spTree>
+      <p:nvGrpSpPr>
         <p:cNvPr id="1" name="">
           <a:extLst>
             <a:ext uri="{FF2B5EF4-FFF2-40B4-BE49-F238E27FC236}">
-              <a16:creationId xmlns:a16="http://schemas.microsoft.com/office/drawing/2014/main" id="{2E50C558-2A26-4DE2-8FD5-662E48156DDD}"/>
+              <a16:creationId xmlns:a16="http://schemas.microsoft.com/office/drawing/2014/main" id="{2A1BEB98-44AA-2998-AC0F-C4B26838F81A}"/>
             </a:ext>
           </a:extLst>
         </p:cNvPr>
@@ -4479,12 +6119,118 @@
           <a:chExt cx="0" cy="0"/>
         </a:xfrm>
       </p:grpSpPr>
+      <p:sp>
+        <p:nvSpPr>
+          <p:cNvPr id="2" name="文字方塊 1">
+            <a:extLst>
+              <a:ext uri="{FF2B5EF4-FFF2-40B4-BE49-F238E27FC236}">
+                <a16:creationId xmlns:a16="http://schemas.microsoft.com/office/drawing/2014/main" id="{971A3AC0-A43F-BC4F-5B01-C57503DDF087}"/>
+              </a:ext>
+            </a:extLst>
+          </p:cNvPr>
+          <p:cNvSpPr txBox="1"/>
+          <p:nvPr/>
+        </p:nvSpPr>
+        <p:spPr>
+          <a:xfrm>
+            <a:off x="238539" y="198783"/>
+            <a:ext cx="1048685" cy="646331"/>
+          </a:xfrm>
+          <a:prstGeom prst="rect">
+            <a:avLst/>
+          </a:prstGeom>
+          <a:noFill/>
+        </p:spPr>
+        <p:txBody>
+          <a:bodyPr wrap="none" rtlCol="0">
+            <a:spAutoFit/>
+          </a:bodyPr>
+          <a:lstStyle/>
+          <a:p>
+            <a:r>
+              <a:rPr lang="en-US" altLang="zh-TW" u="sng" dirty="0"/>
+              <a:t>PU</a:t>
+            </a:r>
+            <a:r>
+              <a:rPr lang="zh-TW" altLang="en-US" u="sng" dirty="0"/>
+              <a:t> 版本</a:t>
+            </a:r>
+            <a:r>
+              <a:rPr lang="en-US" altLang="zh-TW" u="sng" dirty="0"/>
+              <a:t>:</a:t>
+            </a:r>
+          </a:p>
+          <a:p>
+            <a:r>
+              <a:rPr lang="en-US" altLang="zh-TW" u="sng" dirty="0"/>
+              <a:t>RREG</a:t>
+            </a:r>
+            <a:endParaRPr lang="zh-TW" altLang="en-US" u="sng" dirty="0"/>
+          </a:p>
+        </p:txBody>
+      </p:sp>
+      <p:sp>
+        <p:nvSpPr>
+          <p:cNvPr id="3" name="文字方塊 2">
+            <a:extLst>
+              <a:ext uri="{FF2B5EF4-FFF2-40B4-BE49-F238E27FC236}">
+                <a16:creationId xmlns:a16="http://schemas.microsoft.com/office/drawing/2014/main" id="{E6F46F27-AB2A-ACEE-8BFF-BE24299C120D}"/>
+              </a:ext>
+            </a:extLst>
+          </p:cNvPr>
+          <p:cNvSpPr txBox="1"/>
+          <p:nvPr/>
+        </p:nvSpPr>
+        <p:spPr>
+          <a:xfrm>
+            <a:off x="457200" y="1143000"/>
+            <a:ext cx="2699778" cy="369332"/>
+          </a:xfrm>
+          <a:prstGeom prst="rect">
+            <a:avLst/>
+          </a:prstGeom>
+          <a:noFill/>
+        </p:spPr>
+        <p:txBody>
+          <a:bodyPr wrap="none" rtlCol="0">
+            <a:spAutoFit/>
+          </a:bodyPr>
+          <a:lstStyle/>
+          <a:p>
+            <a:r>
+              <a:rPr lang="zh-TW" altLang="en-US" dirty="0"/>
+              <a:t>總寫入時間 </a:t>
+            </a:r>
+            <a:r>
+              <a:rPr lang="en-US" altLang="zh-TW" dirty="0"/>
+              <a:t>~</a:t>
+            </a:r>
+            <a:r>
+              <a:rPr lang="zh-TW" altLang="en-US" dirty="0"/>
+              <a:t> </a:t>
+            </a:r>
+            <a:r>
+              <a:rPr lang="en-US" altLang="zh-TW" dirty="0"/>
+              <a:t>43 *</a:t>
+            </a:r>
+            <a:r>
+              <a:rPr lang="zh-TW" altLang="en-US" dirty="0"/>
+              <a:t> </a:t>
+            </a:r>
+            <a:r>
+              <a:rPr lang="en-US" altLang="zh-TW" dirty="0"/>
+              <a:t>i2c_clk</a:t>
+            </a:r>
+            <a:endParaRPr lang="zh-TW" altLang="en-US" dirty="0"/>
+          </a:p>
+        </p:txBody>
+      </p:sp>
       <p:pic>
         <p:nvPicPr>
-          <p:cNvPr id="9" name="圖片 8">
-            <a:extLst>
-              <a:ext uri="{FF2B5EF4-FFF2-40B4-BE49-F238E27FC236}">
-                <a16:creationId xmlns:a16="http://schemas.microsoft.com/office/drawing/2014/main" id="{13F917A5-0857-DCEA-BE42-42B655AC70A5}"/>
+          <p:cNvPr id="7" name="圖片 6">
+            <a:extLst>
+              <a:ext uri="{FF2B5EF4-FFF2-40B4-BE49-F238E27FC236}">
+                <a16:creationId xmlns:a16="http://schemas.microsoft.com/office/drawing/2014/main" id="{37432123-0057-0554-2707-F4C3DB73B5AA}"/>
               </a:ext>
             </a:extLst>
           </p:cNvPr>
@@ -4501,8 +6247,8 @@
         </p:blipFill>
         <p:spPr>
           <a:xfrm>
-            <a:off x="0" y="647414"/>
-            <a:ext cx="12192000" cy="3327571"/>
+            <a:off x="0" y="1943582"/>
+            <a:ext cx="12192000" cy="2970835"/>
           </a:xfrm>
           <a:prstGeom prst="rect">
             <a:avLst/>
@@ -4511,193 +6257,10 @@
       </p:pic>
       <p:sp>
         <p:nvSpPr>
-          <p:cNvPr id="2" name="文字方塊 1">
-            <a:extLst>
-              <a:ext uri="{FF2B5EF4-FFF2-40B4-BE49-F238E27FC236}">
-                <a16:creationId xmlns:a16="http://schemas.microsoft.com/office/drawing/2014/main" id="{750CC8EE-8C03-4D9C-0372-C6E5C4EA9225}"/>
-              </a:ext>
-            </a:extLst>
-          </p:cNvPr>
-          <p:cNvSpPr txBox="1"/>
-          <p:nvPr/>
-        </p:nvSpPr>
-        <p:spPr>
-          <a:xfrm>
-            <a:off x="132936" y="151512"/>
-            <a:ext cx="1162626" cy="369332"/>
-          </a:xfrm>
-          <a:prstGeom prst="rect">
-            <a:avLst/>
-          </a:prstGeom>
-          <a:noFill/>
-        </p:spPr>
-        <p:txBody>
-          <a:bodyPr wrap="none" rtlCol="0">
-            <a:spAutoFit/>
-          </a:bodyPr>
-          <a:lstStyle/>
-          <a:p>
-            <a:r>
-              <a:rPr lang="en-US" altLang="zh-TW" u="sng" dirty="0"/>
-              <a:t>Write Test</a:t>
-            </a:r>
-            <a:endParaRPr lang="zh-TW" altLang="en-US" u="sng" dirty="0"/>
-          </a:p>
-        </p:txBody>
-      </p:sp>
-      <p:sp>
-        <p:nvSpPr>
-          <p:cNvPr id="3" name="文字方塊 2">
-            <a:extLst>
-              <a:ext uri="{FF2B5EF4-FFF2-40B4-BE49-F238E27FC236}">
-                <a16:creationId xmlns:a16="http://schemas.microsoft.com/office/drawing/2014/main" id="{DEF5250F-DE09-085E-F42D-9C2E8E31AB3B}"/>
-              </a:ext>
-            </a:extLst>
-          </p:cNvPr>
-          <p:cNvSpPr txBox="1"/>
-          <p:nvPr/>
-        </p:nvSpPr>
-        <p:spPr>
-          <a:xfrm>
-            <a:off x="221673" y="4284950"/>
-            <a:ext cx="4511748" cy="830997"/>
-          </a:xfrm>
-          <a:prstGeom prst="rect">
-            <a:avLst/>
-          </a:prstGeom>
-          <a:noFill/>
-        </p:spPr>
-        <p:txBody>
-          <a:bodyPr wrap="none" rtlCol="0">
-            <a:spAutoFit/>
-          </a:bodyPr>
-          <a:lstStyle/>
-          <a:p>
-            <a:pPr marL="342900" indent="-342900">
-              <a:buAutoNum type="arabicPeriod"/>
-            </a:pPr>
-            <a:r>
-              <a:rPr lang="en-US" altLang="zh-TW" sz="1600" dirty="0">
-                <a:latin typeface="微軟正黑體" panose="020B0604030504040204" pitchFamily="34" charset="-120"/>
-                <a:ea typeface="微軟正黑體" panose="020B0604030504040204" pitchFamily="34" charset="-120"/>
-              </a:rPr>
-              <a:t>SM</a:t>
-            </a:r>
-            <a:r>
-              <a:rPr lang="zh-TW" altLang="en-US" sz="1600" dirty="0">
-                <a:latin typeface="微軟正黑體" panose="020B0604030504040204" pitchFamily="34" charset="-120"/>
-                <a:ea typeface="微軟正黑體" panose="020B0604030504040204" pitchFamily="34" charset="-120"/>
-              </a:rPr>
-              <a:t>變化如寫狀態之變遷圖</a:t>
-            </a:r>
-            <a:endParaRPr lang="en-US" altLang="zh-TW" sz="1600" dirty="0">
-              <a:latin typeface="微軟正黑體" panose="020B0604030504040204" pitchFamily="34" charset="-120"/>
-              <a:ea typeface="微軟正黑體" panose="020B0604030504040204" pitchFamily="34" charset="-120"/>
-            </a:endParaRPr>
-          </a:p>
-          <a:p>
-            <a:pPr marL="342900" indent="-342900">
-              <a:buAutoNum type="arabicPeriod"/>
-            </a:pPr>
-            <a:r>
-              <a:rPr lang="en-US" altLang="zh-TW" sz="1600" dirty="0">
-                <a:latin typeface="微軟正黑體" panose="020B0604030504040204" pitchFamily="34" charset="-120"/>
-                <a:ea typeface="微軟正黑體" panose="020B0604030504040204" pitchFamily="34" charset="-120"/>
-              </a:rPr>
-              <a:t>START</a:t>
-            </a:r>
-            <a:r>
-              <a:rPr lang="zh-TW" altLang="en-US" sz="1600" dirty="0">
-                <a:latin typeface="微軟正黑體" panose="020B0604030504040204" pitchFamily="34" charset="-120"/>
-                <a:ea typeface="微軟正黑體" panose="020B0604030504040204" pitchFamily="34" charset="-120"/>
-              </a:rPr>
-              <a:t>與</a:t>
-            </a:r>
-            <a:r>
-              <a:rPr lang="en-US" altLang="zh-TW" sz="1600" dirty="0">
-                <a:latin typeface="微軟正黑體" panose="020B0604030504040204" pitchFamily="34" charset="-120"/>
-                <a:ea typeface="微軟正黑體" panose="020B0604030504040204" pitchFamily="34" charset="-120"/>
-              </a:rPr>
-              <a:t>STOP</a:t>
-            </a:r>
-            <a:r>
-              <a:rPr lang="zh-TW" altLang="en-US" sz="1600" dirty="0">
-                <a:latin typeface="微軟正黑體" panose="020B0604030504040204" pitchFamily="34" charset="-120"/>
-                <a:ea typeface="微軟正黑體" panose="020B0604030504040204" pitchFamily="34" charset="-120"/>
-              </a:rPr>
-              <a:t>有成功顯示</a:t>
-            </a:r>
-            <a:endParaRPr lang="en-US" altLang="zh-TW" sz="1600" dirty="0">
-              <a:latin typeface="微軟正黑體" panose="020B0604030504040204" pitchFamily="34" charset="-120"/>
-              <a:ea typeface="微軟正黑體" panose="020B0604030504040204" pitchFamily="34" charset="-120"/>
-            </a:endParaRPr>
-          </a:p>
-          <a:p>
-            <a:pPr marL="342900" indent="-342900">
-              <a:buAutoNum type="arabicPeriod"/>
-            </a:pPr>
-            <a:r>
-              <a:rPr lang="en-US" altLang="zh-TW" sz="1600" dirty="0">
-                <a:latin typeface="微軟正黑體" panose="020B0604030504040204" pitchFamily="34" charset="-120"/>
-                <a:ea typeface="微軟正黑體" panose="020B0604030504040204" pitchFamily="34" charset="-120"/>
-              </a:rPr>
-              <a:t>Finish</a:t>
-            </a:r>
-            <a:r>
-              <a:rPr lang="zh-TW" altLang="en-US" sz="1600" dirty="0">
-                <a:latin typeface="微軟正黑體" panose="020B0604030504040204" pitchFamily="34" charset="-120"/>
-                <a:ea typeface="微軟正黑體" panose="020B0604030504040204" pitchFamily="34" charset="-120"/>
-              </a:rPr>
-              <a:t>在</a:t>
-            </a:r>
-            <a:r>
-              <a:rPr lang="en-US" altLang="zh-TW" sz="1600" dirty="0">
-                <a:latin typeface="微軟正黑體" panose="020B0604030504040204" pitchFamily="34" charset="-120"/>
-                <a:ea typeface="微軟正黑體" panose="020B0604030504040204" pitchFamily="34" charset="-120"/>
-              </a:rPr>
-              <a:t>State 15(READ_ACK7)</a:t>
-            </a:r>
-            <a:r>
-              <a:rPr lang="zh-TW" altLang="en-US" sz="1600" dirty="0">
-                <a:latin typeface="微軟正黑體" panose="020B0604030504040204" pitchFamily="34" charset="-120"/>
-                <a:ea typeface="微軟正黑體" panose="020B0604030504040204" pitchFamily="34" charset="-120"/>
-              </a:rPr>
-              <a:t>跳起</a:t>
-            </a:r>
-            <a:r>
-              <a:rPr lang="en-US" altLang="zh-TW" sz="1600" dirty="0">
-                <a:latin typeface="微軟正黑體" panose="020B0604030504040204" pitchFamily="34" charset="-120"/>
-                <a:ea typeface="微軟正黑體" panose="020B0604030504040204" pitchFamily="34" charset="-120"/>
-              </a:rPr>
-              <a:t>(</a:t>
-            </a:r>
-            <a:r>
-              <a:rPr lang="zh-TW" altLang="en-US" sz="1600" dirty="0">
-                <a:latin typeface="微軟正黑體" panose="020B0604030504040204" pitchFamily="34" charset="-120"/>
-                <a:ea typeface="微軟正黑體" panose="020B0604030504040204" pitchFamily="34" charset="-120"/>
-              </a:rPr>
-              <a:t>見下頁</a:t>
-            </a:r>
-            <a:r>
-              <a:rPr lang="en-US" altLang="zh-TW" sz="1600" dirty="0">
-                <a:latin typeface="微軟正黑體" panose="020B0604030504040204" pitchFamily="34" charset="-120"/>
-                <a:ea typeface="微軟正黑體" panose="020B0604030504040204" pitchFamily="34" charset="-120"/>
-              </a:rPr>
-              <a:t>)</a:t>
-            </a:r>
-            <a:endParaRPr lang="zh-TW" altLang="en-US" sz="1600" dirty="0">
-              <a:latin typeface="微軟正黑體" panose="020B0604030504040204" pitchFamily="34" charset="-120"/>
-              <a:ea typeface="微軟正黑體" panose="020B0604030504040204" pitchFamily="34" charset="-120"/>
-            </a:endParaRPr>
-          </a:p>
-        </p:txBody>
-      </p:sp>
-      <p:sp>
-        <p:nvSpPr>
-          <p:cNvPr id="5" name="橢圓 4">
-            <a:extLst>
-              <a:ext uri="{FF2B5EF4-FFF2-40B4-BE49-F238E27FC236}">
-                <a16:creationId xmlns:a16="http://schemas.microsoft.com/office/drawing/2014/main" id="{1F9F4B05-0939-C68D-C17C-3C0D895D8AEC}"/>
+          <p:cNvPr id="6" name="橢圓 5">
+            <a:extLst>
+              <a:ext uri="{FF2B5EF4-FFF2-40B4-BE49-F238E27FC236}">
+                <a16:creationId xmlns:a16="http://schemas.microsoft.com/office/drawing/2014/main" id="{D88C4A3C-F3B3-4FB2-BF92-BF3F041B9995}"/>
               </a:ext>
             </a:extLst>
           </p:cNvPr>
@@ -4706,7 +6269,7 @@
         </p:nvSpPr>
         <p:spPr>
           <a:xfrm>
-            <a:off x="5934000" y="1303200"/>
+            <a:off x="4860850" y="3043100"/>
             <a:ext cx="324000" cy="504000"/>
           </a:xfrm>
           <a:prstGeom prst="ellipse">
@@ -4747,63 +6310,10 @@
       </p:sp>
       <p:sp>
         <p:nvSpPr>
-          <p:cNvPr id="6" name="橢圓 5">
-            <a:extLst>
-              <a:ext uri="{FF2B5EF4-FFF2-40B4-BE49-F238E27FC236}">
-                <a16:creationId xmlns:a16="http://schemas.microsoft.com/office/drawing/2014/main" id="{27FD89DC-0BC3-E769-1F6F-8B628639FB84}"/>
-              </a:ext>
-            </a:extLst>
-          </p:cNvPr>
-          <p:cNvSpPr/>
-          <p:nvPr/>
-        </p:nvSpPr>
-        <p:spPr>
-          <a:xfrm>
-            <a:off x="11774036" y="1315351"/>
-            <a:ext cx="324000" cy="504000"/>
-          </a:xfrm>
-          <a:prstGeom prst="ellipse">
-            <a:avLst/>
-          </a:prstGeom>
-          <a:noFill/>
-          <a:ln>
-            <a:solidFill>
-              <a:srgbClr val="0070C0"/>
-            </a:solidFill>
-            <a:prstDash val="sysDash"/>
-          </a:ln>
-        </p:spPr>
-        <p:style>
-          <a:lnRef idx="2">
-            <a:schemeClr val="accent1">
-              <a:shade val="15000"/>
-            </a:schemeClr>
-          </a:lnRef>
-          <a:fillRef idx="1">
-            <a:schemeClr val="accent1"/>
-          </a:fillRef>
-          <a:effectRef idx="0">
-            <a:schemeClr val="accent1"/>
-          </a:effectRef>
-          <a:fontRef idx="minor">
-            <a:schemeClr val="lt1"/>
-          </a:fontRef>
-        </p:style>
-        <p:txBody>
-          <a:bodyPr rtlCol="0" anchor="ctr"/>
-          <a:lstStyle/>
-          <a:p>
-            <a:pPr algn="ctr"/>
-            <a:endParaRPr lang="zh-TW" altLang="en-US"/>
-          </a:p>
-        </p:txBody>
-      </p:sp>
-      <p:sp>
-        <p:nvSpPr>
-          <p:cNvPr id="7" name="文字方塊 6">
-            <a:extLst>
-              <a:ext uri="{FF2B5EF4-FFF2-40B4-BE49-F238E27FC236}">
-                <a16:creationId xmlns:a16="http://schemas.microsoft.com/office/drawing/2014/main" id="{B2DEBCE0-0A12-9C6D-DA67-A443D834D04C}"/>
+          <p:cNvPr id="8" name="文字方塊 7">
+            <a:extLst>
+              <a:ext uri="{FF2B5EF4-FFF2-40B4-BE49-F238E27FC236}">
+                <a16:creationId xmlns:a16="http://schemas.microsoft.com/office/drawing/2014/main" id="{6D5465A5-B836-4FB5-31C5-7790D3EDDA5B}"/>
               </a:ext>
             </a:extLst>
           </p:cNvPr>
@@ -4812,7 +6322,7 @@
         </p:nvSpPr>
         <p:spPr>
           <a:xfrm>
-            <a:off x="5269331" y="1704644"/>
+            <a:off x="4196181" y="3362434"/>
             <a:ext cx="664669" cy="369332"/>
           </a:xfrm>
           <a:prstGeom prst="rect">
@@ -4844,574 +6354,10 @@
       </p:sp>
       <p:sp>
         <p:nvSpPr>
-          <p:cNvPr id="8" name="文字方塊 7">
-            <a:extLst>
-              <a:ext uri="{FF2B5EF4-FFF2-40B4-BE49-F238E27FC236}">
-                <a16:creationId xmlns:a16="http://schemas.microsoft.com/office/drawing/2014/main" id="{7B2D4E11-3771-4AD8-DE13-899689850953}"/>
-              </a:ext>
-            </a:extLst>
-          </p:cNvPr>
-          <p:cNvSpPr txBox="1"/>
-          <p:nvPr/>
-        </p:nvSpPr>
-        <p:spPr>
-          <a:xfrm>
-            <a:off x="11203331" y="1937784"/>
-            <a:ext cx="645177" cy="369332"/>
-          </a:xfrm>
-          <a:prstGeom prst="rect">
-            <a:avLst/>
-          </a:prstGeom>
-          <a:noFill/>
-        </p:spPr>
-        <p:txBody>
-          <a:bodyPr wrap="none" rtlCol="0">
-            <a:spAutoFit/>
-          </a:bodyPr>
-          <a:lstStyle/>
-          <a:p>
-            <a:r>
-              <a:rPr lang="en-US" altLang="zh-TW" dirty="0">
-                <a:solidFill>
-                  <a:srgbClr val="0070C0"/>
-                </a:solidFill>
-              </a:rPr>
-              <a:t>Stop</a:t>
-            </a:r>
-            <a:endParaRPr lang="zh-TW" altLang="en-US" dirty="0">
-              <a:solidFill>
-                <a:srgbClr val="0070C0"/>
-              </a:solidFill>
-            </a:endParaRPr>
-          </a:p>
-        </p:txBody>
-      </p:sp>
-    </p:spTree>
-    <p:extLst>
-      <p:ext uri="{BB962C8B-B14F-4D97-AF65-F5344CB8AC3E}">
-        <p14:creationId xmlns:p14="http://schemas.microsoft.com/office/powerpoint/2010/main" val="1228004945"/>
-      </p:ext>
-    </p:extLst>
-  </p:cSld>
-  <p:clrMapOvr>
-    <a:masterClrMapping/>
-  </p:clrMapOvr>
-</p:sld>
-</file>
-
-<file path=ppt/slides/slide13.xml><?xml version="1.0" encoding="utf-8"?>
-<p:sld xmlns:a="http://schemas.openxmlformats.org/drawingml/2006/main" xmlns:r="http://schemas.openxmlformats.org/officeDocument/2006/relationships" xmlns:p="http://schemas.openxmlformats.org/presentationml/2006/main">
-  <p:cSld>
-    <p:spTree>
-      <p:nvGrpSpPr>
-        <p:cNvPr id="1" name=""/>
-        <p:cNvGrpSpPr/>
-        <p:nvPr/>
-      </p:nvGrpSpPr>
-      <p:grpSpPr>
-        <a:xfrm>
-          <a:off x="0" y="0"/>
-          <a:ext cx="0" cy="0"/>
-          <a:chOff x="0" y="0"/>
-          <a:chExt cx="0" cy="0"/>
-        </a:xfrm>
-      </p:grpSpPr>
-      <p:pic>
-        <p:nvPicPr>
-          <p:cNvPr id="7" name="圖片 6">
-            <a:extLst>
-              <a:ext uri="{FF2B5EF4-FFF2-40B4-BE49-F238E27FC236}">
-                <a16:creationId xmlns:a16="http://schemas.microsoft.com/office/drawing/2014/main" id="{C6E3C5EF-6BEF-9DCA-0C14-015C4CA6593B}"/>
-              </a:ext>
-            </a:extLst>
-          </p:cNvPr>
-          <p:cNvPicPr>
-            <a:picLocks noChangeAspect="1"/>
-          </p:cNvPicPr>
-          <p:nvPr/>
-        </p:nvPicPr>
-        <p:blipFill>
-          <a:blip r:embed="rId2"/>
-          <a:stretch>
-            <a:fillRect/>
-          </a:stretch>
-        </p:blipFill>
-        <p:spPr>
-          <a:xfrm>
-            <a:off x="0" y="3484660"/>
-            <a:ext cx="8642287" cy="3266377"/>
-          </a:xfrm>
-          <a:prstGeom prst="rect">
-            <a:avLst/>
-          </a:prstGeom>
-        </p:spPr>
-      </p:pic>
-      <p:sp>
-        <p:nvSpPr>
-          <p:cNvPr id="2" name="文字方塊 1">
-            <a:extLst>
-              <a:ext uri="{FF2B5EF4-FFF2-40B4-BE49-F238E27FC236}">
-                <a16:creationId xmlns:a16="http://schemas.microsoft.com/office/drawing/2014/main" id="{D8D1A21C-63B8-3A8E-0A58-707C0F829368}"/>
-              </a:ext>
-            </a:extLst>
-          </p:cNvPr>
-          <p:cNvSpPr txBox="1"/>
-          <p:nvPr/>
-        </p:nvSpPr>
-        <p:spPr>
-          <a:xfrm>
-            <a:off x="132936" y="151512"/>
-            <a:ext cx="1162626" cy="369332"/>
-          </a:xfrm>
-          <a:prstGeom prst="rect">
-            <a:avLst/>
-          </a:prstGeom>
-          <a:noFill/>
-        </p:spPr>
-        <p:txBody>
-          <a:bodyPr wrap="none" rtlCol="0">
-            <a:spAutoFit/>
-          </a:bodyPr>
-          <a:lstStyle/>
-          <a:p>
-            <a:r>
-              <a:rPr lang="en-US" altLang="zh-TW" u="sng" dirty="0"/>
-              <a:t>Write Test</a:t>
-            </a:r>
-            <a:endParaRPr lang="zh-TW" altLang="en-US" u="sng" dirty="0"/>
-          </a:p>
-        </p:txBody>
-      </p:sp>
-      <p:cxnSp>
-        <p:nvCxnSpPr>
-          <p:cNvPr id="4" name="直線單箭頭接點 3">
-            <a:extLst>
-              <a:ext uri="{FF2B5EF4-FFF2-40B4-BE49-F238E27FC236}">
-                <a16:creationId xmlns:a16="http://schemas.microsoft.com/office/drawing/2014/main" id="{834A03CB-517F-C263-1A05-7EC0E11A65ED}"/>
-              </a:ext>
-            </a:extLst>
-          </p:cNvPr>
-          <p:cNvCxnSpPr>
-            <a:cxnSpLocks/>
-          </p:cNvCxnSpPr>
-          <p:nvPr/>
-        </p:nvCxnSpPr>
-        <p:spPr>
-          <a:xfrm>
-            <a:off x="7708800" y="4160520"/>
-            <a:ext cx="0" cy="2367339"/>
-          </a:xfrm>
-          <a:prstGeom prst="straightConnector1">
-            <a:avLst/>
-          </a:prstGeom>
-          <a:ln>
-            <a:prstDash val="sysDash"/>
-            <a:tailEnd type="triangle"/>
-          </a:ln>
-        </p:spPr>
-        <p:style>
-          <a:lnRef idx="2">
-            <a:schemeClr val="accent1"/>
-          </a:lnRef>
-          <a:fillRef idx="0">
-            <a:schemeClr val="accent1"/>
-          </a:fillRef>
-          <a:effectRef idx="1">
-            <a:schemeClr val="accent1"/>
-          </a:effectRef>
-          <a:fontRef idx="minor">
-            <a:schemeClr val="tx1"/>
-          </a:fontRef>
-        </p:style>
-      </p:cxnSp>
-      <p:pic>
-        <p:nvPicPr>
-          <p:cNvPr id="13" name="圖片 12">
-            <a:extLst>
-              <a:ext uri="{FF2B5EF4-FFF2-40B4-BE49-F238E27FC236}">
-                <a16:creationId xmlns:a16="http://schemas.microsoft.com/office/drawing/2014/main" id="{2E46893A-3DAE-3AE3-87B8-584180905718}"/>
-              </a:ext>
-            </a:extLst>
-          </p:cNvPr>
-          <p:cNvPicPr>
-            <a:picLocks noChangeAspect="1"/>
-          </p:cNvPicPr>
-          <p:nvPr/>
-        </p:nvPicPr>
-        <p:blipFill>
-          <a:blip r:embed="rId3"/>
-          <a:stretch>
-            <a:fillRect/>
-          </a:stretch>
-        </p:blipFill>
-        <p:spPr>
-          <a:xfrm>
-            <a:off x="0" y="576504"/>
-            <a:ext cx="12192000" cy="2852496"/>
-          </a:xfrm>
-          <a:prstGeom prst="rect">
-            <a:avLst/>
-          </a:prstGeom>
-        </p:spPr>
-      </p:pic>
-    </p:spTree>
-    <p:extLst>
-      <p:ext uri="{BB962C8B-B14F-4D97-AF65-F5344CB8AC3E}">
-        <p14:creationId xmlns:p14="http://schemas.microsoft.com/office/powerpoint/2010/main" val="3543090329"/>
-      </p:ext>
-    </p:extLst>
-  </p:cSld>
-  <p:clrMapOvr>
-    <a:masterClrMapping/>
-  </p:clrMapOvr>
-</p:sld>
-</file>
-
-<file path=ppt/slides/slide14.xml><?xml version="1.0" encoding="utf-8"?>
-<p:sld xmlns:a="http://schemas.openxmlformats.org/drawingml/2006/main" xmlns:r="http://schemas.openxmlformats.org/officeDocument/2006/relationships" xmlns:p="http://schemas.openxmlformats.org/presentationml/2006/main">
-  <p:cSld>
-    <p:spTree>
-      <p:nvGrpSpPr>
-        <p:cNvPr id="1" name=""/>
-        <p:cNvGrpSpPr/>
-        <p:nvPr/>
-      </p:nvGrpSpPr>
-      <p:grpSpPr>
-        <a:xfrm>
-          <a:off x="0" y="0"/>
-          <a:ext cx="0" cy="0"/>
-          <a:chOff x="0" y="0"/>
-          <a:chExt cx="0" cy="0"/>
-        </a:xfrm>
-      </p:grpSpPr>
-      <p:pic>
-        <p:nvPicPr>
-          <p:cNvPr id="5" name="內容版面配置區 4">
-            <a:extLst>
-              <a:ext uri="{FF2B5EF4-FFF2-40B4-BE49-F238E27FC236}">
-                <a16:creationId xmlns:a16="http://schemas.microsoft.com/office/drawing/2014/main" id="{96BBE4F1-056A-2D3D-F316-EBB563FF38A8}"/>
-              </a:ext>
-            </a:extLst>
-          </p:cNvPr>
-          <p:cNvPicPr>
-            <a:picLocks noGrp="1" noChangeAspect="1"/>
-          </p:cNvPicPr>
-          <p:nvPr>
-            <p:ph idx="1"/>
-          </p:nvPr>
-        </p:nvPicPr>
-        <p:blipFill>
-          <a:blip r:embed="rId2"/>
-          <a:stretch>
-            <a:fillRect/>
-          </a:stretch>
-        </p:blipFill>
-        <p:spPr>
-          <a:xfrm>
-            <a:off x="440028" y="1059006"/>
-            <a:ext cx="11455991" cy="5277139"/>
-          </a:xfrm>
-        </p:spPr>
-      </p:pic>
-      <p:sp>
-        <p:nvSpPr>
-          <p:cNvPr id="6" name="文字方塊 5">
-            <a:extLst>
-              <a:ext uri="{FF2B5EF4-FFF2-40B4-BE49-F238E27FC236}">
-                <a16:creationId xmlns:a16="http://schemas.microsoft.com/office/drawing/2014/main" id="{C1E971A1-0300-E6A8-1D09-88C6D786906D}"/>
-              </a:ext>
-            </a:extLst>
-          </p:cNvPr>
-          <p:cNvSpPr txBox="1"/>
-          <p:nvPr/>
-        </p:nvSpPr>
-        <p:spPr>
-          <a:xfrm>
-            <a:off x="132936" y="151512"/>
-            <a:ext cx="2375522" cy="369332"/>
-          </a:xfrm>
-          <a:prstGeom prst="rect">
-            <a:avLst/>
-          </a:prstGeom>
-          <a:noFill/>
-        </p:spPr>
-        <p:txBody>
-          <a:bodyPr wrap="none" rtlCol="0">
-            <a:spAutoFit/>
-          </a:bodyPr>
-          <a:lstStyle/>
-          <a:p>
-            <a:r>
-              <a:rPr lang="en-US" altLang="zh-TW" u="sng" dirty="0"/>
-              <a:t>Write Test </a:t>
-            </a:r>
-            <a:r>
-              <a:rPr lang="en-US" altLang="zh-TW" u="sng" dirty="0" err="1"/>
-              <a:t>Osc</a:t>
-            </a:r>
-            <a:r>
-              <a:rPr lang="en-US" altLang="zh-TW" u="sng" dirty="0"/>
-              <a:t>. scope </a:t>
-            </a:r>
-            <a:endParaRPr lang="zh-TW" altLang="en-US" u="sng" dirty="0"/>
-          </a:p>
-        </p:txBody>
-      </p:sp>
-    </p:spTree>
-    <p:extLst>
-      <p:ext uri="{BB962C8B-B14F-4D97-AF65-F5344CB8AC3E}">
-        <p14:creationId xmlns:p14="http://schemas.microsoft.com/office/powerpoint/2010/main" val="2369349970"/>
-      </p:ext>
-    </p:extLst>
-  </p:cSld>
-  <p:clrMapOvr>
-    <a:masterClrMapping/>
-  </p:clrMapOvr>
-</p:sld>
-</file>
-
-<file path=ppt/slides/slide15.xml><?xml version="1.0" encoding="utf-8"?>
-<p:sld xmlns:a="http://schemas.openxmlformats.org/drawingml/2006/main" xmlns:r="http://schemas.openxmlformats.org/officeDocument/2006/relationships" xmlns:p="http://schemas.openxmlformats.org/presentationml/2006/main">
-  <p:cSld>
-    <p:spTree>
-      <p:nvGrpSpPr>
-        <p:cNvPr id="1" name="">
-          <a:extLst>
-            <a:ext uri="{FF2B5EF4-FFF2-40B4-BE49-F238E27FC236}">
-              <a16:creationId xmlns:a16="http://schemas.microsoft.com/office/drawing/2014/main" id="{57AC99F6-F3E8-9DD5-56A7-C7C20104285E}"/>
-            </a:ext>
-          </a:extLst>
-        </p:cNvPr>
-        <p:cNvGrpSpPr/>
-        <p:nvPr/>
-      </p:nvGrpSpPr>
-      <p:grpSpPr>
-        <a:xfrm>
-          <a:off x="0" y="0"/>
-          <a:ext cx="0" cy="0"/>
-          <a:chOff x="0" y="0"/>
-          <a:chExt cx="0" cy="0"/>
-        </a:xfrm>
-      </p:grpSpPr>
-      <p:pic>
-        <p:nvPicPr>
-          <p:cNvPr id="7" name="圖片 6">
-            <a:extLst>
-              <a:ext uri="{FF2B5EF4-FFF2-40B4-BE49-F238E27FC236}">
-                <a16:creationId xmlns:a16="http://schemas.microsoft.com/office/drawing/2014/main" id="{3DF62A55-A532-3F91-8669-5C68684E71E7}"/>
-              </a:ext>
-            </a:extLst>
-          </p:cNvPr>
-          <p:cNvPicPr>
-            <a:picLocks noChangeAspect="1"/>
-          </p:cNvPicPr>
-          <p:nvPr/>
-        </p:nvPicPr>
-        <p:blipFill>
-          <a:blip r:embed="rId2"/>
-          <a:stretch>
-            <a:fillRect/>
-          </a:stretch>
-        </p:blipFill>
-        <p:spPr>
-          <a:xfrm>
-            <a:off x="0" y="630799"/>
-            <a:ext cx="12192000" cy="3174740"/>
-          </a:xfrm>
-          <a:prstGeom prst="rect">
-            <a:avLst/>
-          </a:prstGeom>
-        </p:spPr>
-      </p:pic>
-      <p:sp>
-        <p:nvSpPr>
-          <p:cNvPr id="2" name="文字方塊 1">
-            <a:extLst>
-              <a:ext uri="{FF2B5EF4-FFF2-40B4-BE49-F238E27FC236}">
-                <a16:creationId xmlns:a16="http://schemas.microsoft.com/office/drawing/2014/main" id="{45D2B552-59B0-ABB4-0752-98976EC32ED6}"/>
-              </a:ext>
-            </a:extLst>
-          </p:cNvPr>
-          <p:cNvSpPr txBox="1"/>
-          <p:nvPr/>
-        </p:nvSpPr>
-        <p:spPr>
-          <a:xfrm>
-            <a:off x="132936" y="151512"/>
-            <a:ext cx="1145891" cy="369332"/>
-          </a:xfrm>
-          <a:prstGeom prst="rect">
-            <a:avLst/>
-          </a:prstGeom>
-          <a:noFill/>
-        </p:spPr>
-        <p:txBody>
-          <a:bodyPr wrap="none" rtlCol="0">
-            <a:spAutoFit/>
-          </a:bodyPr>
-          <a:lstStyle/>
-          <a:p>
-            <a:r>
-              <a:rPr lang="en-US" altLang="zh-TW" u="sng" dirty="0"/>
-              <a:t>Read Test</a:t>
-            </a:r>
-            <a:endParaRPr lang="zh-TW" altLang="en-US" u="sng" dirty="0"/>
-          </a:p>
-        </p:txBody>
-      </p:sp>
-      <p:sp>
-        <p:nvSpPr>
-          <p:cNvPr id="3" name="文字方塊 2">
-            <a:extLst>
-              <a:ext uri="{FF2B5EF4-FFF2-40B4-BE49-F238E27FC236}">
-                <a16:creationId xmlns:a16="http://schemas.microsoft.com/office/drawing/2014/main" id="{E1182AB8-1652-DC37-F0CE-5A504C56BE63}"/>
-              </a:ext>
-            </a:extLst>
-          </p:cNvPr>
-          <p:cNvSpPr txBox="1"/>
-          <p:nvPr/>
-        </p:nvSpPr>
-        <p:spPr>
-          <a:xfrm>
-            <a:off x="238125" y="4017593"/>
-            <a:ext cx="4592411" cy="830997"/>
-          </a:xfrm>
-          <a:prstGeom prst="rect">
-            <a:avLst/>
-          </a:prstGeom>
-          <a:noFill/>
-        </p:spPr>
-        <p:txBody>
-          <a:bodyPr wrap="none" rtlCol="0">
-            <a:spAutoFit/>
-          </a:bodyPr>
-          <a:lstStyle/>
-          <a:p>
-            <a:pPr marL="342900" indent="-342900">
-              <a:buAutoNum type="arabicPeriod"/>
-            </a:pPr>
-            <a:r>
-              <a:rPr lang="en-US" altLang="zh-TW" sz="1600" dirty="0">
-                <a:latin typeface="微軟正黑體" panose="020B0604030504040204" pitchFamily="34" charset="-120"/>
-                <a:ea typeface="微軟正黑體" panose="020B0604030504040204" pitchFamily="34" charset="-120"/>
-              </a:rPr>
-              <a:t>SM</a:t>
-            </a:r>
-            <a:r>
-              <a:rPr lang="zh-TW" altLang="en-US" sz="1600" dirty="0">
-                <a:latin typeface="微軟正黑體" panose="020B0604030504040204" pitchFamily="34" charset="-120"/>
-                <a:ea typeface="微軟正黑體" panose="020B0604030504040204" pitchFamily="34" charset="-120"/>
-              </a:rPr>
-              <a:t>變化如寫狀態之變遷圖</a:t>
-            </a:r>
-            <a:endParaRPr lang="en-US" altLang="zh-TW" sz="1600" dirty="0">
-              <a:latin typeface="微軟正黑體" panose="020B0604030504040204" pitchFamily="34" charset="-120"/>
-              <a:ea typeface="微軟正黑體" panose="020B0604030504040204" pitchFamily="34" charset="-120"/>
-            </a:endParaRPr>
-          </a:p>
-          <a:p>
-            <a:pPr marL="342900" indent="-342900">
-              <a:buAutoNum type="arabicPeriod"/>
-            </a:pPr>
-            <a:r>
-              <a:rPr lang="en-US" altLang="zh-TW" sz="1600" dirty="0">
-                <a:latin typeface="微軟正黑體" panose="020B0604030504040204" pitchFamily="34" charset="-120"/>
-                <a:ea typeface="微軟正黑體" panose="020B0604030504040204" pitchFamily="34" charset="-120"/>
-              </a:rPr>
-              <a:t>START</a:t>
-            </a:r>
-            <a:r>
-              <a:rPr lang="zh-TW" altLang="en-US" sz="1600" dirty="0">
-                <a:latin typeface="微軟正黑體" panose="020B0604030504040204" pitchFamily="34" charset="-120"/>
-                <a:ea typeface="微軟正黑體" panose="020B0604030504040204" pitchFamily="34" charset="-120"/>
-              </a:rPr>
-              <a:t>與</a:t>
-            </a:r>
-            <a:r>
-              <a:rPr lang="en-US" altLang="zh-TW" sz="1600" dirty="0">
-                <a:latin typeface="微軟正黑體" panose="020B0604030504040204" pitchFamily="34" charset="-120"/>
-                <a:ea typeface="微軟正黑體" panose="020B0604030504040204" pitchFamily="34" charset="-120"/>
-              </a:rPr>
-              <a:t>STOP</a:t>
-            </a:r>
-            <a:r>
-              <a:rPr lang="zh-TW" altLang="en-US" sz="1600" dirty="0">
-                <a:latin typeface="微軟正黑體" panose="020B0604030504040204" pitchFamily="34" charset="-120"/>
-                <a:ea typeface="微軟正黑體" panose="020B0604030504040204" pitchFamily="34" charset="-120"/>
-              </a:rPr>
-              <a:t>有成功顯示</a:t>
-            </a:r>
-            <a:endParaRPr lang="en-US" altLang="zh-TW" sz="1600" dirty="0">
-              <a:latin typeface="微軟正黑體" panose="020B0604030504040204" pitchFamily="34" charset="-120"/>
-              <a:ea typeface="微軟正黑體" panose="020B0604030504040204" pitchFamily="34" charset="-120"/>
-            </a:endParaRPr>
-          </a:p>
-          <a:p>
-            <a:pPr marL="342900" indent="-342900">
-              <a:buAutoNum type="arabicPeriod"/>
-            </a:pPr>
-            <a:r>
-              <a:rPr lang="en-US" altLang="zh-TW" sz="1600" dirty="0">
-                <a:latin typeface="微軟正黑體" panose="020B0604030504040204" pitchFamily="34" charset="-120"/>
-                <a:ea typeface="微軟正黑體" panose="020B0604030504040204" pitchFamily="34" charset="-120"/>
-              </a:rPr>
-              <a:t>Finish</a:t>
-            </a:r>
-            <a:r>
-              <a:rPr lang="zh-TW" altLang="en-US" sz="1600" dirty="0">
-                <a:latin typeface="微軟正黑體" panose="020B0604030504040204" pitchFamily="34" charset="-120"/>
-                <a:ea typeface="微軟正黑體" panose="020B0604030504040204" pitchFamily="34" charset="-120"/>
-              </a:rPr>
-              <a:t>在</a:t>
-            </a:r>
-            <a:r>
-              <a:rPr lang="en-US" altLang="zh-TW" sz="1600" dirty="0">
-                <a:latin typeface="微軟正黑體" panose="020B0604030504040204" pitchFamily="34" charset="-120"/>
-                <a:ea typeface="微軟正黑體" panose="020B0604030504040204" pitchFamily="34" charset="-120"/>
-              </a:rPr>
-              <a:t>State 23(WRITE_ACK)</a:t>
-            </a:r>
-            <a:r>
-              <a:rPr lang="zh-TW" altLang="en-US" sz="1600" dirty="0">
-                <a:latin typeface="微軟正黑體" panose="020B0604030504040204" pitchFamily="34" charset="-120"/>
-                <a:ea typeface="微軟正黑體" panose="020B0604030504040204" pitchFamily="34" charset="-120"/>
-              </a:rPr>
-              <a:t>跳起</a:t>
-            </a:r>
-            <a:r>
-              <a:rPr lang="en-US" altLang="zh-TW" sz="1600" dirty="0">
-                <a:latin typeface="微軟正黑體" panose="020B0604030504040204" pitchFamily="34" charset="-120"/>
-                <a:ea typeface="微軟正黑體" panose="020B0604030504040204" pitchFamily="34" charset="-120"/>
-              </a:rPr>
-              <a:t>(</a:t>
-            </a:r>
-            <a:r>
-              <a:rPr lang="zh-TW" altLang="en-US" sz="1600" dirty="0">
-                <a:latin typeface="微軟正黑體" panose="020B0604030504040204" pitchFamily="34" charset="-120"/>
-                <a:ea typeface="微軟正黑體" panose="020B0604030504040204" pitchFamily="34" charset="-120"/>
-              </a:rPr>
-              <a:t>見下頁</a:t>
-            </a:r>
-            <a:r>
-              <a:rPr lang="en-US" altLang="zh-TW" sz="1600" dirty="0">
-                <a:latin typeface="微軟正黑體" panose="020B0604030504040204" pitchFamily="34" charset="-120"/>
-                <a:ea typeface="微軟正黑體" panose="020B0604030504040204" pitchFamily="34" charset="-120"/>
-              </a:rPr>
-              <a:t>)</a:t>
-            </a:r>
-            <a:endParaRPr lang="zh-TW" altLang="en-US" sz="1600" dirty="0">
-              <a:latin typeface="微軟正黑體" panose="020B0604030504040204" pitchFamily="34" charset="-120"/>
-              <a:ea typeface="微軟正黑體" panose="020B0604030504040204" pitchFamily="34" charset="-120"/>
-            </a:endParaRPr>
-          </a:p>
-        </p:txBody>
-      </p:sp>
-      <p:sp>
-        <p:nvSpPr>
-          <p:cNvPr id="6" name="橢圓 5">
-            <a:extLst>
-              <a:ext uri="{FF2B5EF4-FFF2-40B4-BE49-F238E27FC236}">
-                <a16:creationId xmlns:a16="http://schemas.microsoft.com/office/drawing/2014/main" id="{881B99DF-8C27-8BCF-0610-4510007DFC4A}"/>
+          <p:cNvPr id="9" name="橢圓 8">
+            <a:extLst>
+              <a:ext uri="{FF2B5EF4-FFF2-40B4-BE49-F238E27FC236}">
+                <a16:creationId xmlns:a16="http://schemas.microsoft.com/office/drawing/2014/main" id="{7ED961A2-2C34-5AB6-315C-0E74F97A5C23}"/>
               </a:ext>
             </a:extLst>
           </p:cNvPr>
@@ -5420,8 +6366,8 @@
         </p:nvSpPr>
         <p:spPr>
           <a:xfrm>
-            <a:off x="5501593" y="1418716"/>
-            <a:ext cx="324000" cy="504000"/>
+            <a:off x="7946950" y="3043100"/>
+            <a:ext cx="650950" cy="504000"/>
           </a:xfrm>
           <a:prstGeom prst="ellipse">
             <a:avLst/>
@@ -5461,229 +6407,10 @@
       </p:sp>
       <p:sp>
         <p:nvSpPr>
-          <p:cNvPr id="8" name="橢圓 7">
-            <a:extLst>
-              <a:ext uri="{FF2B5EF4-FFF2-40B4-BE49-F238E27FC236}">
-                <a16:creationId xmlns:a16="http://schemas.microsoft.com/office/drawing/2014/main" id="{89D7E6EB-4B16-5D29-0FD9-F1450FCEA720}"/>
-              </a:ext>
-            </a:extLst>
-          </p:cNvPr>
-          <p:cNvSpPr/>
-          <p:nvPr/>
-        </p:nvSpPr>
-        <p:spPr>
-          <a:xfrm>
-            <a:off x="8086613" y="1418716"/>
-            <a:ext cx="166762" cy="504000"/>
-          </a:xfrm>
-          <a:prstGeom prst="ellipse">
-            <a:avLst/>
-          </a:prstGeom>
-          <a:noFill/>
-          <a:ln>
-            <a:solidFill>
-              <a:srgbClr val="00B050"/>
-            </a:solidFill>
-            <a:prstDash val="sysDash"/>
-          </a:ln>
-        </p:spPr>
-        <p:style>
-          <a:lnRef idx="2">
-            <a:schemeClr val="accent1">
-              <a:shade val="15000"/>
-            </a:schemeClr>
-          </a:lnRef>
-          <a:fillRef idx="1">
-            <a:schemeClr val="accent1"/>
-          </a:fillRef>
-          <a:effectRef idx="0">
-            <a:schemeClr val="accent1"/>
-          </a:effectRef>
-          <a:fontRef idx="minor">
-            <a:schemeClr val="lt1"/>
-          </a:fontRef>
-        </p:style>
-        <p:txBody>
-          <a:bodyPr rtlCol="0" anchor="ctr"/>
-          <a:lstStyle/>
-          <a:p>
-            <a:pPr algn="ctr"/>
-            <a:endParaRPr lang="zh-TW" altLang="en-US"/>
-          </a:p>
-        </p:txBody>
-      </p:sp>
-      <p:sp>
-        <p:nvSpPr>
-          <p:cNvPr id="9" name="橢圓 8">
-            <a:extLst>
-              <a:ext uri="{FF2B5EF4-FFF2-40B4-BE49-F238E27FC236}">
-                <a16:creationId xmlns:a16="http://schemas.microsoft.com/office/drawing/2014/main" id="{0CA9BC94-EB69-F8CA-7A0D-466D6013A460}"/>
-              </a:ext>
-            </a:extLst>
-          </p:cNvPr>
-          <p:cNvSpPr/>
-          <p:nvPr/>
-        </p:nvSpPr>
-        <p:spPr>
-          <a:xfrm>
-            <a:off x="7917983" y="1395856"/>
-            <a:ext cx="109687" cy="504000"/>
-          </a:xfrm>
-          <a:prstGeom prst="ellipse">
-            <a:avLst/>
-          </a:prstGeom>
-          <a:noFill/>
-          <a:ln>
-            <a:solidFill>
-              <a:srgbClr val="0070C0"/>
-            </a:solidFill>
-            <a:prstDash val="sysDash"/>
-          </a:ln>
-        </p:spPr>
-        <p:style>
-          <a:lnRef idx="2">
-            <a:schemeClr val="accent1">
-              <a:shade val="15000"/>
-            </a:schemeClr>
-          </a:lnRef>
-          <a:fillRef idx="1">
-            <a:schemeClr val="accent1"/>
-          </a:fillRef>
-          <a:effectRef idx="0">
-            <a:schemeClr val="accent1"/>
-          </a:effectRef>
-          <a:fontRef idx="minor">
-            <a:schemeClr val="lt1"/>
-          </a:fontRef>
-        </p:style>
-        <p:txBody>
-          <a:bodyPr rtlCol="0" anchor="ctr"/>
-          <a:lstStyle/>
-          <a:p>
-            <a:pPr algn="ctr"/>
-            <a:endParaRPr lang="zh-TW" altLang="en-US"/>
-          </a:p>
-        </p:txBody>
-      </p:sp>
-      <p:sp>
-        <p:nvSpPr>
-          <p:cNvPr id="10" name="橢圓 9">
-            <a:extLst>
-              <a:ext uri="{FF2B5EF4-FFF2-40B4-BE49-F238E27FC236}">
-                <a16:creationId xmlns:a16="http://schemas.microsoft.com/office/drawing/2014/main" id="{071C4045-7E98-A166-3612-794641932C8B}"/>
-              </a:ext>
-            </a:extLst>
-          </p:cNvPr>
-          <p:cNvSpPr/>
-          <p:nvPr/>
-        </p:nvSpPr>
-        <p:spPr>
-          <a:xfrm>
-            <a:off x="11969349" y="1390712"/>
-            <a:ext cx="166762" cy="504000"/>
-          </a:xfrm>
-          <a:prstGeom prst="ellipse">
-            <a:avLst/>
-          </a:prstGeom>
-          <a:noFill/>
-          <a:ln>
-            <a:solidFill>
-              <a:srgbClr val="0070C0"/>
-            </a:solidFill>
-            <a:prstDash val="sysDash"/>
-          </a:ln>
-        </p:spPr>
-        <p:style>
-          <a:lnRef idx="2">
-            <a:schemeClr val="accent1">
-              <a:shade val="15000"/>
-            </a:schemeClr>
-          </a:lnRef>
-          <a:fillRef idx="1">
-            <a:schemeClr val="accent1"/>
-          </a:fillRef>
-          <a:effectRef idx="0">
-            <a:schemeClr val="accent1"/>
-          </a:effectRef>
-          <a:fontRef idx="minor">
-            <a:schemeClr val="lt1"/>
-          </a:fontRef>
-        </p:style>
-        <p:txBody>
-          <a:bodyPr rtlCol="0" anchor="ctr"/>
-          <a:lstStyle/>
-          <a:p>
-            <a:pPr algn="ctr"/>
-            <a:endParaRPr lang="zh-TW" altLang="en-US"/>
-          </a:p>
-        </p:txBody>
-      </p:sp>
-    </p:spTree>
-    <p:extLst>
-      <p:ext uri="{BB962C8B-B14F-4D97-AF65-F5344CB8AC3E}">
-        <p14:creationId xmlns:p14="http://schemas.microsoft.com/office/powerpoint/2010/main" val="917783505"/>
-      </p:ext>
-    </p:extLst>
-  </p:cSld>
-  <p:clrMapOvr>
-    <a:masterClrMapping/>
-  </p:clrMapOvr>
-</p:sld>
-</file>
-
-<file path=ppt/slides/slide16.xml><?xml version="1.0" encoding="utf-8"?>
-<p:sld xmlns:a="http://schemas.openxmlformats.org/drawingml/2006/main" xmlns:r="http://schemas.openxmlformats.org/officeDocument/2006/relationships" xmlns:p="http://schemas.openxmlformats.org/presentationml/2006/main">
-  <p:cSld>
-    <p:spTree>
-      <p:nvGrpSpPr>
-        <p:cNvPr id="1" name=""/>
-        <p:cNvGrpSpPr/>
-        <p:nvPr/>
-      </p:nvGrpSpPr>
-      <p:grpSpPr>
-        <a:xfrm>
-          <a:off x="0" y="0"/>
-          <a:ext cx="0" cy="0"/>
-          <a:chOff x="0" y="0"/>
-          <a:chExt cx="0" cy="0"/>
-        </a:xfrm>
-      </p:grpSpPr>
-      <p:pic>
-        <p:nvPicPr>
-          <p:cNvPr id="7" name="圖片 6">
-            <a:extLst>
-              <a:ext uri="{FF2B5EF4-FFF2-40B4-BE49-F238E27FC236}">
-                <a16:creationId xmlns:a16="http://schemas.microsoft.com/office/drawing/2014/main" id="{397E661A-128A-423C-8B87-C5710BB21987}"/>
-              </a:ext>
-            </a:extLst>
-          </p:cNvPr>
-          <p:cNvPicPr>
-            <a:picLocks noChangeAspect="1"/>
-          </p:cNvPicPr>
-          <p:nvPr/>
-        </p:nvPicPr>
-        <p:blipFill>
-          <a:blip r:embed="rId2"/>
-          <a:stretch>
-            <a:fillRect/>
-          </a:stretch>
-        </p:blipFill>
-        <p:spPr>
-          <a:xfrm>
-            <a:off x="0" y="3572605"/>
-            <a:ext cx="10724348" cy="3285395"/>
-          </a:xfrm>
-          <a:prstGeom prst="rect">
-            <a:avLst/>
-          </a:prstGeom>
-        </p:spPr>
-      </p:pic>
-      <p:sp>
-        <p:nvSpPr>
-          <p:cNvPr id="2" name="文字方塊 1">
-            <a:extLst>
-              <a:ext uri="{FF2B5EF4-FFF2-40B4-BE49-F238E27FC236}">
-                <a16:creationId xmlns:a16="http://schemas.microsoft.com/office/drawing/2014/main" id="{9E88B33D-56CD-17DC-F43D-3093FE071D84}"/>
+          <p:cNvPr id="10" name="文字方塊 9">
+            <a:extLst>
+              <a:ext uri="{FF2B5EF4-FFF2-40B4-BE49-F238E27FC236}">
+                <a16:creationId xmlns:a16="http://schemas.microsoft.com/office/drawing/2014/main" id="{D6C28CB0-25A7-C847-8BE5-B51774D31949}"/>
               </a:ext>
             </a:extLst>
           </p:cNvPr>
@@ -5692,8 +6419,8 @@
         </p:nvSpPr>
         <p:spPr>
           <a:xfrm>
-            <a:off x="132936" y="151512"/>
-            <a:ext cx="1145891" cy="369332"/>
+            <a:off x="7534210" y="2673768"/>
+            <a:ext cx="1476430" cy="369332"/>
           </a:xfrm>
           <a:prstGeom prst="rect">
             <a:avLst/>
@@ -5707,89 +6434,25 @@
           <a:lstStyle/>
           <a:p>
             <a:r>
-              <a:rPr lang="en-US" altLang="zh-TW" u="sng" dirty="0"/>
-              <a:t>Read Test</a:t>
-            </a:r>
-            <a:endParaRPr lang="zh-TW" altLang="en-US" u="sng" dirty="0"/>
+              <a:rPr lang="en-US" altLang="zh-TW" dirty="0">
+                <a:solidFill>
+                  <a:srgbClr val="00B050"/>
+                </a:solidFill>
+              </a:rPr>
+              <a:t>REPEAT Start</a:t>
+            </a:r>
+            <a:endParaRPr lang="zh-TW" altLang="en-US" dirty="0">
+              <a:solidFill>
+                <a:srgbClr val="00B050"/>
+              </a:solidFill>
+            </a:endParaRPr>
           </a:p>
         </p:txBody>
       </p:sp>
-      <p:pic>
-        <p:nvPicPr>
-          <p:cNvPr id="5" name="圖片 4">
-            <a:extLst>
-              <a:ext uri="{FF2B5EF4-FFF2-40B4-BE49-F238E27FC236}">
-                <a16:creationId xmlns:a16="http://schemas.microsoft.com/office/drawing/2014/main" id="{8F026429-9A95-2F64-2DA4-07F030A7329E}"/>
-              </a:ext>
-            </a:extLst>
-          </p:cNvPr>
-          <p:cNvPicPr>
-            <a:picLocks noChangeAspect="1"/>
-          </p:cNvPicPr>
-          <p:nvPr/>
-        </p:nvPicPr>
-        <p:blipFill>
-          <a:blip r:embed="rId3"/>
-          <a:stretch>
-            <a:fillRect/>
-          </a:stretch>
-        </p:blipFill>
-        <p:spPr>
-          <a:xfrm>
-            <a:off x="0" y="578762"/>
-            <a:ext cx="12192000" cy="2905007"/>
-          </a:xfrm>
-          <a:prstGeom prst="rect">
-            <a:avLst/>
-          </a:prstGeom>
-        </p:spPr>
-      </p:pic>
-      <p:cxnSp>
-        <p:nvCxnSpPr>
-          <p:cNvPr id="9" name="直線單箭頭接點 8">
-            <a:extLst>
-              <a:ext uri="{FF2B5EF4-FFF2-40B4-BE49-F238E27FC236}">
-                <a16:creationId xmlns:a16="http://schemas.microsoft.com/office/drawing/2014/main" id="{81F9D665-A53E-E831-1ECC-EDF7E8FA01A6}"/>
-              </a:ext>
-            </a:extLst>
-          </p:cNvPr>
-          <p:cNvCxnSpPr>
-            <a:cxnSpLocks/>
-          </p:cNvCxnSpPr>
-          <p:nvPr/>
-        </p:nvCxnSpPr>
-        <p:spPr>
-          <a:xfrm>
-            <a:off x="9288218" y="4308302"/>
-            <a:ext cx="0" cy="2367339"/>
-          </a:xfrm>
-          <a:prstGeom prst="straightConnector1">
-            <a:avLst/>
-          </a:prstGeom>
-          <a:ln>
-            <a:prstDash val="sysDash"/>
-            <a:tailEnd type="triangle"/>
-          </a:ln>
-        </p:spPr>
-        <p:style>
-          <a:lnRef idx="2">
-            <a:schemeClr val="accent1"/>
-          </a:lnRef>
-          <a:fillRef idx="0">
-            <a:schemeClr val="accent1"/>
-          </a:fillRef>
-          <a:effectRef idx="1">
-            <a:schemeClr val="accent1"/>
-          </a:effectRef>
-          <a:fontRef idx="minor">
-            <a:schemeClr val="tx1"/>
-          </a:fontRef>
-        </p:style>
-      </p:cxnSp>
     </p:spTree>
     <p:extLst>
       <p:ext uri="{BB962C8B-B14F-4D97-AF65-F5344CB8AC3E}">
-        <p14:creationId xmlns:p14="http://schemas.microsoft.com/office/powerpoint/2010/main" val="4089838821"/>
+        <p14:creationId xmlns:p14="http://schemas.microsoft.com/office/powerpoint/2010/main" val="3800061438"/>
       </p:ext>
     </p:extLst>
   </p:cSld>
@@ -5799,7 +6462,7 @@
 </p:sld>
 </file>
 
-<file path=ppt/slides/slide17.xml><?xml version="1.0" encoding="utf-8"?>
+<file path=ppt/slides/slide19.xml><?xml version="1.0" encoding="utf-8"?>
 <p:sld xmlns:a="http://schemas.openxmlformats.org/drawingml/2006/main" xmlns:r="http://schemas.openxmlformats.org/officeDocument/2006/relationships" xmlns:p="http://schemas.openxmlformats.org/presentationml/2006/main">
   <p:cSld>
     <p:spTree>
@@ -5821,7 +6484,7 @@
           <p:cNvPr id="5" name="內容版面配置區 4">
             <a:extLst>
               <a:ext uri="{FF2B5EF4-FFF2-40B4-BE49-F238E27FC236}">
-                <a16:creationId xmlns:a16="http://schemas.microsoft.com/office/drawing/2014/main" id="{09E17F34-0F6A-CDF1-3D27-0AB53DC0D13D}"/>
+                <a16:creationId xmlns:a16="http://schemas.microsoft.com/office/drawing/2014/main" id="{511B32E8-CB45-B475-9838-375A4E2F4E4D}"/>
               </a:ext>
             </a:extLst>
           </p:cNvPr>
@@ -5840,59 +6503,45 @@
         </p:blipFill>
         <p:spPr>
           <a:xfrm>
-            <a:off x="637785" y="1409988"/>
-            <a:ext cx="10916430" cy="5027757"/>
+            <a:off x="838200" y="982994"/>
+            <a:ext cx="10515600" cy="2760000"/>
           </a:xfrm>
         </p:spPr>
       </p:pic>
-      <p:sp>
-        <p:nvSpPr>
-          <p:cNvPr id="6" name="文字方塊 5">
-            <a:extLst>
-              <a:ext uri="{FF2B5EF4-FFF2-40B4-BE49-F238E27FC236}">
-                <a16:creationId xmlns:a16="http://schemas.microsoft.com/office/drawing/2014/main" id="{E8E1A82F-6128-4DBA-8FEF-37B271A1D9AF}"/>
-              </a:ext>
-            </a:extLst>
-          </p:cNvPr>
-          <p:cNvSpPr txBox="1"/>
+      <p:pic>
+        <p:nvPicPr>
+          <p:cNvPr id="7" name="圖片 6">
+            <a:extLst>
+              <a:ext uri="{FF2B5EF4-FFF2-40B4-BE49-F238E27FC236}">
+                <a16:creationId xmlns:a16="http://schemas.microsoft.com/office/drawing/2014/main" id="{90856112-A52A-011D-D833-AFCE7485CC44}"/>
+              </a:ext>
+            </a:extLst>
+          </p:cNvPr>
+          <p:cNvPicPr>
+            <a:picLocks noChangeAspect="1"/>
+          </p:cNvPicPr>
           <p:nvPr/>
-        </p:nvSpPr>
+        </p:nvPicPr>
+        <p:blipFill>
+          <a:blip r:embed="rId3"/>
+          <a:stretch>
+            <a:fillRect/>
+          </a:stretch>
+        </p:blipFill>
         <p:spPr>
           <a:xfrm>
-            <a:off x="132936" y="151512"/>
-            <a:ext cx="2358787" cy="369332"/>
+            <a:off x="1771665" y="3742994"/>
+            <a:ext cx="10344135" cy="2616200"/>
           </a:xfrm>
           <a:prstGeom prst="rect">
             <a:avLst/>
           </a:prstGeom>
-          <a:noFill/>
         </p:spPr>
-        <p:txBody>
-          <a:bodyPr wrap="none" rtlCol="0">
-            <a:spAutoFit/>
-          </a:bodyPr>
-          <a:lstStyle/>
-          <a:p>
-            <a:r>
-              <a:rPr lang="en-US" altLang="zh-TW" u="sng" dirty="0"/>
-              <a:t>Read Test </a:t>
-            </a:r>
-            <a:r>
-              <a:rPr lang="en-US" altLang="zh-TW" u="sng" dirty="0" err="1"/>
-              <a:t>Osc</a:t>
-            </a:r>
-            <a:r>
-              <a:rPr lang="en-US" altLang="zh-TW" u="sng" dirty="0"/>
-              <a:t>. scope </a:t>
-            </a:r>
-            <a:endParaRPr lang="zh-TW" altLang="en-US" u="sng" dirty="0"/>
-          </a:p>
-        </p:txBody>
-      </p:sp>
+      </p:pic>
     </p:spTree>
     <p:extLst>
       <p:ext uri="{BB962C8B-B14F-4D97-AF65-F5344CB8AC3E}">
-        <p14:creationId xmlns:p14="http://schemas.microsoft.com/office/powerpoint/2010/main" val="1743221144"/>
+        <p14:creationId xmlns:p14="http://schemas.microsoft.com/office/powerpoint/2010/main" val="984075935"/>
       </p:ext>
     </p:extLst>
   </p:cSld>
@@ -6167,6 +6816,556 @@
     <p:extLst>
       <p:ext uri="{BB962C8B-B14F-4D97-AF65-F5344CB8AC3E}">
         <p14:creationId xmlns:p14="http://schemas.microsoft.com/office/powerpoint/2010/main" val="3335559312"/>
+      </p:ext>
+    </p:extLst>
+  </p:cSld>
+  <p:clrMapOvr>
+    <a:masterClrMapping/>
+  </p:clrMapOvr>
+</p:sld>
+</file>
+
+<file path=ppt/slides/slide20.xml><?xml version="1.0" encoding="utf-8"?>
+<p:sld xmlns:a="http://schemas.openxmlformats.org/drawingml/2006/main" xmlns:r="http://schemas.openxmlformats.org/officeDocument/2006/relationships" xmlns:p="http://schemas.openxmlformats.org/presentationml/2006/main">
+  <p:cSld>
+    <p:spTree>
+      <p:nvGrpSpPr>
+        <p:cNvPr id="1" name=""/>
+        <p:cNvGrpSpPr/>
+        <p:nvPr/>
+      </p:nvGrpSpPr>
+      <p:grpSpPr>
+        <a:xfrm>
+          <a:off x="0" y="0"/>
+          <a:ext cx="0" cy="0"/>
+          <a:chOff x="0" y="0"/>
+          <a:chExt cx="0" cy="0"/>
+        </a:xfrm>
+      </p:grpSpPr>
+      <p:sp>
+        <p:nvSpPr>
+          <p:cNvPr id="4" name="文字方塊 3">
+            <a:extLst>
+              <a:ext uri="{FF2B5EF4-FFF2-40B4-BE49-F238E27FC236}">
+                <a16:creationId xmlns:a16="http://schemas.microsoft.com/office/drawing/2014/main" id="{7BBC1838-8E10-CCFD-5847-307A01538667}"/>
+              </a:ext>
+            </a:extLst>
+          </p:cNvPr>
+          <p:cNvSpPr txBox="1"/>
+          <p:nvPr/>
+        </p:nvSpPr>
+        <p:spPr>
+          <a:xfrm>
+            <a:off x="238539" y="198783"/>
+            <a:ext cx="3435364" cy="646331"/>
+          </a:xfrm>
+          <a:prstGeom prst="rect">
+            <a:avLst/>
+          </a:prstGeom>
+          <a:noFill/>
+        </p:spPr>
+        <p:txBody>
+          <a:bodyPr wrap="none" rtlCol="0">
+            <a:spAutoFit/>
+          </a:bodyPr>
+          <a:lstStyle/>
+          <a:p>
+            <a:r>
+              <a:rPr lang="en-US" altLang="zh-TW" u="sng" dirty="0"/>
+              <a:t>No PU</a:t>
+            </a:r>
+            <a:r>
+              <a:rPr lang="zh-TW" altLang="en-US" u="sng" dirty="0"/>
+              <a:t> 版本，新增</a:t>
+            </a:r>
+            <a:r>
+              <a:rPr lang="en-US" altLang="zh-TW" dirty="0"/>
+              <a:t>WAIT_FINISH </a:t>
+            </a:r>
+            <a:r>
+              <a:rPr lang="en-US" altLang="zh-TW" u="sng" dirty="0"/>
+              <a:t>:</a:t>
+            </a:r>
+          </a:p>
+          <a:p>
+            <a:r>
+              <a:rPr lang="en-US" altLang="zh-TW" u="sng" dirty="0"/>
+              <a:t>WREG -&gt; RREG</a:t>
+            </a:r>
+            <a:endParaRPr lang="zh-TW" altLang="en-US" u="sng" dirty="0"/>
+          </a:p>
+        </p:txBody>
+      </p:sp>
+      <p:pic>
+        <p:nvPicPr>
+          <p:cNvPr id="6" name="圖片 5">
+            <a:extLst>
+              <a:ext uri="{FF2B5EF4-FFF2-40B4-BE49-F238E27FC236}">
+                <a16:creationId xmlns:a16="http://schemas.microsoft.com/office/drawing/2014/main" id="{AAF7F726-8AC2-CF49-6010-4FF4AA89CCA0}"/>
+              </a:ext>
+            </a:extLst>
+          </p:cNvPr>
+          <p:cNvPicPr>
+            <a:picLocks noChangeAspect="1"/>
+          </p:cNvPicPr>
+          <p:nvPr/>
+        </p:nvPicPr>
+        <p:blipFill>
+          <a:blip r:embed="rId2"/>
+          <a:stretch>
+            <a:fillRect/>
+          </a:stretch>
+        </p:blipFill>
+        <p:spPr>
+          <a:xfrm>
+            <a:off x="0" y="1115844"/>
+            <a:ext cx="12192000" cy="4188161"/>
+          </a:xfrm>
+          <a:prstGeom prst="rect">
+            <a:avLst/>
+          </a:prstGeom>
+        </p:spPr>
+      </p:pic>
+    </p:spTree>
+    <p:extLst>
+      <p:ext uri="{BB962C8B-B14F-4D97-AF65-F5344CB8AC3E}">
+        <p14:creationId xmlns:p14="http://schemas.microsoft.com/office/powerpoint/2010/main" val="2681335827"/>
+      </p:ext>
+    </p:extLst>
+  </p:cSld>
+  <p:clrMapOvr>
+    <a:masterClrMapping/>
+  </p:clrMapOvr>
+</p:sld>
+</file>
+
+<file path=ppt/slides/slide21.xml><?xml version="1.0" encoding="utf-8"?>
+<p:sld xmlns:a="http://schemas.openxmlformats.org/drawingml/2006/main" xmlns:r="http://schemas.openxmlformats.org/officeDocument/2006/relationships" xmlns:p="http://schemas.openxmlformats.org/presentationml/2006/main">
+  <p:cSld>
+    <p:spTree>
+      <p:nvGrpSpPr>
+        <p:cNvPr id="1" name=""/>
+        <p:cNvGrpSpPr/>
+        <p:nvPr/>
+      </p:nvGrpSpPr>
+      <p:grpSpPr>
+        <a:xfrm>
+          <a:off x="0" y="0"/>
+          <a:ext cx="0" cy="0"/>
+          <a:chOff x="0" y="0"/>
+          <a:chExt cx="0" cy="0"/>
+        </a:xfrm>
+      </p:grpSpPr>
+      <p:pic>
+        <p:nvPicPr>
+          <p:cNvPr id="5" name="內容版面配置區 4">
+            <a:extLst>
+              <a:ext uri="{FF2B5EF4-FFF2-40B4-BE49-F238E27FC236}">
+                <a16:creationId xmlns:a16="http://schemas.microsoft.com/office/drawing/2014/main" id="{A10DC898-8751-A976-494C-E141FE5D74A3}"/>
+              </a:ext>
+            </a:extLst>
+          </p:cNvPr>
+          <p:cNvPicPr>
+            <a:picLocks noGrp="1" noChangeAspect="1"/>
+          </p:cNvPicPr>
+          <p:nvPr>
+            <p:ph idx="1"/>
+          </p:nvPr>
+        </p:nvPicPr>
+        <p:blipFill>
+          <a:blip r:embed="rId2"/>
+          <a:stretch>
+            <a:fillRect/>
+          </a:stretch>
+        </p:blipFill>
+        <p:spPr>
+          <a:xfrm>
+            <a:off x="-1" y="1870509"/>
+            <a:ext cx="12151893" cy="3339665"/>
+          </a:xfrm>
+        </p:spPr>
+      </p:pic>
+      <p:sp>
+        <p:nvSpPr>
+          <p:cNvPr id="6" name="文字方塊 5">
+            <a:extLst>
+              <a:ext uri="{FF2B5EF4-FFF2-40B4-BE49-F238E27FC236}">
+                <a16:creationId xmlns:a16="http://schemas.microsoft.com/office/drawing/2014/main" id="{B9C9B454-D24C-34F9-610C-ABDE4B0B83D4}"/>
+              </a:ext>
+            </a:extLst>
+          </p:cNvPr>
+          <p:cNvSpPr txBox="1"/>
+          <p:nvPr/>
+        </p:nvSpPr>
+        <p:spPr>
+          <a:xfrm>
+            <a:off x="238539" y="198783"/>
+            <a:ext cx="3435364" cy="646331"/>
+          </a:xfrm>
+          <a:prstGeom prst="rect">
+            <a:avLst/>
+          </a:prstGeom>
+          <a:noFill/>
+        </p:spPr>
+        <p:txBody>
+          <a:bodyPr wrap="none" rtlCol="0">
+            <a:spAutoFit/>
+          </a:bodyPr>
+          <a:lstStyle/>
+          <a:p>
+            <a:r>
+              <a:rPr lang="en-US" altLang="zh-TW" u="sng" dirty="0"/>
+              <a:t>No PU</a:t>
+            </a:r>
+            <a:r>
+              <a:rPr lang="zh-TW" altLang="en-US" u="sng" dirty="0"/>
+              <a:t> 版本，新增</a:t>
+            </a:r>
+            <a:r>
+              <a:rPr lang="en-US" altLang="zh-TW" dirty="0"/>
+              <a:t>WAIT_FINISH </a:t>
+            </a:r>
+            <a:r>
+              <a:rPr lang="en-US" altLang="zh-TW" u="sng" dirty="0"/>
+              <a:t>:</a:t>
+            </a:r>
+          </a:p>
+          <a:p>
+            <a:r>
+              <a:rPr lang="en-US" altLang="zh-TW" u="sng" dirty="0"/>
+              <a:t>RREG</a:t>
+            </a:r>
+            <a:endParaRPr lang="zh-TW" altLang="en-US" u="sng" dirty="0"/>
+          </a:p>
+        </p:txBody>
+      </p:sp>
+      <p:cxnSp>
+        <p:nvCxnSpPr>
+          <p:cNvPr id="8" name="直線單箭頭接點 7">
+            <a:extLst>
+              <a:ext uri="{FF2B5EF4-FFF2-40B4-BE49-F238E27FC236}">
+                <a16:creationId xmlns:a16="http://schemas.microsoft.com/office/drawing/2014/main" id="{5EA1AD9C-8F2F-58CC-B4A2-C28FBA48D77E}"/>
+              </a:ext>
+            </a:extLst>
+          </p:cNvPr>
+          <p:cNvCxnSpPr>
+            <a:cxnSpLocks/>
+          </p:cNvCxnSpPr>
+          <p:nvPr/>
+        </p:nvCxnSpPr>
+        <p:spPr>
+          <a:xfrm flipV="1">
+            <a:off x="10863263" y="2414588"/>
+            <a:ext cx="0" cy="1571625"/>
+          </a:xfrm>
+          <a:prstGeom prst="straightConnector1">
+            <a:avLst/>
+          </a:prstGeom>
+          <a:ln>
+            <a:tailEnd type="triangle"/>
+          </a:ln>
+        </p:spPr>
+        <p:style>
+          <a:lnRef idx="2">
+            <a:schemeClr val="accent1"/>
+          </a:lnRef>
+          <a:fillRef idx="0">
+            <a:schemeClr val="accent1"/>
+          </a:fillRef>
+          <a:effectRef idx="1">
+            <a:schemeClr val="accent1"/>
+          </a:effectRef>
+          <a:fontRef idx="minor">
+            <a:schemeClr val="tx1"/>
+          </a:fontRef>
+        </p:style>
+      </p:cxnSp>
+    </p:spTree>
+    <p:extLst>
+      <p:ext uri="{BB962C8B-B14F-4D97-AF65-F5344CB8AC3E}">
+        <p14:creationId xmlns:p14="http://schemas.microsoft.com/office/powerpoint/2010/main" val="2744861716"/>
+      </p:ext>
+    </p:extLst>
+  </p:cSld>
+  <p:clrMapOvr>
+    <a:masterClrMapping/>
+  </p:clrMapOvr>
+</p:sld>
+</file>
+
+<file path=ppt/slides/slide22.xml><?xml version="1.0" encoding="utf-8"?>
+<p:sld xmlns:a="http://schemas.openxmlformats.org/drawingml/2006/main" xmlns:r="http://schemas.openxmlformats.org/officeDocument/2006/relationships" xmlns:p="http://schemas.openxmlformats.org/presentationml/2006/main">
+  <p:cSld>
+    <p:spTree>
+      <p:nvGrpSpPr>
+        <p:cNvPr id="1" name=""/>
+        <p:cNvGrpSpPr/>
+        <p:nvPr/>
+      </p:nvGrpSpPr>
+      <p:grpSpPr>
+        <a:xfrm>
+          <a:off x="0" y="0"/>
+          <a:ext cx="0" cy="0"/>
+          <a:chOff x="0" y="0"/>
+          <a:chExt cx="0" cy="0"/>
+        </a:xfrm>
+      </p:grpSpPr>
+    </p:spTree>
+    <p:extLst>
+      <p:ext uri="{BB962C8B-B14F-4D97-AF65-F5344CB8AC3E}">
+        <p14:creationId xmlns:p14="http://schemas.microsoft.com/office/powerpoint/2010/main" val="770049183"/>
+      </p:ext>
+    </p:extLst>
+  </p:cSld>
+  <p:clrMapOvr>
+    <a:masterClrMapping/>
+  </p:clrMapOvr>
+</p:sld>
+</file>
+
+<file path=ppt/slides/slide23.xml><?xml version="1.0" encoding="utf-8"?>
+<p:sld xmlns:a="http://schemas.openxmlformats.org/drawingml/2006/main" xmlns:r="http://schemas.openxmlformats.org/officeDocument/2006/relationships" xmlns:p="http://schemas.openxmlformats.org/presentationml/2006/main">
+  <p:cSld>
+    <p:spTree>
+      <p:nvGrpSpPr>
+        <p:cNvPr id="1" name="">
+          <a:extLst>
+            <a:ext uri="{FF2B5EF4-FFF2-40B4-BE49-F238E27FC236}">
+              <a16:creationId xmlns:a16="http://schemas.microsoft.com/office/drawing/2014/main" id="{3DE93C7B-0E83-E791-68BA-149DAD08D6EF}"/>
+            </a:ext>
+          </a:extLst>
+        </p:cNvPr>
+        <p:cNvGrpSpPr/>
+        <p:nvPr/>
+      </p:nvGrpSpPr>
+      <p:grpSpPr>
+        <a:xfrm>
+          <a:off x="0" y="0"/>
+          <a:ext cx="0" cy="0"/>
+          <a:chOff x="0" y="0"/>
+          <a:chExt cx="0" cy="0"/>
+        </a:xfrm>
+      </p:grpSpPr>
+      <p:sp>
+        <p:nvSpPr>
+          <p:cNvPr id="3" name="文字方塊 2">
+            <a:extLst>
+              <a:ext uri="{FF2B5EF4-FFF2-40B4-BE49-F238E27FC236}">
+                <a16:creationId xmlns:a16="http://schemas.microsoft.com/office/drawing/2014/main" id="{4388C262-98E7-C1F7-BEE0-1F50B60737EB}"/>
+              </a:ext>
+            </a:extLst>
+          </p:cNvPr>
+          <p:cNvSpPr txBox="1"/>
+          <p:nvPr/>
+        </p:nvSpPr>
+        <p:spPr>
+          <a:xfrm>
+            <a:off x="5248275" y="833852"/>
+            <a:ext cx="6096000" cy="4605492"/>
+          </a:xfrm>
+          <a:prstGeom prst="rect">
+            <a:avLst/>
+          </a:prstGeom>
+          <a:noFill/>
+        </p:spPr>
+        <p:txBody>
+          <a:bodyPr wrap="square">
+            <a:spAutoFit/>
+          </a:bodyPr>
+          <a:lstStyle/>
+          <a:p>
+            <a:pPr>
+              <a:lnSpc>
+                <a:spcPts val="1425"/>
+              </a:lnSpc>
+              <a:buNone/>
+            </a:pPr>
+            <a:r>
+              <a:rPr lang="en-US" altLang="zh-TW" b="0" dirty="0">
+                <a:solidFill>
+                  <a:srgbClr val="569CD6"/>
+                </a:solidFill>
+                <a:effectLst/>
+                <a:latin typeface="Consolas" panose="020B0609020204030204" pitchFamily="49" charset="0"/>
+              </a:rPr>
+              <a:t>wire</a:t>
+            </a:r>
+            <a:r>
+              <a:rPr lang="en-US" altLang="zh-TW" b="0" dirty="0">
+                <a:solidFill>
+                  <a:srgbClr val="D4D4D4"/>
+                </a:solidFill>
+                <a:effectLst/>
+                <a:latin typeface="Consolas" panose="020B0609020204030204" pitchFamily="49" charset="0"/>
+              </a:rPr>
+              <a:t> </a:t>
+            </a:r>
+            <a:r>
+              <a:rPr lang="en-US" altLang="zh-TW" b="0" dirty="0">
+                <a:effectLst/>
+                <a:latin typeface="Consolas" panose="020B0609020204030204" pitchFamily="49" charset="0"/>
+              </a:rPr>
+              <a:t>w_en1, write_enable;</a:t>
+            </a:r>
+          </a:p>
+          <a:p>
+            <a:pPr>
+              <a:lnSpc>
+                <a:spcPts val="1425"/>
+              </a:lnSpc>
+              <a:buNone/>
+            </a:pPr>
+            <a:r>
+              <a:rPr lang="en-US" altLang="zh-TW" b="0" dirty="0">
+                <a:solidFill>
+                  <a:srgbClr val="569CD6"/>
+                </a:solidFill>
+                <a:effectLst/>
+                <a:latin typeface="Consolas" panose="020B0609020204030204" pitchFamily="49" charset="0"/>
+              </a:rPr>
+              <a:t>reg</a:t>
+            </a:r>
+            <a:r>
+              <a:rPr lang="en-US" altLang="zh-TW" b="0" dirty="0">
+                <a:solidFill>
+                  <a:srgbClr val="D4D4D4"/>
+                </a:solidFill>
+                <a:effectLst/>
+                <a:latin typeface="Consolas" panose="020B0609020204030204" pitchFamily="49" charset="0"/>
+              </a:rPr>
+              <a:t> </a:t>
+            </a:r>
+            <a:r>
+              <a:rPr lang="en-US" altLang="zh-TW" b="0" dirty="0">
+                <a:effectLst/>
+                <a:latin typeface="Consolas" panose="020B0609020204030204" pitchFamily="49" charset="0"/>
+              </a:rPr>
+              <a:t>w_en2 = 0;</a:t>
+            </a:r>
+          </a:p>
+          <a:p>
+            <a:pPr>
+              <a:lnSpc>
+                <a:spcPts val="1425"/>
+              </a:lnSpc>
+              <a:buNone/>
+            </a:pPr>
+            <a:endParaRPr lang="en-US" altLang="zh-TW" dirty="0">
+              <a:latin typeface="Consolas" panose="020B0609020204030204" pitchFamily="49" charset="0"/>
+            </a:endParaRPr>
+          </a:p>
+          <a:p>
+            <a:r>
+              <a:rPr lang="en-US" altLang="zh-TW" dirty="0"/>
+              <a:t>assign w_en1 = ~sda_out;</a:t>
+            </a:r>
+          </a:p>
+          <a:p>
+            <a:r>
+              <a:rPr lang="en-US" altLang="zh-TW" dirty="0"/>
+              <a:t>assign write_enable = w_en1 | w_en2;</a:t>
+            </a:r>
+          </a:p>
+          <a:p>
+            <a:pPr>
+              <a:lnSpc>
+                <a:spcPts val="1425"/>
+              </a:lnSpc>
+              <a:buNone/>
+            </a:pPr>
+            <a:endParaRPr lang="en-US" altLang="zh-TW" b="0" dirty="0">
+              <a:effectLst/>
+              <a:latin typeface="Consolas" panose="020B0609020204030204" pitchFamily="49" charset="0"/>
+            </a:endParaRPr>
+          </a:p>
+          <a:p>
+            <a:r>
+              <a:rPr lang="en-US" altLang="zh-TW" dirty="0"/>
+              <a:t>    assign i2c_scl =    (i2c_scl_enable == 0) ? 0 : </a:t>
+            </a:r>
+          </a:p>
+          <a:p>
+            <a:r>
+              <a:rPr lang="en-US" altLang="zh-TW" dirty="0"/>
+              <a:t>                        ((i2c_scl_enable == 1) ? 1'bz : </a:t>
+            </a:r>
+          </a:p>
+          <a:p>
+            <a:r>
+              <a:rPr lang="en-US" altLang="zh-TW" dirty="0"/>
+              <a:t>                        (i2c_clk == 1 ? 1'bz : 0));</a:t>
+            </a:r>
+          </a:p>
+          <a:p>
+            <a:endParaRPr lang="en-US" altLang="zh-TW" dirty="0"/>
+          </a:p>
+          <a:p>
+            <a:r>
+              <a:rPr lang="en-US" altLang="zh-TW" dirty="0"/>
+              <a:t>    assign i2c_sda = (write_enable == 1) ? sda_out : 1'bz;</a:t>
+            </a:r>
+          </a:p>
+          <a:p>
+            <a:endParaRPr lang="en-US" altLang="zh-TW" dirty="0"/>
+          </a:p>
+          <a:p>
+            <a:endParaRPr lang="en-US" altLang="zh-TW" dirty="0"/>
+          </a:p>
+          <a:p>
+            <a:r>
+              <a:rPr lang="en-US" altLang="zh-TW" dirty="0">
+                <a:solidFill>
+                  <a:srgbClr val="FF0000"/>
+                </a:solidFill>
+              </a:rPr>
+              <a:t>i2c_scl_enable == 0: i2c_scl = 0</a:t>
+            </a:r>
+          </a:p>
+          <a:p>
+            <a:r>
+              <a:rPr lang="en-US" altLang="zh-TW" dirty="0">
+                <a:solidFill>
+                  <a:srgbClr val="FF0000"/>
+                </a:solidFill>
+              </a:rPr>
+              <a:t>i2c_scl_enable == 1: i2c_scl = 1</a:t>
+            </a:r>
+          </a:p>
+          <a:p>
+            <a:r>
+              <a:rPr lang="en-US" altLang="zh-TW" dirty="0">
+                <a:solidFill>
+                  <a:srgbClr val="FF0000"/>
+                </a:solidFill>
+              </a:rPr>
+              <a:t>i2c_scl_enable == 2: i2c_scl = i2c_clk</a:t>
+            </a:r>
+          </a:p>
+          <a:p>
+            <a:endParaRPr lang="en-US" altLang="zh-TW" dirty="0">
+              <a:solidFill>
+                <a:srgbClr val="FF0000"/>
+              </a:solidFill>
+            </a:endParaRPr>
+          </a:p>
+          <a:p>
+            <a:pPr>
+              <a:lnSpc>
+                <a:spcPts val="1425"/>
+              </a:lnSpc>
+              <a:buNone/>
+            </a:pPr>
+            <a:endParaRPr lang="en-US" altLang="zh-TW" b="0" dirty="0">
+              <a:effectLst/>
+              <a:latin typeface="Consolas" panose="020B0609020204030204" pitchFamily="49" charset="0"/>
+            </a:endParaRPr>
+          </a:p>
+        </p:txBody>
+      </p:sp>
+    </p:spTree>
+    <p:extLst>
+      <p:ext uri="{BB962C8B-B14F-4D97-AF65-F5344CB8AC3E}">
+        <p14:creationId xmlns:p14="http://schemas.microsoft.com/office/powerpoint/2010/main" val="907406431"/>
       </p:ext>
     </p:extLst>
   </p:cSld>
@@ -7189,8 +8388,8 @@
             <a:chExt cx="11202840" cy="5844960"/>
           </a:xfrm>
         </p:grpSpPr>
-        <mc:AlternateContent xmlns:mc="http://schemas.openxmlformats.org/markup-compatibility/2006">
-          <mc:Choice xmlns:p14="http://schemas.microsoft.com/office/powerpoint/2010/main" Requires="p14">
+        <mc:AlternateContent xmlns:mc="http://schemas.openxmlformats.org/markup-compatibility/2006" xmlns:p14="http://schemas.microsoft.com/office/powerpoint/2010/main">
+          <mc:Choice Requires="p14">
             <p:contentPart p14:bwMode="auto" r:id="rId7">
               <p14:nvContentPartPr>
                 <p14:cNvPr id="5" name="筆跡 4">
@@ -7209,7 +8408,7 @@
               </p14:xfrm>
             </p:contentPart>
           </mc:Choice>
-          <mc:Fallback>
+          <mc:Fallback xmlns="">
             <p:pic>
               <p:nvPicPr>
                 <p:cNvPr id="5" name="筆跡 4">
@@ -7240,8 +8439,8 @@
             </p:pic>
           </mc:Fallback>
         </mc:AlternateContent>
-        <mc:AlternateContent xmlns:mc="http://schemas.openxmlformats.org/markup-compatibility/2006">
-          <mc:Choice xmlns:p14="http://schemas.microsoft.com/office/powerpoint/2010/main" Requires="p14">
+        <mc:AlternateContent xmlns:mc="http://schemas.openxmlformats.org/markup-compatibility/2006" xmlns:p14="http://schemas.microsoft.com/office/powerpoint/2010/main">
+          <mc:Choice Requires="p14">
             <p:contentPart p14:bwMode="auto" r:id="rId9">
               <p14:nvContentPartPr>
                 <p14:cNvPr id="6" name="筆跡 5">
@@ -7260,7 +8459,7 @@
               </p14:xfrm>
             </p:contentPart>
           </mc:Choice>
-          <mc:Fallback>
+          <mc:Fallback xmlns="">
             <p:pic>
               <p:nvPicPr>
                 <p:cNvPr id="6" name="筆跡 5">
@@ -7312,8 +8511,8 @@
             <a:chExt cx="90720" cy="246600"/>
           </a:xfrm>
         </p:grpSpPr>
-        <mc:AlternateContent xmlns:mc="http://schemas.openxmlformats.org/markup-compatibility/2006">
-          <mc:Choice xmlns:p14="http://schemas.microsoft.com/office/powerpoint/2010/main" Requires="p14">
+        <mc:AlternateContent xmlns:mc="http://schemas.openxmlformats.org/markup-compatibility/2006" xmlns:p14="http://schemas.microsoft.com/office/powerpoint/2010/main">
+          <mc:Choice Requires="p14">
             <p:contentPart p14:bwMode="auto" r:id="rId11">
               <p14:nvContentPartPr>
                 <p14:cNvPr id="11" name="筆跡 10">
@@ -7332,7 +8531,7 @@
               </p14:xfrm>
             </p:contentPart>
           </mc:Choice>
-          <mc:Fallback>
+          <mc:Fallback xmlns="">
             <p:pic>
               <p:nvPicPr>
                 <p:cNvPr id="11" name="筆跡 10">
@@ -7363,8 +8562,8 @@
             </p:pic>
           </mc:Fallback>
         </mc:AlternateContent>
-        <mc:AlternateContent xmlns:mc="http://schemas.openxmlformats.org/markup-compatibility/2006">
-          <mc:Choice xmlns:p14="http://schemas.microsoft.com/office/powerpoint/2010/main" Requires="p14">
+        <mc:AlternateContent xmlns:mc="http://schemas.openxmlformats.org/markup-compatibility/2006" xmlns:p14="http://schemas.microsoft.com/office/powerpoint/2010/main">
+          <mc:Choice Requires="p14">
             <p:contentPart p14:bwMode="auto" r:id="rId13">
               <p14:nvContentPartPr>
                 <p14:cNvPr id="12" name="筆跡 11">
@@ -7383,7 +8582,7 @@
               </p14:xfrm>
             </p:contentPart>
           </mc:Choice>
-          <mc:Fallback>
+          <mc:Fallback xmlns="">
             <p:pic>
               <p:nvPicPr>
                 <p:cNvPr id="12" name="筆跡 11">
@@ -7435,8 +8634,8 @@
             <a:chExt cx="284760" cy="288360"/>
           </a:xfrm>
         </p:grpSpPr>
-        <mc:AlternateContent xmlns:mc="http://schemas.openxmlformats.org/markup-compatibility/2006">
-          <mc:Choice xmlns:p14="http://schemas.microsoft.com/office/powerpoint/2010/main" Requires="p14">
+        <mc:AlternateContent xmlns:mc="http://schemas.openxmlformats.org/markup-compatibility/2006" xmlns:p14="http://schemas.microsoft.com/office/powerpoint/2010/main">
+          <mc:Choice Requires="p14">
             <p:contentPart p14:bwMode="auto" r:id="rId15">
               <p14:nvContentPartPr>
                 <p14:cNvPr id="14" name="筆跡 13">
@@ -7455,7 +8654,7 @@
               </p14:xfrm>
             </p:contentPart>
           </mc:Choice>
-          <mc:Fallback>
+          <mc:Fallback xmlns="">
             <p:pic>
               <p:nvPicPr>
                 <p:cNvPr id="14" name="筆跡 13">
@@ -7486,8 +8685,8 @@
             </p:pic>
           </mc:Fallback>
         </mc:AlternateContent>
-        <mc:AlternateContent xmlns:mc="http://schemas.openxmlformats.org/markup-compatibility/2006">
-          <mc:Choice xmlns:p14="http://schemas.microsoft.com/office/powerpoint/2010/main" Requires="p14">
+        <mc:AlternateContent xmlns:mc="http://schemas.openxmlformats.org/markup-compatibility/2006" xmlns:p14="http://schemas.microsoft.com/office/powerpoint/2010/main">
+          <mc:Choice Requires="p14">
             <p:contentPart p14:bwMode="auto" r:id="rId17">
               <p14:nvContentPartPr>
                 <p14:cNvPr id="15" name="筆跡 14">
@@ -7506,7 +8705,7 @@
               </p14:xfrm>
             </p:contentPart>
           </mc:Choice>
-          <mc:Fallback>
+          <mc:Fallback xmlns="">
             <p:pic>
               <p:nvPicPr>
                 <p:cNvPr id="15" name="筆跡 14">
@@ -7832,8 +9031,8 @@
             <a:chExt cx="11532960" cy="5509440"/>
           </a:xfrm>
         </p:grpSpPr>
-        <mc:AlternateContent xmlns:mc="http://schemas.openxmlformats.org/markup-compatibility/2006">
-          <mc:Choice xmlns:p14="http://schemas.microsoft.com/office/powerpoint/2010/main" Requires="p14">
+        <mc:AlternateContent xmlns:mc="http://schemas.openxmlformats.org/markup-compatibility/2006" xmlns:p14="http://schemas.microsoft.com/office/powerpoint/2010/main">
+          <mc:Choice Requires="p14">
             <p:contentPart p14:bwMode="auto" r:id="rId7">
               <p14:nvContentPartPr>
                 <p14:cNvPr id="9" name="筆跡 8">
@@ -7852,7 +9051,7 @@
               </p14:xfrm>
             </p:contentPart>
           </mc:Choice>
-          <mc:Fallback>
+          <mc:Fallback xmlns="">
             <p:pic>
               <p:nvPicPr>
                 <p:cNvPr id="9" name="筆跡 8">
@@ -7883,8 +9082,8 @@
             </p:pic>
           </mc:Fallback>
         </mc:AlternateContent>
-        <mc:AlternateContent xmlns:mc="http://schemas.openxmlformats.org/markup-compatibility/2006">
-          <mc:Choice xmlns:p14="http://schemas.microsoft.com/office/powerpoint/2010/main" Requires="p14">
+        <mc:AlternateContent xmlns:mc="http://schemas.openxmlformats.org/markup-compatibility/2006" xmlns:p14="http://schemas.microsoft.com/office/powerpoint/2010/main">
+          <mc:Choice Requires="p14">
             <p:contentPart p14:bwMode="auto" r:id="rId9">
               <p14:nvContentPartPr>
                 <p14:cNvPr id="10" name="筆跡 9">
@@ -7903,7 +9102,7 @@
               </p14:xfrm>
             </p:contentPart>
           </mc:Choice>
-          <mc:Fallback>
+          <mc:Fallback xmlns="">
             <p:pic>
               <p:nvPicPr>
                 <p:cNvPr id="10" name="筆跡 9">
@@ -8229,8 +9428,8 @@
             <a:chExt cx="9891720" cy="5311440"/>
           </a:xfrm>
         </p:grpSpPr>
-        <mc:AlternateContent xmlns:mc="http://schemas.openxmlformats.org/markup-compatibility/2006">
-          <mc:Choice xmlns:p14="http://schemas.microsoft.com/office/powerpoint/2010/main" Requires="p14">
+        <mc:AlternateContent xmlns:mc="http://schemas.openxmlformats.org/markup-compatibility/2006" xmlns:p14="http://schemas.microsoft.com/office/powerpoint/2010/main">
+          <mc:Choice Requires="p14">
             <p:contentPart p14:bwMode="auto" r:id="rId7">
               <p14:nvContentPartPr>
                 <p14:cNvPr id="14" name="筆跡 13">
@@ -8249,7 +9448,7 @@
               </p14:xfrm>
             </p:contentPart>
           </mc:Choice>
-          <mc:Fallback>
+          <mc:Fallback xmlns="">
             <p:pic>
               <p:nvPicPr>
                 <p:cNvPr id="14" name="筆跡 13">
@@ -8280,8 +9479,8 @@
             </p:pic>
           </mc:Fallback>
         </mc:AlternateContent>
-        <mc:AlternateContent xmlns:mc="http://schemas.openxmlformats.org/markup-compatibility/2006">
-          <mc:Choice xmlns:p14="http://schemas.microsoft.com/office/powerpoint/2010/main" Requires="p14">
+        <mc:AlternateContent xmlns:mc="http://schemas.openxmlformats.org/markup-compatibility/2006" xmlns:p14="http://schemas.microsoft.com/office/powerpoint/2010/main">
+          <mc:Choice Requires="p14">
             <p:contentPart p14:bwMode="auto" r:id="rId9">
               <p14:nvContentPartPr>
                 <p14:cNvPr id="15" name="筆跡 14">
@@ -8300,7 +9499,7 @@
               </p14:xfrm>
             </p:contentPart>
           </mc:Choice>
-          <mc:Fallback>
+          <mc:Fallback xmlns="">
             <p:pic>
               <p:nvPicPr>
                 <p:cNvPr id="15" name="筆跡 14">
@@ -8331,8 +9530,8 @@
             </p:pic>
           </mc:Fallback>
         </mc:AlternateContent>
-        <mc:AlternateContent xmlns:mc="http://schemas.openxmlformats.org/markup-compatibility/2006">
-          <mc:Choice xmlns:p14="http://schemas.microsoft.com/office/powerpoint/2010/main" Requires="p14">
+        <mc:AlternateContent xmlns:mc="http://schemas.openxmlformats.org/markup-compatibility/2006" xmlns:p14="http://schemas.microsoft.com/office/powerpoint/2010/main">
+          <mc:Choice Requires="p14">
             <p:contentPart p14:bwMode="auto" r:id="rId11">
               <p14:nvContentPartPr>
                 <p14:cNvPr id="16" name="筆跡 15">
@@ -8351,7 +9550,7 @@
               </p14:xfrm>
             </p:contentPart>
           </mc:Choice>
-          <mc:Fallback>
+          <mc:Fallback xmlns="">
             <p:pic>
               <p:nvPicPr>
                 <p:cNvPr id="16" name="筆跡 15">
